--- a/Report and PPT/Major Mini Project/Miniproject.pptx
+++ b/Report and PPT/Major Mini Project/Miniproject.pptx
@@ -5,10 +5,10 @@
     <p:sldMasterId id="2147483732" r:id="rId1"/>
   </p:sldMasterIdLst>
   <p:notesMasterIdLst>
-    <p:notesMasterId r:id="rId22"/>
+    <p:notesMasterId r:id="rId14"/>
   </p:notesMasterIdLst>
   <p:handoutMasterIdLst>
-    <p:handoutMasterId r:id="rId23"/>
+    <p:handoutMasterId r:id="rId15"/>
   </p:handoutMasterIdLst>
   <p:sldIdLst>
     <p:sldId id="365" r:id="rId2"/>
@@ -16,21 +16,13 @@
     <p:sldId id="353" r:id="rId4"/>
     <p:sldId id="346" r:id="rId5"/>
     <p:sldId id="366" r:id="rId6"/>
-    <p:sldId id="368" r:id="rId7"/>
-    <p:sldId id="367" r:id="rId8"/>
-    <p:sldId id="362" r:id="rId9"/>
-    <p:sldId id="361" r:id="rId10"/>
-    <p:sldId id="352" r:id="rId11"/>
-    <p:sldId id="355" r:id="rId12"/>
-    <p:sldId id="356" r:id="rId13"/>
-    <p:sldId id="363" r:id="rId14"/>
-    <p:sldId id="364" r:id="rId15"/>
-    <p:sldId id="357" r:id="rId16"/>
-    <p:sldId id="358" r:id="rId17"/>
-    <p:sldId id="359" r:id="rId18"/>
-    <p:sldId id="360" r:id="rId19"/>
-    <p:sldId id="344" r:id="rId20"/>
-    <p:sldId id="284" r:id="rId21"/>
+    <p:sldId id="370" r:id="rId7"/>
+    <p:sldId id="368" r:id="rId8"/>
+    <p:sldId id="367" r:id="rId9"/>
+    <p:sldId id="352" r:id="rId10"/>
+    <p:sldId id="355" r:id="rId11"/>
+    <p:sldId id="344" r:id="rId12"/>
+    <p:sldId id="284" r:id="rId13"/>
   </p:sldIdLst>
   <p:sldSz cx="12192000" cy="6858000"/>
   <p:notesSz cx="6858000" cy="9144000"/>
@@ -231,7 +223,7 @@
             <a:fld id="{5D1342DD-3D60-4CB2-B04B-945A148BE5CA}" type="datetimeFigureOut">
               <a:rPr lang="en-US" smtClean="0"/>
               <a:pPr/>
-              <a:t>7/3/2024</a:t>
+              <a:t>7/4/2024</a:t>
             </a:fld>
             <a:endParaRPr lang="en-US"/>
           </a:p>
@@ -402,7 +394,7 @@
             <a:fld id="{C15499E5-5CF3-425B-9764-AB56ED7C0C01}" type="datetimeFigureOut">
               <a:rPr lang="en-US" smtClean="0"/>
               <a:pPr/>
-              <a:t>7/3/2024</a:t>
+              <a:t>7/4/2024</a:t>
             </a:fld>
             <a:endParaRPr lang="en-IN"/>
           </a:p>
@@ -1077,7 +1069,7 @@
             <a:fld id="{E2AF849F-D942-41A7-94B9-17C1F1C86144}" type="datetime5">
               <a:rPr lang="en-US" smtClean="0"/>
               <a:pPr/>
-              <a:t>3-Jul-24</a:t>
+              <a:t>4-Jul-24</a:t>
             </a:fld>
             <a:endParaRPr lang="en-US"/>
           </a:p>
@@ -1433,7 +1425,7 @@
             <a:fld id="{07734BBD-D8BD-4901-821B-924DA4D1B2D7}" type="datetime5">
               <a:rPr lang="en-US" smtClean="0"/>
               <a:pPr/>
-              <a:t>3-Jul-24</a:t>
+              <a:t>4-Jul-24</a:t>
             </a:fld>
             <a:endParaRPr lang="en-US"/>
           </a:p>
@@ -1612,7 +1604,7 @@
             <a:fld id="{39C25FE9-2B77-4C5C-B1B7-0FABFCCF2FB3}" type="datetime5">
               <a:rPr lang="en-US" smtClean="0"/>
               <a:pPr/>
-              <a:t>3-Jul-24</a:t>
+              <a:t>4-Jul-24</a:t>
             </a:fld>
             <a:endParaRPr lang="en-US"/>
           </a:p>
@@ -1729,7 +1721,7 @@
             <a:fld id="{1BC18043-1F1D-4DEC-A779-53CDDC30EEAA}" type="datetime5">
               <a:rPr lang="en-US" smtClean="0"/>
               <a:pPr/>
-              <a:t>3-Jul-24</a:t>
+              <a:t>4-Jul-24</a:t>
             </a:fld>
             <a:endParaRPr lang="en-US"/>
           </a:p>
@@ -2091,7 +2083,7 @@
             <a:fld id="{EAD40EF5-93F0-4A6B-BC81-9AA35CF65F67}" type="datetime5">
               <a:rPr lang="en-US" smtClean="0"/>
               <a:pPr/>
-              <a:t>3-Jul-24</a:t>
+              <a:t>4-Jul-24</a:t>
             </a:fld>
             <a:endParaRPr lang="en-US"/>
           </a:p>
@@ -2360,7 +2352,7 @@
             <a:fld id="{E65887CC-5C07-44DA-B08C-196104A58AA0}" type="datetime5">
               <a:rPr lang="en-US" smtClean="0"/>
               <a:pPr/>
-              <a:t>3-Jul-24</a:t>
+              <a:t>4-Jul-24</a:t>
             </a:fld>
             <a:endParaRPr lang="en-US"/>
           </a:p>
@@ -2726,7 +2718,7 @@
             <a:fld id="{949ADE4A-FE93-48AB-8B95-DB53550F6B6C}" type="datetime5">
               <a:rPr lang="en-US" smtClean="0"/>
               <a:pPr/>
-              <a:t>3-Jul-24</a:t>
+              <a:t>4-Jul-24</a:t>
             </a:fld>
             <a:endParaRPr lang="en-US"/>
           </a:p>
@@ -2957,7 +2949,7 @@
             <a:fld id="{0191565C-54BD-4957-B29B-5FD99560FCF8}" type="datetime5">
               <a:rPr lang="en-US" smtClean="0"/>
               <a:pPr/>
-              <a:t>3-Jul-24</a:t>
+              <a:t>4-Jul-24</a:t>
             </a:fld>
             <a:endParaRPr lang="en-US"/>
           </a:p>
@@ -3052,7 +3044,7 @@
             <a:fld id="{1BD485F8-AE1D-416B-B087-2D1D34BFF988}" type="datetime5">
               <a:rPr lang="en-US" smtClean="0"/>
               <a:pPr/>
-              <a:t>3-Jul-24</a:t>
+              <a:t>4-Jul-24</a:t>
             </a:fld>
             <a:endParaRPr lang="en-US"/>
           </a:p>
@@ -3323,7 +3315,7 @@
             <a:fld id="{EB515686-53A3-4A5C-8E75-0D981BE33248}" type="datetime5">
               <a:rPr lang="en-US" smtClean="0"/>
               <a:pPr/>
-              <a:t>3-Jul-24</a:t>
+              <a:t>4-Jul-24</a:t>
             </a:fld>
             <a:endParaRPr lang="en-US"/>
           </a:p>
@@ -3555,7 +3547,7 @@
             <a:fld id="{1F46920B-FE0D-486B-8374-09F25A04E37B}" type="datetime5">
               <a:rPr lang="en-US" smtClean="0"/>
               <a:pPr/>
-              <a:t>3-Jul-24</a:t>
+              <a:t>4-Jul-24</a:t>
             </a:fld>
             <a:endParaRPr lang="en-US"/>
           </a:p>
@@ -4057,7 +4049,7 @@
             <a:fld id="{FE34D3D7-13F2-4A7D-9DF4-0C4A4A39B7A7}" type="datetime5">
               <a:rPr lang="en-US" smtClean="0"/>
               <a:pPr/>
-              <a:t>3-Jul-24</a:t>
+              <a:t>4-Jul-24</a:t>
             </a:fld>
             <a:endParaRPr lang="en-US"/>
           </a:p>
@@ -4687,7 +4679,7 @@
                 <a:ea typeface="Cambria" pitchFamily="18" charset="0"/>
               </a:rPr>
               <a:pPr algn="ctr"/>
-              <a:t>3-Jul-24</a:t>
+              <a:t>4-Jul-24</a:t>
             </a:fld>
             <a:endParaRPr lang="en-US" b="1" dirty="0">
               <a:latin typeface="Cambria" pitchFamily="18" charset="0"/>
@@ -5214,10 +5206,82 @@
       </p:grpSpPr>
       <p:sp>
         <p:nvSpPr>
-          <p:cNvPr id="2" name="Title 1">
+          <p:cNvPr id="2" name="Title 1"/>
+          <p:cNvSpPr>
+            <a:spLocks noGrp="1"/>
+          </p:cNvSpPr>
+          <p:nvPr>
+            <p:ph type="title"/>
+          </p:nvPr>
+        </p:nvSpPr>
+        <p:spPr>
+          <a:xfrm>
+            <a:off x="207818" y="274638"/>
+            <a:ext cx="11790219" cy="1143000"/>
+          </a:xfrm>
+        </p:spPr>
+        <p:txBody>
+          <a:bodyPr anchor="ctr">
+            <a:noAutofit/>
+          </a:bodyPr>
+          <a:lstStyle/>
+          <a:p>
+            <a:pPr algn="ctr"/>
+            <a:r>
+              <a:rPr lang="en-IN" sz="4800" b="1" dirty="0">
+                <a:solidFill>
+                  <a:schemeClr val="tx1"/>
+                </a:solidFill>
+                <a:latin typeface="Cambria" panose="02040503050406030204" pitchFamily="18" charset="0"/>
+                <a:ea typeface="Cambria" panose="02040503050406030204" pitchFamily="18" charset="0"/>
+              </a:rPr>
+              <a:t>FUNCTIONAL REQUIREMENTS</a:t>
+            </a:r>
+          </a:p>
+        </p:txBody>
+      </p:sp>
+      <p:sp>
+        <p:nvSpPr>
+          <p:cNvPr id="5" name="Date Placeholder 4"/>
+          <p:cNvSpPr>
+            <a:spLocks noGrp="1"/>
+          </p:cNvSpPr>
+          <p:nvPr>
+            <p:ph type="dt" sz="half" idx="10"/>
+          </p:nvPr>
+        </p:nvSpPr>
+        <p:spPr>
+          <a:xfrm>
+            <a:off x="10529455" y="6191250"/>
+            <a:ext cx="1371599" cy="476250"/>
+          </a:xfrm>
+        </p:spPr>
+        <p:txBody>
+          <a:bodyPr/>
+          <a:lstStyle/>
+          <a:p>
+            <a:pPr algn="ctr"/>
+            <a:fld id="{74695A20-3B40-4311-99A6-A16F459D3C37}" type="datetime5">
+              <a:rPr lang="en-US" b="1" smtClean="0">
+                <a:latin typeface="Cambria" pitchFamily="18" charset="0"/>
+                <a:ea typeface="Cambria" pitchFamily="18" charset="0"/>
+              </a:rPr>
+              <a:pPr algn="ctr"/>
+              <a:t>4-Jul-24</a:t>
+            </a:fld>
+            <a:endParaRPr lang="en-US" b="1" dirty="0">
+              <a:latin typeface="Cambria" pitchFamily="18" charset="0"/>
+              <a:ea typeface="Cambria" pitchFamily="18" charset="0"/>
+            </a:endParaRPr>
+          </a:p>
+        </p:txBody>
+      </p:sp>
+      <p:sp>
+        <p:nvSpPr>
+          <p:cNvPr id="4" name="Footer Placeholder 3">
             <a:extLst>
               <a:ext uri="{FF2B5EF4-FFF2-40B4-BE49-F238E27FC236}">
-                <a16:creationId xmlns:a16="http://schemas.microsoft.com/office/drawing/2014/main" id="{6468593E-6CCC-4D4E-9A21-BBCB3BA5AF00}"/>
+                <a16:creationId xmlns:a16="http://schemas.microsoft.com/office/drawing/2014/main" id="{E231B28B-8D5F-4EEE-9DED-01678B3201A0}"/>
               </a:ext>
             </a:extLst>
           </p:cNvPr>
@@ -5225,28 +5289,231 @@
             <a:spLocks noGrp="1"/>
           </p:cNvSpPr>
           <p:nvPr>
-            <p:ph type="ctrTitle"/>
-          </p:nvPr>
-        </p:nvSpPr>
-        <p:spPr/>
-        <p:txBody>
-          <a:bodyPr>
-            <a:normAutofit/>
-          </a:bodyPr>
-          <a:lstStyle/>
-          <a:p>
-            <a:r>
-              <a:rPr lang="en-IN" b="1" dirty="0">
+            <p:ph type="ftr" sz="quarter" idx="11"/>
+          </p:nvPr>
+        </p:nvSpPr>
+        <p:spPr>
+          <a:xfrm>
+            <a:off x="803563" y="6172200"/>
+            <a:ext cx="4668981" cy="457200"/>
+          </a:xfrm>
+        </p:spPr>
+        <p:txBody>
+          <a:bodyPr/>
+          <a:lstStyle/>
+          <a:p>
+            <a:pPr algn="ctr"/>
+            <a:r>
+              <a:rPr lang="en-US" b="1" dirty="0">
                 <a:latin typeface="Cambria" pitchFamily="18" charset="0"/>
                 <a:ea typeface="Cambria" pitchFamily="18" charset="0"/>
-                <a:cs typeface="Times New Roman" pitchFamily="18" charset="0"/>
-              </a:rPr>
-              <a:t> REQUIREMENTS SPECIFICATION</a:t>
-            </a:r>
-            <a:endParaRPr lang="en-US" dirty="0">
+              </a:rPr>
+              <a:t>Department of CS&amp;E, </a:t>
+            </a:r>
+            <a:r>
+              <a:rPr lang="en-US" b="1" dirty="0" err="1">
+                <a:latin typeface="Cambria" pitchFamily="18" charset="0"/>
+                <a:ea typeface="Cambria" pitchFamily="18" charset="0"/>
+              </a:rPr>
+              <a:t>Acharya</a:t>
+            </a:r>
+            <a:r>
+              <a:rPr lang="en-US" b="1" dirty="0">
+                <a:latin typeface="Cambria" pitchFamily="18" charset="0"/>
+                <a:ea typeface="Cambria" pitchFamily="18" charset="0"/>
+              </a:rPr>
+              <a:t> Institute of Technology</a:t>
+            </a:r>
+          </a:p>
+        </p:txBody>
+      </p:sp>
+      <p:sp>
+        <p:nvSpPr>
+          <p:cNvPr id="6" name="Slide Number Placeholder 5">
+            <a:extLst>
+              <a:ext uri="{FF2B5EF4-FFF2-40B4-BE49-F238E27FC236}">
+                <a16:creationId xmlns:a16="http://schemas.microsoft.com/office/drawing/2014/main" id="{B64DA838-F8DD-477F-8DE9-74E668BD5ACD}"/>
+              </a:ext>
+            </a:extLst>
+          </p:cNvPr>
+          <p:cNvSpPr>
+            <a:spLocks noGrp="1"/>
+          </p:cNvSpPr>
+          <p:nvPr>
+            <p:ph type="sldNum" sz="quarter" idx="12"/>
+          </p:nvPr>
+        </p:nvSpPr>
+        <p:spPr/>
+        <p:txBody>
+          <a:bodyPr/>
+          <a:lstStyle/>
+          <a:p>
+            <a:fld id="{80A3A3F3-8EDC-49BE-84B5-3735161BD4D6}" type="slidenum">
+              <a:rPr lang="en-US" smtClean="0"/>
+              <a:pPr/>
+              <a:t>10</a:t>
+            </a:fld>
+            <a:endParaRPr lang="en-US"/>
+          </a:p>
+        </p:txBody>
+      </p:sp>
+      <p:sp>
+        <p:nvSpPr>
+          <p:cNvPr id="7" name="Content Placeholder 6"/>
+          <p:cNvSpPr>
+            <a:spLocks noGrp="1"/>
+          </p:cNvSpPr>
+          <p:nvPr>
+            <p:ph sz="quarter" idx="1"/>
+          </p:nvPr>
+        </p:nvSpPr>
+        <p:spPr>
+          <a:xfrm>
+            <a:off x="221673" y="1447800"/>
+            <a:ext cx="11720945" cy="4745182"/>
+          </a:xfrm>
+        </p:spPr>
+        <p:txBody>
+          <a:bodyPr>
+            <a:normAutofit fontScale="92500" lnSpcReduction="10000"/>
+          </a:bodyPr>
+          <a:lstStyle/>
+          <a:p>
+            <a:pPr algn="just">
+              <a:lnSpc>
+                <a:spcPct val="150000"/>
+              </a:lnSpc>
+              <a:spcAft>
+                <a:spcPts val="1000"/>
+              </a:spcAft>
+            </a:pPr>
+            <a:r>
+              <a:rPr lang="en-US" sz="2800" dirty="0">
+                <a:effectLst/>
+                <a:latin typeface="Calibri" panose="020F0502020204030204" pitchFamily="34" charset="0"/>
+                <a:ea typeface="Calibri" panose="020F0502020204030204" pitchFamily="34" charset="0"/>
+                <a:cs typeface="Times New Roman" panose="02020603050405020304" pitchFamily="18" charset="0"/>
+              </a:rPr>
+              <a:t>Next JS: Frontend framework for building the user interface.</a:t>
+            </a:r>
+          </a:p>
+          <a:p>
+            <a:pPr algn="just">
+              <a:lnSpc>
+                <a:spcPct val="150000"/>
+              </a:lnSpc>
+              <a:spcAft>
+                <a:spcPts val="1000"/>
+              </a:spcAft>
+            </a:pPr>
+            <a:r>
+              <a:rPr lang="en-US" sz="2800" dirty="0" err="1">
+                <a:effectLst/>
+                <a:latin typeface="Calibri" panose="020F0502020204030204" pitchFamily="34" charset="0"/>
+                <a:ea typeface="Calibri" panose="020F0502020204030204" pitchFamily="34" charset="0"/>
+                <a:cs typeface="Times New Roman" panose="02020603050405020304" pitchFamily="18" charset="0"/>
+              </a:rPr>
+              <a:t>AuthO</a:t>
+            </a:r>
+            <a:r>
+              <a:rPr lang="en-US" sz="2800" dirty="0">
+                <a:effectLst/>
+                <a:latin typeface="Calibri" panose="020F0502020204030204" pitchFamily="34" charset="0"/>
+                <a:ea typeface="Calibri" panose="020F0502020204030204" pitchFamily="34" charset="0"/>
+                <a:cs typeface="Times New Roman" panose="02020603050405020304" pitchFamily="18" charset="0"/>
+              </a:rPr>
+              <a:t>: Manages user authentication and authorization.</a:t>
+            </a:r>
+          </a:p>
+          <a:p>
+            <a:pPr algn="just">
+              <a:lnSpc>
+                <a:spcPct val="150000"/>
+              </a:lnSpc>
+              <a:spcAft>
+                <a:spcPts val="1000"/>
+              </a:spcAft>
+            </a:pPr>
+            <a:r>
+              <a:rPr lang="en-US" sz="2800" dirty="0">
+                <a:effectLst/>
+                <a:latin typeface="Calibri" panose="020F0502020204030204" pitchFamily="34" charset="0"/>
+                <a:ea typeface="Calibri" panose="020F0502020204030204" pitchFamily="34" charset="0"/>
+                <a:cs typeface="Times New Roman" panose="02020603050405020304" pitchFamily="18" charset="0"/>
+              </a:rPr>
+              <a:t>MongoDB: Database for storing user data and generated content.</a:t>
+            </a:r>
+          </a:p>
+          <a:p>
+            <a:pPr algn="just">
+              <a:lnSpc>
+                <a:spcPct val="150000"/>
+              </a:lnSpc>
+              <a:spcAft>
+                <a:spcPts val="1000"/>
+              </a:spcAft>
+            </a:pPr>
+            <a:r>
+              <a:rPr lang="en-US" sz="2800" dirty="0">
+                <a:effectLst/>
+                <a:latin typeface="Calibri" panose="020F0502020204030204" pitchFamily="34" charset="0"/>
+                <a:ea typeface="Calibri" panose="020F0502020204030204" pitchFamily="34" charset="0"/>
+                <a:cs typeface="Times New Roman" panose="02020603050405020304" pitchFamily="18" charset="0"/>
+              </a:rPr>
+              <a:t>Stripe: Payment gateway for processing payments and managing subscriptions.</a:t>
+            </a:r>
+          </a:p>
+          <a:p>
+            <a:pPr algn="just">
+              <a:lnSpc>
+                <a:spcPct val="150000"/>
+              </a:lnSpc>
+              <a:spcAft>
+                <a:spcPts val="1000"/>
+              </a:spcAft>
+            </a:pPr>
+            <a:r>
+              <a:rPr lang="en-US" sz="2800" dirty="0">
+                <a:effectLst/>
+                <a:latin typeface="Calibri" panose="020F0502020204030204" pitchFamily="34" charset="0"/>
+                <a:ea typeface="Calibri" panose="020F0502020204030204" pitchFamily="34" charset="0"/>
+                <a:cs typeface="Times New Roman" panose="02020603050405020304" pitchFamily="18" charset="0"/>
+              </a:rPr>
+              <a:t>Chat GPT Open AI (gpt-3.5-turbo): AI model for generating blog content.</a:t>
+            </a:r>
+          </a:p>
+          <a:p>
+            <a:pPr algn="just">
+              <a:lnSpc>
+                <a:spcPct val="150000"/>
+              </a:lnSpc>
+              <a:spcAft>
+                <a:spcPts val="1000"/>
+              </a:spcAft>
+            </a:pPr>
+            <a:r>
+              <a:rPr lang="en-US" sz="2800" dirty="0">
+                <a:effectLst/>
+                <a:latin typeface="Calibri" panose="020F0502020204030204" pitchFamily="34" charset="0"/>
+                <a:ea typeface="Calibri" panose="020F0502020204030204" pitchFamily="34" charset="0"/>
+                <a:cs typeface="Times New Roman" panose="02020603050405020304" pitchFamily="18" charset="0"/>
+              </a:rPr>
+              <a:t>React Native: For building mobile applications (if applicable).</a:t>
+            </a:r>
+            <a:endParaRPr lang="en-IN" sz="2800" dirty="0">
+              <a:effectLst/>
+              <a:latin typeface="Calibri" panose="020F0502020204030204" pitchFamily="34" charset="0"/>
+              <a:ea typeface="Calibri" panose="020F0502020204030204" pitchFamily="34" charset="0"/>
+              <a:cs typeface="Times New Roman" panose="02020603050405020304" pitchFamily="18" charset="0"/>
+            </a:endParaRPr>
+          </a:p>
+          <a:p>
+            <a:pPr algn="just">
+              <a:buNone/>
+            </a:pPr>
+            <a:endParaRPr lang="en-US" b="1" dirty="0">
               <a:latin typeface="Cambria" pitchFamily="18" charset="0"/>
               <a:ea typeface="Cambria" pitchFamily="18" charset="0"/>
-              <a:cs typeface="Times New Roman" panose="02020603050405020304" pitchFamily="18" charset="0"/>
             </a:endParaRPr>
           </a:p>
         </p:txBody>
@@ -5254,7 +5521,7 @@
     </p:spTree>
     <p:extLst>
       <p:ext uri="{BB962C8B-B14F-4D97-AF65-F5344CB8AC3E}">
-        <p14:creationId xmlns:p14="http://schemas.microsoft.com/office/powerpoint/2010/main" val="1453386912"/>
+        <p14:creationId xmlns:p14="http://schemas.microsoft.com/office/powerpoint/2010/main" val="1240072907"/>
       </p:ext>
     </p:extLst>
   </p:cSld>
@@ -5283,68 +5550,38 @@
       </p:grpSpPr>
       <p:sp>
         <p:nvSpPr>
-          <p:cNvPr id="2" name="Title 1"/>
-          <p:cNvSpPr>
-            <a:spLocks noGrp="1"/>
-          </p:cNvSpPr>
-          <p:nvPr>
-            <p:ph type="title"/>
+          <p:cNvPr id="2" name="Date Placeholder 1">
+            <a:extLst>
+              <a:ext uri="{FF2B5EF4-FFF2-40B4-BE49-F238E27FC236}">
+                <a16:creationId xmlns:a16="http://schemas.microsoft.com/office/drawing/2014/main" id="{1B495982-9875-45BA-B3F2-022171120B16}"/>
+              </a:ext>
+            </a:extLst>
+          </p:cNvPr>
+          <p:cNvSpPr>
+            <a:spLocks noGrp="1"/>
+          </p:cNvSpPr>
+          <p:nvPr>
+            <p:ph type="dt" sz="half" idx="10"/>
           </p:nvPr>
         </p:nvSpPr>
         <p:spPr>
           <a:xfrm>
-            <a:off x="207818" y="274638"/>
-            <a:ext cx="11790219" cy="1143000"/>
+            <a:off x="10529454" y="6191249"/>
+            <a:ext cx="1454727" cy="486641"/>
           </a:xfrm>
         </p:spPr>
         <p:txBody>
-          <a:bodyPr anchor="ctr">
-            <a:noAutofit/>
-          </a:bodyPr>
+          <a:bodyPr/>
           <a:lstStyle/>
           <a:p>
             <a:pPr algn="ctr"/>
-            <a:r>
-              <a:rPr lang="en-IN" sz="4800" b="1" dirty="0">
-                <a:solidFill>
-                  <a:schemeClr val="tx1"/>
-                </a:solidFill>
-                <a:latin typeface="Cambria" panose="02040503050406030204" pitchFamily="18" charset="0"/>
-                <a:ea typeface="Cambria" panose="02040503050406030204" pitchFamily="18" charset="0"/>
-              </a:rPr>
-              <a:t>FUNCTIONAL REQUIREMENTS</a:t>
-            </a:r>
-          </a:p>
-        </p:txBody>
-      </p:sp>
-      <p:sp>
-        <p:nvSpPr>
-          <p:cNvPr id="5" name="Date Placeholder 4"/>
-          <p:cNvSpPr>
-            <a:spLocks noGrp="1"/>
-          </p:cNvSpPr>
-          <p:nvPr>
-            <p:ph type="dt" sz="half" idx="10"/>
-          </p:nvPr>
-        </p:nvSpPr>
-        <p:spPr>
-          <a:xfrm>
-            <a:off x="10529455" y="6191250"/>
-            <a:ext cx="1371599" cy="476250"/>
-          </a:xfrm>
-        </p:spPr>
-        <p:txBody>
-          <a:bodyPr/>
-          <a:lstStyle/>
-          <a:p>
-            <a:pPr algn="ctr"/>
-            <a:fld id="{74695A20-3B40-4311-99A6-A16F459D3C37}" type="datetime5">
+            <a:fld id="{8FC3AE98-8AF6-4B6B-B260-65429195B669}" type="datetime5">
               <a:rPr lang="en-US" b="1" smtClean="0">
                 <a:latin typeface="Cambria" pitchFamily="18" charset="0"/>
                 <a:ea typeface="Cambria" pitchFamily="18" charset="0"/>
               </a:rPr>
               <a:pPr algn="ctr"/>
-              <a:t>3-Jul-24</a:t>
+              <a:t>4-Jul-24</a:t>
             </a:fld>
             <a:endParaRPr lang="en-US" b="1" dirty="0">
               <a:latin typeface="Cambria" pitchFamily="18" charset="0"/>
@@ -5355,24 +5592,212 @@
       </p:sp>
       <p:sp>
         <p:nvSpPr>
-          <p:cNvPr id="4" name="Footer Placeholder 3">
+          <p:cNvPr id="5" name="Rectangle 4">
             <a:extLst>
               <a:ext uri="{FF2B5EF4-FFF2-40B4-BE49-F238E27FC236}">
-                <a16:creationId xmlns:a16="http://schemas.microsoft.com/office/drawing/2014/main" id="{E231B28B-8D5F-4EEE-9DED-01678B3201A0}"/>
+                <a16:creationId xmlns:a16="http://schemas.microsoft.com/office/drawing/2014/main" id="{69A3E08B-466D-43CD-B372-6849C5A44F11}"/>
               </a:ext>
             </a:extLst>
           </p:cNvPr>
-          <p:cNvSpPr>
-            <a:spLocks noGrp="1"/>
-          </p:cNvSpPr>
-          <p:nvPr>
-            <p:ph type="ftr" sz="quarter" idx="11"/>
-          </p:nvPr>
+          <p:cNvSpPr/>
+          <p:nvPr/>
         </p:nvSpPr>
         <p:spPr>
           <a:xfrm>
-            <a:off x="803563" y="6172200"/>
-            <a:ext cx="4668981" cy="457200"/>
+            <a:off x="221674" y="1510143"/>
+            <a:ext cx="11776362" cy="1477328"/>
+          </a:xfrm>
+          <a:prstGeom prst="rect">
+            <a:avLst/>
+          </a:prstGeom>
+        </p:spPr>
+        <p:txBody>
+          <a:bodyPr wrap="square">
+            <a:spAutoFit/>
+          </a:bodyPr>
+          <a:lstStyle/>
+          <a:p>
+            <a:pPr algn="just"/>
+            <a:r>
+              <a:rPr lang="en-US" dirty="0">
+                <a:latin typeface="Cambria" pitchFamily="18" charset="0"/>
+                <a:ea typeface="Cambria" pitchFamily="18" charset="0"/>
+                <a:cs typeface="Times New Roman" pitchFamily="18" charset="0"/>
+              </a:rPr>
+              <a:t>[1] </a:t>
+            </a:r>
+            <a:r>
+              <a:rPr lang="en-US" dirty="0">
+                <a:latin typeface="Cambria" pitchFamily="18" charset="0"/>
+                <a:ea typeface="Cambria" pitchFamily="18" charset="0"/>
+                <a:cs typeface="Times New Roman" pitchFamily="18" charset="0"/>
+                <a:hlinkClick r:id="rId2"/>
+              </a:rPr>
+              <a:t>https://docs.stripe.com/</a:t>
+            </a:r>
+            <a:endParaRPr lang="en-US" dirty="0">
+              <a:latin typeface="Cambria" pitchFamily="18" charset="0"/>
+              <a:ea typeface="Cambria" pitchFamily="18" charset="0"/>
+              <a:cs typeface="Times New Roman" pitchFamily="18" charset="0"/>
+            </a:endParaRPr>
+          </a:p>
+          <a:p>
+            <a:pPr algn="just"/>
+            <a:r>
+              <a:rPr lang="en-US" dirty="0">
+                <a:latin typeface="Cambria" pitchFamily="18" charset="0"/>
+                <a:ea typeface="Cambria" pitchFamily="18" charset="0"/>
+                <a:cs typeface="Times New Roman" pitchFamily="18" charset="0"/>
+              </a:rPr>
+              <a:t>[2] </a:t>
+            </a:r>
+            <a:r>
+              <a:rPr lang="en-IN" dirty="0">
+                <a:latin typeface="Cambria" pitchFamily="18" charset="0"/>
+                <a:ea typeface="Cambria" pitchFamily="18" charset="0"/>
+                <a:cs typeface="Times New Roman" pitchFamily="18" charset="0"/>
+                <a:hlinkClick r:id="rId3"/>
+              </a:rPr>
+              <a:t>https://platform.openai.com/docs/overview</a:t>
+            </a:r>
+            <a:endParaRPr lang="en-IN" dirty="0">
+              <a:latin typeface="Cambria" pitchFamily="18" charset="0"/>
+              <a:ea typeface="Cambria" pitchFamily="18" charset="0"/>
+              <a:cs typeface="Times New Roman" pitchFamily="18" charset="0"/>
+            </a:endParaRPr>
+          </a:p>
+          <a:p>
+            <a:pPr algn="just"/>
+            <a:r>
+              <a:rPr lang="en-IN" dirty="0">
+                <a:latin typeface="Cambria" pitchFamily="18" charset="0"/>
+                <a:ea typeface="Cambria" pitchFamily="18" charset="0"/>
+                <a:cs typeface="Times New Roman" pitchFamily="18" charset="0"/>
+              </a:rPr>
+              <a:t>[3] </a:t>
+            </a:r>
+            <a:r>
+              <a:rPr lang="en-IN" dirty="0">
+                <a:latin typeface="Cambria" pitchFamily="18" charset="0"/>
+                <a:ea typeface="Cambria" pitchFamily="18" charset="0"/>
+                <a:cs typeface="Times New Roman" pitchFamily="18" charset="0"/>
+                <a:hlinkClick r:id="rId4"/>
+              </a:rPr>
+              <a:t>https://auth0.com/docs</a:t>
+            </a:r>
+            <a:endParaRPr lang="en-IN" dirty="0">
+              <a:latin typeface="Cambria" pitchFamily="18" charset="0"/>
+              <a:ea typeface="Cambria" pitchFamily="18" charset="0"/>
+              <a:cs typeface="Times New Roman" pitchFamily="18" charset="0"/>
+            </a:endParaRPr>
+          </a:p>
+          <a:p>
+            <a:pPr algn="just"/>
+            <a:r>
+              <a:rPr lang="en-IN" dirty="0">
+                <a:latin typeface="Cambria" pitchFamily="18" charset="0"/>
+                <a:ea typeface="Cambria" pitchFamily="18" charset="0"/>
+                <a:cs typeface="Times New Roman" pitchFamily="18" charset="0"/>
+                <a:hlinkClick r:id="rId5"/>
+              </a:rPr>
+              <a:t>[4] https://www.mongodb.com/docs/atlas/</a:t>
+            </a:r>
+            <a:endParaRPr lang="en-IN" dirty="0">
+              <a:latin typeface="Cambria" pitchFamily="18" charset="0"/>
+              <a:ea typeface="Cambria" pitchFamily="18" charset="0"/>
+              <a:cs typeface="Times New Roman" pitchFamily="18" charset="0"/>
+            </a:endParaRPr>
+          </a:p>
+          <a:p>
+            <a:pPr algn="just"/>
+            <a:r>
+              <a:rPr lang="en-IN" dirty="0">
+                <a:latin typeface="Cambria" pitchFamily="18" charset="0"/>
+                <a:ea typeface="Cambria" pitchFamily="18" charset="0"/>
+                <a:cs typeface="Times New Roman" pitchFamily="18" charset="0"/>
+              </a:rPr>
+              <a:t>[5] https://nextjs.org/docs</a:t>
+            </a:r>
+          </a:p>
+        </p:txBody>
+      </p:sp>
+      <p:sp>
+        <p:nvSpPr>
+          <p:cNvPr id="6" name="Title 1">
+            <a:extLst>
+              <a:ext uri="{FF2B5EF4-FFF2-40B4-BE49-F238E27FC236}">
+                <a16:creationId xmlns:a16="http://schemas.microsoft.com/office/drawing/2014/main" id="{94F0BB82-6C52-4FF7-9ECC-8FDBC011B958}"/>
+              </a:ext>
+            </a:extLst>
+          </p:cNvPr>
+          <p:cNvSpPr txBox="1">
+            <a:spLocks/>
+          </p:cNvSpPr>
+          <p:nvPr/>
+        </p:nvSpPr>
+        <p:spPr>
+          <a:xfrm>
+            <a:off x="193963" y="274638"/>
+            <a:ext cx="11817927" cy="1143000"/>
+          </a:xfrm>
+          <a:prstGeom prst="rect">
+            <a:avLst/>
+          </a:prstGeom>
+        </p:spPr>
+        <p:txBody>
+          <a:bodyPr anchor="ctr"/>
+          <a:lstStyle>
+            <a:lvl1pPr algn="l" rtl="0" eaLnBrk="1" latinLnBrk="0" hangingPunct="1">
+              <a:spcBef>
+                <a:spcPct val="0"/>
+              </a:spcBef>
+              <a:buNone/>
+              <a:defRPr kumimoji="0" sz="4000" kern="1200">
+                <a:solidFill>
+                  <a:schemeClr val="tx2"/>
+                </a:solidFill>
+                <a:latin typeface="+mj-lt"/>
+                <a:ea typeface="+mj-ea"/>
+                <a:cs typeface="+mj-cs"/>
+              </a:defRPr>
+            </a:lvl1pPr>
+          </a:lstStyle>
+          <a:p>
+            <a:pPr algn="ctr"/>
+            <a:r>
+              <a:rPr lang="en-US" b="1" dirty="0">
+                <a:solidFill>
+                  <a:schemeClr val="tx1"/>
+                </a:solidFill>
+                <a:latin typeface="Cambria" pitchFamily="18" charset="0"/>
+                <a:ea typeface="Cambria" pitchFamily="18" charset="0"/>
+                <a:cs typeface="Times New Roman" pitchFamily="18" charset="0"/>
+              </a:rPr>
+              <a:t>REFERENCES</a:t>
+            </a:r>
+          </a:p>
+        </p:txBody>
+      </p:sp>
+      <p:sp>
+        <p:nvSpPr>
+          <p:cNvPr id="3" name="Footer Placeholder 2">
+            <a:extLst>
+              <a:ext uri="{FF2B5EF4-FFF2-40B4-BE49-F238E27FC236}">
+                <a16:creationId xmlns:a16="http://schemas.microsoft.com/office/drawing/2014/main" id="{B65C9813-6F4D-4DE8-B169-8D3DEC556E2D}"/>
+              </a:ext>
+            </a:extLst>
+          </p:cNvPr>
+          <p:cNvSpPr>
+            <a:spLocks noGrp="1"/>
+          </p:cNvSpPr>
+          <p:nvPr>
+            <p:ph type="ftr" sz="quarter" idx="11"/>
+          </p:nvPr>
+        </p:nvSpPr>
+        <p:spPr>
+          <a:xfrm>
+            <a:off x="872837" y="6172200"/>
+            <a:ext cx="4724400" cy="457200"/>
           </a:xfrm>
         </p:spPr>
         <p:txBody>
@@ -5406,10 +5831,10 @@
       </p:sp>
       <p:sp>
         <p:nvSpPr>
-          <p:cNvPr id="6" name="Slide Number Placeholder 5">
+          <p:cNvPr id="4" name="Slide Number Placeholder 3">
             <a:extLst>
               <a:ext uri="{FF2B5EF4-FFF2-40B4-BE49-F238E27FC236}">
-                <a16:creationId xmlns:a16="http://schemas.microsoft.com/office/drawing/2014/main" id="{B64DA838-F8DD-477F-8DE9-74E668BD5ACD}"/>
+                <a16:creationId xmlns:a16="http://schemas.microsoft.com/office/drawing/2014/main" id="{ACAC020C-5A15-4D11-958C-E3E407123909}"/>
               </a:ext>
             </a:extLst>
           </p:cNvPr>
@@ -5434,106 +5859,10 @@
           </a:p>
         </p:txBody>
       </p:sp>
-      <p:sp>
-        <p:nvSpPr>
-          <p:cNvPr id="7" name="Content Placeholder 6"/>
-          <p:cNvSpPr>
-            <a:spLocks noGrp="1"/>
-          </p:cNvSpPr>
-          <p:nvPr>
-            <p:ph sz="quarter" idx="1"/>
-          </p:nvPr>
-        </p:nvSpPr>
-        <p:spPr>
-          <a:xfrm>
-            <a:off x="221673" y="1447800"/>
-            <a:ext cx="11720945" cy="4745182"/>
-          </a:xfrm>
-        </p:spPr>
-        <p:txBody>
-          <a:bodyPr>
-            <a:normAutofit lnSpcReduction="10000"/>
-          </a:bodyPr>
-          <a:lstStyle/>
-          <a:p>
-            <a:pPr algn="just">
-              <a:buNone/>
-            </a:pPr>
-            <a:r>
-              <a:rPr lang="en-US" b="1" dirty="0">
-                <a:latin typeface="Cambria" pitchFamily="18" charset="0"/>
-                <a:ea typeface="Cambria" pitchFamily="18" charset="0"/>
-              </a:rPr>
-              <a:t>CONTENTS TO BE PRESENT:</a:t>
-            </a:r>
-          </a:p>
-          <a:p>
-            <a:pPr algn="just"/>
-            <a:r>
-              <a:rPr lang="en-US" dirty="0">
-                <a:latin typeface="Cambria" pitchFamily="18" charset="0"/>
-                <a:ea typeface="Cambria" pitchFamily="18" charset="0"/>
-              </a:rPr>
-              <a:t>Introduction to all the functional requirements necessary to implement project</a:t>
-            </a:r>
-          </a:p>
-          <a:p>
-            <a:pPr algn="just"/>
-            <a:endParaRPr lang="en-US" dirty="0">
-              <a:latin typeface="Cambria" pitchFamily="18" charset="0"/>
-              <a:ea typeface="Cambria" pitchFamily="18" charset="0"/>
-            </a:endParaRPr>
-          </a:p>
-          <a:p>
-            <a:pPr algn="just"/>
-            <a:r>
-              <a:rPr lang="en-US" dirty="0">
-                <a:latin typeface="Cambria" pitchFamily="18" charset="0"/>
-                <a:ea typeface="Cambria" pitchFamily="18" charset="0"/>
-              </a:rPr>
-              <a:t>Overview of the importance of all the functional requirements with respect to project implementation.</a:t>
-            </a:r>
-          </a:p>
-          <a:p>
-            <a:pPr algn="just"/>
-            <a:endParaRPr lang="en-US" dirty="0">
-              <a:latin typeface="Cambria" pitchFamily="18" charset="0"/>
-              <a:ea typeface="Cambria" pitchFamily="18" charset="0"/>
-            </a:endParaRPr>
-          </a:p>
-          <a:p>
-            <a:pPr algn="just"/>
-            <a:r>
-              <a:rPr lang="en-US" dirty="0">
-                <a:latin typeface="Cambria" pitchFamily="18" charset="0"/>
-                <a:ea typeface="Cambria" pitchFamily="18" charset="0"/>
-              </a:rPr>
-              <a:t>Analysis and justification to describe the advantages of the selected technology for functional requirement W.R.T alternatives available.</a:t>
-            </a:r>
-          </a:p>
-          <a:p>
-            <a:pPr algn="just"/>
-            <a:endParaRPr lang="en-US" dirty="0">
-              <a:latin typeface="Cambria" pitchFamily="18" charset="0"/>
-              <a:ea typeface="Cambria" pitchFamily="18" charset="0"/>
-            </a:endParaRPr>
-          </a:p>
-          <a:p>
-            <a:pPr algn="just"/>
-            <a:r>
-              <a:rPr lang="en-US" dirty="0">
-                <a:latin typeface="Cambria" pitchFamily="18" charset="0"/>
-                <a:ea typeface="Cambria" pitchFamily="18" charset="0"/>
-              </a:rPr>
-              <a:t>Student can also specify any other relevant information related to this topic which is specific to his project.</a:t>
-            </a:r>
-          </a:p>
-        </p:txBody>
-      </p:sp>
     </p:spTree>
     <p:extLst>
       <p:ext uri="{BB962C8B-B14F-4D97-AF65-F5344CB8AC3E}">
-        <p14:creationId xmlns:p14="http://schemas.microsoft.com/office/powerpoint/2010/main" val="1240072907"/>
+        <p14:creationId xmlns:p14="http://schemas.microsoft.com/office/powerpoint/2010/main" val="1698253571"/>
       </p:ext>
     </p:extLst>
   </p:cSld>
@@ -5562,43 +5891,68 @@
       </p:grpSpPr>
       <p:sp>
         <p:nvSpPr>
-          <p:cNvPr id="2" name="Title 1"/>
-          <p:cNvSpPr>
-            <a:spLocks noGrp="1"/>
-          </p:cNvSpPr>
-          <p:nvPr>
-            <p:ph type="title"/>
+          <p:cNvPr id="6" name="Content Placeholder 5"/>
+          <p:cNvSpPr>
+            <a:spLocks noGrp="1"/>
+          </p:cNvSpPr>
+          <p:nvPr>
+            <p:ph sz="quarter" idx="1"/>
           </p:nvPr>
         </p:nvSpPr>
         <p:spPr>
           <a:xfrm>
-            <a:off x="166255" y="274638"/>
-            <a:ext cx="11817927" cy="1143000"/>
+            <a:off x="429491" y="540327"/>
+            <a:ext cx="11471564" cy="5479473"/>
           </a:xfrm>
         </p:spPr>
         <p:txBody>
-          <a:bodyPr anchor="ctr">
-            <a:noAutofit/>
+          <a:bodyPr>
+            <a:normAutofit/>
           </a:bodyPr>
           <a:lstStyle/>
           <a:p>
-            <a:pPr algn="ctr"/>
-            <a:r>
-              <a:rPr lang="en-IN" sz="4800" b="1" dirty="0">
-                <a:solidFill>
-                  <a:schemeClr val="tx1"/>
-                </a:solidFill>
-                <a:latin typeface="Cambria" panose="02040503050406030204" pitchFamily="18" charset="0"/>
-                <a:ea typeface="Cambria" panose="02040503050406030204" pitchFamily="18" charset="0"/>
-              </a:rPr>
-              <a:t>NON-FUNCTIONAL REQUIREMENTS</a:t>
-            </a:r>
-          </a:p>
-        </p:txBody>
-      </p:sp>
-      <p:sp>
-        <p:nvSpPr>
-          <p:cNvPr id="5" name="Date Placeholder 4"/>
+            <a:pPr algn="ctr">
+              <a:buNone/>
+            </a:pPr>
+            <a:endParaRPr lang="en-IN" sz="9600" dirty="0">
+              <a:latin typeface="Times New Roman" pitchFamily="18" charset="0"/>
+              <a:cs typeface="Times New Roman" pitchFamily="18" charset="0"/>
+            </a:endParaRPr>
+          </a:p>
+          <a:p>
+            <a:pPr algn="ctr">
+              <a:buNone/>
+            </a:pPr>
+            <a:r>
+              <a:rPr lang="en-IN" sz="9600" b="1" dirty="0">
+                <a:latin typeface="Cambria" pitchFamily="18" charset="0"/>
+                <a:ea typeface="Cambria" pitchFamily="18" charset="0"/>
+                <a:cs typeface="Times New Roman" pitchFamily="18" charset="0"/>
+              </a:rPr>
+              <a:t>THANK  YOU</a:t>
+            </a:r>
+          </a:p>
+          <a:p>
+            <a:pPr algn="ctr">
+              <a:buNone/>
+            </a:pPr>
+            <a:endParaRPr lang="en-IN" sz="9600" b="1" dirty="0">
+              <a:latin typeface="Cambria" pitchFamily="18" charset="0"/>
+              <a:ea typeface="Cambria" pitchFamily="18" charset="0"/>
+              <a:cs typeface="Times New Roman" pitchFamily="18" charset="0"/>
+            </a:endParaRPr>
+          </a:p>
+        </p:txBody>
+      </p:sp>
+      <p:sp>
+        <p:nvSpPr>
+          <p:cNvPr id="2" name="Date Placeholder 1">
+            <a:extLst>
+              <a:ext uri="{FF2B5EF4-FFF2-40B4-BE49-F238E27FC236}">
+                <a16:creationId xmlns:a16="http://schemas.microsoft.com/office/drawing/2014/main" id="{5F3DBEAC-E830-4F46-9810-2ED10E420D37}"/>
+              </a:ext>
+            </a:extLst>
+          </p:cNvPr>
           <p:cNvSpPr>
             <a:spLocks noGrp="1"/>
           </p:cNvSpPr>
@@ -5608,8 +5962,8 @@
         </p:nvSpPr>
         <p:spPr>
           <a:xfrm>
-            <a:off x="10529454" y="6191250"/>
-            <a:ext cx="1427017" cy="476250"/>
+            <a:off x="10626436" y="6191250"/>
+            <a:ext cx="1330036" cy="476250"/>
           </a:xfrm>
         </p:spPr>
         <p:txBody>
@@ -5617,13 +5971,13 @@
           <a:lstStyle/>
           <a:p>
             <a:pPr algn="ctr"/>
-            <a:fld id="{0704ABC2-B971-4678-BBC1-123DC3B9400C}" type="datetime5">
+            <a:fld id="{E73040D4-6661-4EE2-B480-5AC27F84D186}" type="datetime5">
               <a:rPr lang="en-US" b="1" smtClean="0">
                 <a:latin typeface="Cambria" pitchFamily="18" charset="0"/>
                 <a:ea typeface="Cambria" pitchFamily="18" charset="0"/>
               </a:rPr>
               <a:pPr algn="ctr"/>
-              <a:t>3-Jul-24</a:t>
+              <a:t>4-Jul-24</a:t>
             </a:fld>
             <a:endParaRPr lang="en-US" b="1" dirty="0">
               <a:latin typeface="Cambria" pitchFamily="18" charset="0"/>
@@ -5634,10 +5988,10 @@
       </p:sp>
       <p:sp>
         <p:nvSpPr>
-          <p:cNvPr id="4" name="Footer Placeholder 3">
+          <p:cNvPr id="3" name="Footer Placeholder 2">
             <a:extLst>
               <a:ext uri="{FF2B5EF4-FFF2-40B4-BE49-F238E27FC236}">
-                <a16:creationId xmlns:a16="http://schemas.microsoft.com/office/drawing/2014/main" id="{E231B28B-8D5F-4EEE-9DED-01678B3201A0}"/>
+                <a16:creationId xmlns:a16="http://schemas.microsoft.com/office/drawing/2014/main" id="{17600914-9D9E-48B1-B763-346ABCEB9897}"/>
               </a:ext>
             </a:extLst>
           </p:cNvPr>
@@ -5650,8 +6004,8 @@
         </p:nvSpPr>
         <p:spPr>
           <a:xfrm>
-            <a:off x="845128" y="6172200"/>
-            <a:ext cx="4724400" cy="457200"/>
+            <a:off x="803564" y="6172200"/>
+            <a:ext cx="4696691" cy="457200"/>
           </a:xfrm>
         </p:spPr>
         <p:txBody>
@@ -5664,7 +6018,7 @@
                 <a:latin typeface="Cambria" pitchFamily="18" charset="0"/>
                 <a:ea typeface="Cambria" pitchFamily="18" charset="0"/>
               </a:rPr>
-              <a:t>Department of  CS&amp;E, </a:t>
+              <a:t>Department of CS&amp;E, </a:t>
             </a:r>
             <a:r>
               <a:rPr lang="en-US" b="1" dirty="0" err="1">
@@ -5685,10 +6039,10 @@
       </p:sp>
       <p:sp>
         <p:nvSpPr>
-          <p:cNvPr id="6" name="Slide Number Placeholder 5">
+          <p:cNvPr id="4" name="Slide Number Placeholder 3">
             <a:extLst>
               <a:ext uri="{FF2B5EF4-FFF2-40B4-BE49-F238E27FC236}">
-                <a16:creationId xmlns:a16="http://schemas.microsoft.com/office/drawing/2014/main" id="{B64DA838-F8DD-477F-8DE9-74E668BD5ACD}"/>
+                <a16:creationId xmlns:a16="http://schemas.microsoft.com/office/drawing/2014/main" id="{69BE56B1-55E7-48B9-9E06-B8A044BAF613}"/>
               </a:ext>
             </a:extLst>
           </p:cNvPr>
@@ -5713,1801 +6067,7 @@
           </a:p>
         </p:txBody>
       </p:sp>
-      <p:sp>
-        <p:nvSpPr>
-          <p:cNvPr id="7" name="Content Placeholder 6"/>
-          <p:cNvSpPr>
-            <a:spLocks noGrp="1"/>
-          </p:cNvSpPr>
-          <p:nvPr>
-            <p:ph sz="quarter" idx="1"/>
-          </p:nvPr>
-        </p:nvSpPr>
-        <p:spPr>
-          <a:xfrm>
-            <a:off x="277091" y="1447799"/>
-            <a:ext cx="11651673" cy="4731327"/>
-          </a:xfrm>
-        </p:spPr>
-        <p:txBody>
-          <a:bodyPr/>
-          <a:lstStyle/>
-          <a:p>
-            <a:pPr algn="just">
-              <a:buNone/>
-            </a:pPr>
-            <a:r>
-              <a:rPr lang="en-US" dirty="0">
-                <a:latin typeface="Cambria" pitchFamily="18" charset="0"/>
-                <a:ea typeface="Cambria" pitchFamily="18" charset="0"/>
-              </a:rPr>
-              <a:t>CONTENTS TO BE PRESENT:</a:t>
-            </a:r>
-          </a:p>
-          <a:p>
-            <a:pPr algn="just"/>
-            <a:r>
-              <a:rPr lang="en-US" dirty="0">
-                <a:latin typeface="Cambria" pitchFamily="18" charset="0"/>
-                <a:ea typeface="Cambria" pitchFamily="18" charset="0"/>
-              </a:rPr>
-              <a:t>Introduction to all the non-functional requirements necessary to implement project</a:t>
-            </a:r>
-          </a:p>
-          <a:p>
-            <a:pPr algn="just"/>
-            <a:r>
-              <a:rPr lang="en-US" dirty="0">
-                <a:latin typeface="Cambria" pitchFamily="18" charset="0"/>
-                <a:ea typeface="Cambria" pitchFamily="18" charset="0"/>
-              </a:rPr>
-              <a:t>Overview of the importance of all the non-functional requirements with respect to project implementation.</a:t>
-            </a:r>
-          </a:p>
-          <a:p>
-            <a:pPr algn="just"/>
-            <a:endParaRPr lang="en-US" dirty="0">
-              <a:latin typeface="Cambria" pitchFamily="18" charset="0"/>
-              <a:ea typeface="Cambria" pitchFamily="18" charset="0"/>
-            </a:endParaRPr>
-          </a:p>
-        </p:txBody>
-      </p:sp>
     </p:spTree>
-    <p:extLst>
-      <p:ext uri="{BB962C8B-B14F-4D97-AF65-F5344CB8AC3E}">
-        <p14:creationId xmlns:p14="http://schemas.microsoft.com/office/powerpoint/2010/main" val="1240072907"/>
-      </p:ext>
-    </p:extLst>
-  </p:cSld>
-  <p:clrMapOvr>
-    <a:masterClrMapping/>
-  </p:clrMapOvr>
-</p:sld>
-</file>
-
-<file path=ppt/slides/slide13.xml><?xml version="1.0" encoding="utf-8"?>
-<p:sld xmlns:a="http://schemas.openxmlformats.org/drawingml/2006/main" xmlns:r="http://schemas.openxmlformats.org/officeDocument/2006/relationships" xmlns:p="http://schemas.openxmlformats.org/presentationml/2006/main">
-  <p:cSld>
-    <p:spTree>
-      <p:nvGrpSpPr>
-        <p:cNvPr id="1" name=""/>
-        <p:cNvGrpSpPr/>
-        <p:nvPr/>
-      </p:nvGrpSpPr>
-      <p:grpSpPr>
-        <a:xfrm>
-          <a:off x="0" y="0"/>
-          <a:ext cx="0" cy="0"/>
-          <a:chOff x="0" y="0"/>
-          <a:chExt cx="0" cy="0"/>
-        </a:xfrm>
-      </p:grpSpPr>
-      <p:sp>
-        <p:nvSpPr>
-          <p:cNvPr id="2" name="Title 1"/>
-          <p:cNvSpPr>
-            <a:spLocks noGrp="1"/>
-          </p:cNvSpPr>
-          <p:nvPr>
-            <p:ph type="title"/>
-          </p:nvPr>
-        </p:nvSpPr>
-        <p:spPr>
-          <a:xfrm>
-            <a:off x="166255" y="274638"/>
-            <a:ext cx="11817927" cy="1143000"/>
-          </a:xfrm>
-        </p:spPr>
-        <p:txBody>
-          <a:bodyPr anchor="ctr">
-            <a:noAutofit/>
-          </a:bodyPr>
-          <a:lstStyle/>
-          <a:p>
-            <a:pPr algn="ctr"/>
-            <a:r>
-              <a:rPr lang="en-IN" sz="4800" b="1" dirty="0">
-                <a:solidFill>
-                  <a:schemeClr val="tx1"/>
-                </a:solidFill>
-                <a:latin typeface="Cambria" panose="02040503050406030204" pitchFamily="18" charset="0"/>
-                <a:ea typeface="Cambria" panose="02040503050406030204" pitchFamily="18" charset="0"/>
-              </a:rPr>
-              <a:t>SOFTWARE REQUIREMENTS</a:t>
-            </a:r>
-          </a:p>
-        </p:txBody>
-      </p:sp>
-      <p:sp>
-        <p:nvSpPr>
-          <p:cNvPr id="5" name="Date Placeholder 4"/>
-          <p:cNvSpPr>
-            <a:spLocks noGrp="1"/>
-          </p:cNvSpPr>
-          <p:nvPr>
-            <p:ph type="dt" sz="half" idx="10"/>
-          </p:nvPr>
-        </p:nvSpPr>
-        <p:spPr>
-          <a:xfrm>
-            <a:off x="10529454" y="6191250"/>
-            <a:ext cx="1427017" cy="476250"/>
-          </a:xfrm>
-        </p:spPr>
-        <p:txBody>
-          <a:bodyPr/>
-          <a:lstStyle/>
-          <a:p>
-            <a:pPr algn="ctr"/>
-            <a:fld id="{0704ABC2-B971-4678-BBC1-123DC3B9400C}" type="datetime5">
-              <a:rPr lang="en-US" b="1" smtClean="0">
-                <a:latin typeface="Cambria" pitchFamily="18" charset="0"/>
-                <a:ea typeface="Cambria" pitchFamily="18" charset="0"/>
-              </a:rPr>
-              <a:pPr algn="ctr"/>
-              <a:t>3-Jul-24</a:t>
-            </a:fld>
-            <a:endParaRPr lang="en-US" b="1" dirty="0">
-              <a:latin typeface="Cambria" pitchFamily="18" charset="0"/>
-              <a:ea typeface="Cambria" pitchFamily="18" charset="0"/>
-            </a:endParaRPr>
-          </a:p>
-        </p:txBody>
-      </p:sp>
-      <p:sp>
-        <p:nvSpPr>
-          <p:cNvPr id="4" name="Footer Placeholder 3">
-            <a:extLst>
-              <a:ext uri="{FF2B5EF4-FFF2-40B4-BE49-F238E27FC236}">
-                <a16:creationId xmlns:a16="http://schemas.microsoft.com/office/drawing/2014/main" id="{E231B28B-8D5F-4EEE-9DED-01678B3201A0}"/>
-              </a:ext>
-            </a:extLst>
-          </p:cNvPr>
-          <p:cNvSpPr>
-            <a:spLocks noGrp="1"/>
-          </p:cNvSpPr>
-          <p:nvPr>
-            <p:ph type="ftr" sz="quarter" idx="11"/>
-          </p:nvPr>
-        </p:nvSpPr>
-        <p:spPr>
-          <a:xfrm>
-            <a:off x="845128" y="6172200"/>
-            <a:ext cx="4724400" cy="457200"/>
-          </a:xfrm>
-        </p:spPr>
-        <p:txBody>
-          <a:bodyPr/>
-          <a:lstStyle/>
-          <a:p>
-            <a:pPr algn="ctr"/>
-            <a:r>
-              <a:rPr lang="en-US" b="1" dirty="0">
-                <a:latin typeface="Cambria" pitchFamily="18" charset="0"/>
-                <a:ea typeface="Cambria" pitchFamily="18" charset="0"/>
-              </a:rPr>
-              <a:t>Department of  CS&amp;E, </a:t>
-            </a:r>
-            <a:r>
-              <a:rPr lang="en-US" b="1" dirty="0" err="1">
-                <a:latin typeface="Cambria" pitchFamily="18" charset="0"/>
-                <a:ea typeface="Cambria" pitchFamily="18" charset="0"/>
-              </a:rPr>
-              <a:t>Acharya</a:t>
-            </a:r>
-            <a:r>
-              <a:rPr lang="en-US" b="1" dirty="0">
-                <a:latin typeface="Cambria" pitchFamily="18" charset="0"/>
-                <a:ea typeface="Cambria" pitchFamily="18" charset="0"/>
-              </a:rPr>
-              <a:t> Institute of Technology</a:t>
-            </a:r>
-          </a:p>
-        </p:txBody>
-      </p:sp>
-      <p:sp>
-        <p:nvSpPr>
-          <p:cNvPr id="6" name="Slide Number Placeholder 5">
-            <a:extLst>
-              <a:ext uri="{FF2B5EF4-FFF2-40B4-BE49-F238E27FC236}">
-                <a16:creationId xmlns:a16="http://schemas.microsoft.com/office/drawing/2014/main" id="{B64DA838-F8DD-477F-8DE9-74E668BD5ACD}"/>
-              </a:ext>
-            </a:extLst>
-          </p:cNvPr>
-          <p:cNvSpPr>
-            <a:spLocks noGrp="1"/>
-          </p:cNvSpPr>
-          <p:nvPr>
-            <p:ph type="sldNum" sz="quarter" idx="12"/>
-          </p:nvPr>
-        </p:nvSpPr>
-        <p:spPr/>
-        <p:txBody>
-          <a:bodyPr/>
-          <a:lstStyle/>
-          <a:p>
-            <a:fld id="{80A3A3F3-8EDC-49BE-84B5-3735161BD4D6}" type="slidenum">
-              <a:rPr lang="en-US" smtClean="0"/>
-              <a:pPr/>
-              <a:t>13</a:t>
-            </a:fld>
-            <a:endParaRPr lang="en-US"/>
-          </a:p>
-        </p:txBody>
-      </p:sp>
-      <p:sp>
-        <p:nvSpPr>
-          <p:cNvPr id="7" name="Content Placeholder 6"/>
-          <p:cNvSpPr>
-            <a:spLocks noGrp="1"/>
-          </p:cNvSpPr>
-          <p:nvPr>
-            <p:ph sz="quarter" idx="1"/>
-          </p:nvPr>
-        </p:nvSpPr>
-        <p:spPr>
-          <a:xfrm>
-            <a:off x="277091" y="1447799"/>
-            <a:ext cx="11651673" cy="4731327"/>
-          </a:xfrm>
-        </p:spPr>
-        <p:txBody>
-          <a:bodyPr/>
-          <a:lstStyle/>
-          <a:p>
-            <a:pPr algn="just">
-              <a:buNone/>
-            </a:pPr>
-            <a:r>
-              <a:rPr lang="en-US" dirty="0">
-                <a:latin typeface="Cambria" pitchFamily="18" charset="0"/>
-                <a:ea typeface="Cambria" pitchFamily="18" charset="0"/>
-              </a:rPr>
-              <a:t>CONTENTS TO BE PRESENT:</a:t>
-            </a:r>
-          </a:p>
-          <a:p>
-            <a:pPr algn="just"/>
-            <a:r>
-              <a:rPr lang="en-US" dirty="0">
-                <a:latin typeface="Cambria" pitchFamily="18" charset="0"/>
-                <a:ea typeface="Cambria" pitchFamily="18" charset="0"/>
-              </a:rPr>
-              <a:t>List of all the software requirements necessary to implement project.</a:t>
-            </a:r>
-          </a:p>
-          <a:p>
-            <a:pPr algn="just"/>
-            <a:r>
-              <a:rPr lang="en-US" dirty="0">
-                <a:latin typeface="Cambria" pitchFamily="18" charset="0"/>
-                <a:ea typeface="Cambria" pitchFamily="18" charset="0"/>
-              </a:rPr>
-              <a:t>Overview of the importance of each &amp; every software requirement with respect to project implementation.</a:t>
-            </a:r>
-          </a:p>
-          <a:p>
-            <a:pPr algn="just"/>
-            <a:endParaRPr lang="en-US" dirty="0">
-              <a:latin typeface="Cambria" pitchFamily="18" charset="0"/>
-              <a:ea typeface="Cambria" pitchFamily="18" charset="0"/>
-            </a:endParaRPr>
-          </a:p>
-        </p:txBody>
-      </p:sp>
-    </p:spTree>
-    <p:extLst>
-      <p:ext uri="{BB962C8B-B14F-4D97-AF65-F5344CB8AC3E}">
-        <p14:creationId xmlns:p14="http://schemas.microsoft.com/office/powerpoint/2010/main" val="1240072907"/>
-      </p:ext>
-    </p:extLst>
-  </p:cSld>
-  <p:clrMapOvr>
-    <a:masterClrMapping/>
-  </p:clrMapOvr>
-</p:sld>
-</file>
-
-<file path=ppt/slides/slide14.xml><?xml version="1.0" encoding="utf-8"?>
-<p:sld xmlns:a="http://schemas.openxmlformats.org/drawingml/2006/main" xmlns:r="http://schemas.openxmlformats.org/officeDocument/2006/relationships" xmlns:p="http://schemas.openxmlformats.org/presentationml/2006/main">
-  <p:cSld>
-    <p:spTree>
-      <p:nvGrpSpPr>
-        <p:cNvPr id="1" name=""/>
-        <p:cNvGrpSpPr/>
-        <p:nvPr/>
-      </p:nvGrpSpPr>
-      <p:grpSpPr>
-        <a:xfrm>
-          <a:off x="0" y="0"/>
-          <a:ext cx="0" cy="0"/>
-          <a:chOff x="0" y="0"/>
-          <a:chExt cx="0" cy="0"/>
-        </a:xfrm>
-      </p:grpSpPr>
-      <p:sp>
-        <p:nvSpPr>
-          <p:cNvPr id="2" name="Title 1"/>
-          <p:cNvSpPr>
-            <a:spLocks noGrp="1"/>
-          </p:cNvSpPr>
-          <p:nvPr>
-            <p:ph type="title"/>
-          </p:nvPr>
-        </p:nvSpPr>
-        <p:spPr>
-          <a:xfrm>
-            <a:off x="166255" y="274638"/>
-            <a:ext cx="11817927" cy="1143000"/>
-          </a:xfrm>
-        </p:spPr>
-        <p:txBody>
-          <a:bodyPr anchor="ctr">
-            <a:noAutofit/>
-          </a:bodyPr>
-          <a:lstStyle/>
-          <a:p>
-            <a:pPr algn="ctr"/>
-            <a:r>
-              <a:rPr lang="en-IN" sz="4800" b="1" dirty="0">
-                <a:solidFill>
-                  <a:schemeClr val="tx1"/>
-                </a:solidFill>
-                <a:latin typeface="Cambria" panose="02040503050406030204" pitchFamily="18" charset="0"/>
-                <a:ea typeface="Cambria" panose="02040503050406030204" pitchFamily="18" charset="0"/>
-              </a:rPr>
-              <a:t>HARDWARE REQUIREMENTS</a:t>
-            </a:r>
-          </a:p>
-        </p:txBody>
-      </p:sp>
-      <p:sp>
-        <p:nvSpPr>
-          <p:cNvPr id="5" name="Date Placeholder 4"/>
-          <p:cNvSpPr>
-            <a:spLocks noGrp="1"/>
-          </p:cNvSpPr>
-          <p:nvPr>
-            <p:ph type="dt" sz="half" idx="10"/>
-          </p:nvPr>
-        </p:nvSpPr>
-        <p:spPr>
-          <a:xfrm>
-            <a:off x="10529454" y="6191250"/>
-            <a:ext cx="1427017" cy="476250"/>
-          </a:xfrm>
-        </p:spPr>
-        <p:txBody>
-          <a:bodyPr/>
-          <a:lstStyle/>
-          <a:p>
-            <a:pPr algn="ctr"/>
-            <a:fld id="{0704ABC2-B971-4678-BBC1-123DC3B9400C}" type="datetime5">
-              <a:rPr lang="en-US" b="1" smtClean="0">
-                <a:latin typeface="Cambria" pitchFamily="18" charset="0"/>
-                <a:ea typeface="Cambria" pitchFamily="18" charset="0"/>
-              </a:rPr>
-              <a:pPr algn="ctr"/>
-              <a:t>3-Jul-24</a:t>
-            </a:fld>
-            <a:endParaRPr lang="en-US" b="1" dirty="0">
-              <a:latin typeface="Cambria" pitchFamily="18" charset="0"/>
-              <a:ea typeface="Cambria" pitchFamily="18" charset="0"/>
-            </a:endParaRPr>
-          </a:p>
-        </p:txBody>
-      </p:sp>
-      <p:sp>
-        <p:nvSpPr>
-          <p:cNvPr id="4" name="Footer Placeholder 3">
-            <a:extLst>
-              <a:ext uri="{FF2B5EF4-FFF2-40B4-BE49-F238E27FC236}">
-                <a16:creationId xmlns:a16="http://schemas.microsoft.com/office/drawing/2014/main" id="{E231B28B-8D5F-4EEE-9DED-01678B3201A0}"/>
-              </a:ext>
-            </a:extLst>
-          </p:cNvPr>
-          <p:cNvSpPr>
-            <a:spLocks noGrp="1"/>
-          </p:cNvSpPr>
-          <p:nvPr>
-            <p:ph type="ftr" sz="quarter" idx="11"/>
-          </p:nvPr>
-        </p:nvSpPr>
-        <p:spPr>
-          <a:xfrm>
-            <a:off x="845128" y="6172200"/>
-            <a:ext cx="4724400" cy="457200"/>
-          </a:xfrm>
-        </p:spPr>
-        <p:txBody>
-          <a:bodyPr/>
-          <a:lstStyle/>
-          <a:p>
-            <a:pPr algn="ctr"/>
-            <a:r>
-              <a:rPr lang="en-US" b="1" dirty="0">
-                <a:latin typeface="Cambria" pitchFamily="18" charset="0"/>
-                <a:ea typeface="Cambria" pitchFamily="18" charset="0"/>
-              </a:rPr>
-              <a:t>Department of  CS&amp;E, </a:t>
-            </a:r>
-            <a:r>
-              <a:rPr lang="en-US" b="1" dirty="0" err="1">
-                <a:latin typeface="Cambria" pitchFamily="18" charset="0"/>
-                <a:ea typeface="Cambria" pitchFamily="18" charset="0"/>
-              </a:rPr>
-              <a:t>Acharya</a:t>
-            </a:r>
-            <a:r>
-              <a:rPr lang="en-US" b="1" dirty="0">
-                <a:latin typeface="Cambria" pitchFamily="18" charset="0"/>
-                <a:ea typeface="Cambria" pitchFamily="18" charset="0"/>
-              </a:rPr>
-              <a:t> Institute of Technology</a:t>
-            </a:r>
-          </a:p>
-        </p:txBody>
-      </p:sp>
-      <p:sp>
-        <p:nvSpPr>
-          <p:cNvPr id="6" name="Slide Number Placeholder 5">
-            <a:extLst>
-              <a:ext uri="{FF2B5EF4-FFF2-40B4-BE49-F238E27FC236}">
-                <a16:creationId xmlns:a16="http://schemas.microsoft.com/office/drawing/2014/main" id="{B64DA838-F8DD-477F-8DE9-74E668BD5ACD}"/>
-              </a:ext>
-            </a:extLst>
-          </p:cNvPr>
-          <p:cNvSpPr>
-            <a:spLocks noGrp="1"/>
-          </p:cNvSpPr>
-          <p:nvPr>
-            <p:ph type="sldNum" sz="quarter" idx="12"/>
-          </p:nvPr>
-        </p:nvSpPr>
-        <p:spPr/>
-        <p:txBody>
-          <a:bodyPr/>
-          <a:lstStyle/>
-          <a:p>
-            <a:fld id="{80A3A3F3-8EDC-49BE-84B5-3735161BD4D6}" type="slidenum">
-              <a:rPr lang="en-US" smtClean="0"/>
-              <a:pPr/>
-              <a:t>14</a:t>
-            </a:fld>
-            <a:endParaRPr lang="en-US"/>
-          </a:p>
-        </p:txBody>
-      </p:sp>
-      <p:sp>
-        <p:nvSpPr>
-          <p:cNvPr id="7" name="Content Placeholder 6"/>
-          <p:cNvSpPr>
-            <a:spLocks noGrp="1"/>
-          </p:cNvSpPr>
-          <p:nvPr>
-            <p:ph sz="quarter" idx="1"/>
-          </p:nvPr>
-        </p:nvSpPr>
-        <p:spPr>
-          <a:xfrm>
-            <a:off x="277091" y="1447799"/>
-            <a:ext cx="11651673" cy="4731327"/>
-          </a:xfrm>
-        </p:spPr>
-        <p:txBody>
-          <a:bodyPr/>
-          <a:lstStyle/>
-          <a:p>
-            <a:pPr algn="just">
-              <a:buNone/>
-            </a:pPr>
-            <a:r>
-              <a:rPr lang="en-US" dirty="0">
-                <a:latin typeface="Cambria" pitchFamily="18" charset="0"/>
-                <a:ea typeface="Cambria" pitchFamily="18" charset="0"/>
-              </a:rPr>
-              <a:t>CONTENTS TO BE PRESENT:</a:t>
-            </a:r>
-          </a:p>
-          <a:p>
-            <a:pPr algn="just"/>
-            <a:r>
-              <a:rPr lang="en-US" dirty="0">
-                <a:latin typeface="Cambria" pitchFamily="18" charset="0"/>
-                <a:ea typeface="Cambria" pitchFamily="18" charset="0"/>
-              </a:rPr>
-              <a:t>List of all the hardware requirements necessary to implement project.</a:t>
-            </a:r>
-          </a:p>
-          <a:p>
-            <a:pPr algn="just"/>
-            <a:r>
-              <a:rPr lang="en-US" dirty="0">
-                <a:latin typeface="Cambria" pitchFamily="18" charset="0"/>
-                <a:ea typeface="Cambria" pitchFamily="18" charset="0"/>
-              </a:rPr>
-              <a:t>Overview of the importance of each &amp; every hardware requirement with respect to project implementation.</a:t>
-            </a:r>
-          </a:p>
-          <a:p>
-            <a:pPr algn="just"/>
-            <a:endParaRPr lang="en-US" dirty="0">
-              <a:latin typeface="Cambria" pitchFamily="18" charset="0"/>
-              <a:ea typeface="Cambria" pitchFamily="18" charset="0"/>
-            </a:endParaRPr>
-          </a:p>
-        </p:txBody>
-      </p:sp>
-    </p:spTree>
-    <p:extLst>
-      <p:ext uri="{BB962C8B-B14F-4D97-AF65-F5344CB8AC3E}">
-        <p14:creationId xmlns:p14="http://schemas.microsoft.com/office/powerpoint/2010/main" val="1240072907"/>
-      </p:ext>
-    </p:extLst>
-  </p:cSld>
-  <p:clrMapOvr>
-    <a:masterClrMapping/>
-  </p:clrMapOvr>
-</p:sld>
-</file>
-
-<file path=ppt/slides/slide15.xml><?xml version="1.0" encoding="utf-8"?>
-<p:sld xmlns:a="http://schemas.openxmlformats.org/drawingml/2006/main" xmlns:r="http://schemas.openxmlformats.org/officeDocument/2006/relationships" xmlns:p="http://schemas.openxmlformats.org/presentationml/2006/main">
-  <p:cSld>
-    <p:spTree>
-      <p:nvGrpSpPr>
-        <p:cNvPr id="1" name=""/>
-        <p:cNvGrpSpPr/>
-        <p:nvPr/>
-      </p:nvGrpSpPr>
-      <p:grpSpPr>
-        <a:xfrm>
-          <a:off x="0" y="0"/>
-          <a:ext cx="0" cy="0"/>
-          <a:chOff x="0" y="0"/>
-          <a:chExt cx="0" cy="0"/>
-        </a:xfrm>
-      </p:grpSpPr>
-      <p:sp>
-        <p:nvSpPr>
-          <p:cNvPr id="2" name="Title 1">
-            <a:extLst>
-              <a:ext uri="{FF2B5EF4-FFF2-40B4-BE49-F238E27FC236}">
-                <a16:creationId xmlns:a16="http://schemas.microsoft.com/office/drawing/2014/main" id="{6468593E-6CCC-4D4E-9A21-BBCB3BA5AF00}"/>
-              </a:ext>
-            </a:extLst>
-          </p:cNvPr>
-          <p:cNvSpPr>
-            <a:spLocks noGrp="1"/>
-          </p:cNvSpPr>
-          <p:nvPr>
-            <p:ph type="ctrTitle"/>
-          </p:nvPr>
-        </p:nvSpPr>
-        <p:spPr/>
-        <p:txBody>
-          <a:bodyPr>
-            <a:normAutofit/>
-          </a:bodyPr>
-          <a:lstStyle/>
-          <a:p>
-            <a:r>
-              <a:rPr lang="en-IN" b="1" dirty="0">
-                <a:latin typeface="Cambria" pitchFamily="18" charset="0"/>
-                <a:ea typeface="Cambria" pitchFamily="18" charset="0"/>
-                <a:cs typeface="Times New Roman" pitchFamily="18" charset="0"/>
-              </a:rPr>
-              <a:t>PROPOSED METHODOLOGY</a:t>
-            </a:r>
-            <a:endParaRPr lang="en-US" dirty="0">
-              <a:latin typeface="Cambria" pitchFamily="18" charset="0"/>
-              <a:ea typeface="Cambria" pitchFamily="18" charset="0"/>
-              <a:cs typeface="Times New Roman" panose="02020603050405020304" pitchFamily="18" charset="0"/>
-            </a:endParaRPr>
-          </a:p>
-        </p:txBody>
-      </p:sp>
-    </p:spTree>
-    <p:extLst>
-      <p:ext uri="{BB962C8B-B14F-4D97-AF65-F5344CB8AC3E}">
-        <p14:creationId xmlns:p14="http://schemas.microsoft.com/office/powerpoint/2010/main" val="1453386912"/>
-      </p:ext>
-    </p:extLst>
-  </p:cSld>
-  <p:clrMapOvr>
-    <a:masterClrMapping/>
-  </p:clrMapOvr>
-</p:sld>
-</file>
-
-<file path=ppt/slides/slide16.xml><?xml version="1.0" encoding="utf-8"?>
-<p:sld xmlns:a="http://schemas.openxmlformats.org/drawingml/2006/main" xmlns:r="http://schemas.openxmlformats.org/officeDocument/2006/relationships" xmlns:p="http://schemas.openxmlformats.org/presentationml/2006/main">
-  <p:cSld>
-    <p:spTree>
-      <p:nvGrpSpPr>
-        <p:cNvPr id="1" name=""/>
-        <p:cNvGrpSpPr/>
-        <p:nvPr/>
-      </p:nvGrpSpPr>
-      <p:grpSpPr>
-        <a:xfrm>
-          <a:off x="0" y="0"/>
-          <a:ext cx="0" cy="0"/>
-          <a:chOff x="0" y="0"/>
-          <a:chExt cx="0" cy="0"/>
-        </a:xfrm>
-      </p:grpSpPr>
-      <p:sp>
-        <p:nvSpPr>
-          <p:cNvPr id="2" name="Title 1"/>
-          <p:cNvSpPr>
-            <a:spLocks noGrp="1"/>
-          </p:cNvSpPr>
-          <p:nvPr>
-            <p:ph type="title"/>
-          </p:nvPr>
-        </p:nvSpPr>
-        <p:spPr>
-          <a:xfrm>
-            <a:off x="180109" y="274638"/>
-            <a:ext cx="11817927" cy="1143000"/>
-          </a:xfrm>
-        </p:spPr>
-        <p:txBody>
-          <a:bodyPr anchor="ctr">
-            <a:noAutofit/>
-          </a:bodyPr>
-          <a:lstStyle/>
-          <a:p>
-            <a:pPr algn="ctr"/>
-            <a:r>
-              <a:rPr lang="en-IN" sz="4800" b="1" dirty="0">
-                <a:solidFill>
-                  <a:schemeClr val="tx1"/>
-                </a:solidFill>
-                <a:latin typeface="Cambria" panose="02040503050406030204" pitchFamily="18" charset="0"/>
-                <a:ea typeface="Cambria" panose="02040503050406030204" pitchFamily="18" charset="0"/>
-              </a:rPr>
-              <a:t>PROPOSED METHODOLOGY</a:t>
-            </a:r>
-          </a:p>
-        </p:txBody>
-      </p:sp>
-      <p:sp>
-        <p:nvSpPr>
-          <p:cNvPr id="5" name="Date Placeholder 4"/>
-          <p:cNvSpPr>
-            <a:spLocks noGrp="1"/>
-          </p:cNvSpPr>
-          <p:nvPr>
-            <p:ph type="dt" sz="half" idx="10"/>
-          </p:nvPr>
-        </p:nvSpPr>
-        <p:spPr>
-          <a:xfrm>
-            <a:off x="10709564" y="6191250"/>
-            <a:ext cx="1136072" cy="476250"/>
-          </a:xfrm>
-        </p:spPr>
-        <p:txBody>
-          <a:bodyPr/>
-          <a:lstStyle/>
-          <a:p>
-            <a:pPr algn="ctr"/>
-            <a:fld id="{21AF80D8-4AC4-4C2B-96F4-78E0E914A3D3}" type="datetime5">
-              <a:rPr lang="en-US" b="1" smtClean="0">
-                <a:latin typeface="Cambria" pitchFamily="18" charset="0"/>
-                <a:ea typeface="Cambria" pitchFamily="18" charset="0"/>
-              </a:rPr>
-              <a:pPr algn="ctr"/>
-              <a:t>3-Jul-24</a:t>
-            </a:fld>
-            <a:endParaRPr lang="en-US" b="1" dirty="0">
-              <a:latin typeface="Cambria" pitchFamily="18" charset="0"/>
-              <a:ea typeface="Cambria" pitchFamily="18" charset="0"/>
-            </a:endParaRPr>
-          </a:p>
-        </p:txBody>
-      </p:sp>
-      <p:sp>
-        <p:nvSpPr>
-          <p:cNvPr id="4" name="Footer Placeholder 3">
-            <a:extLst>
-              <a:ext uri="{FF2B5EF4-FFF2-40B4-BE49-F238E27FC236}">
-                <a16:creationId xmlns:a16="http://schemas.microsoft.com/office/drawing/2014/main" id="{E231B28B-8D5F-4EEE-9DED-01678B3201A0}"/>
-              </a:ext>
-            </a:extLst>
-          </p:cNvPr>
-          <p:cNvSpPr>
-            <a:spLocks noGrp="1"/>
-          </p:cNvSpPr>
-          <p:nvPr>
-            <p:ph type="ftr" sz="quarter" idx="11"/>
-          </p:nvPr>
-        </p:nvSpPr>
-        <p:spPr>
-          <a:xfrm>
-            <a:off x="831274" y="6172200"/>
-            <a:ext cx="4876799" cy="457200"/>
-          </a:xfrm>
-        </p:spPr>
-        <p:txBody>
-          <a:bodyPr/>
-          <a:lstStyle/>
-          <a:p>
-            <a:pPr algn="ctr"/>
-            <a:r>
-              <a:rPr lang="en-US" b="1" dirty="0">
-                <a:latin typeface="Cambria" pitchFamily="18" charset="0"/>
-                <a:ea typeface="Cambria" pitchFamily="18" charset="0"/>
-              </a:rPr>
-              <a:t>Department of CS&amp;E, </a:t>
-            </a:r>
-            <a:r>
-              <a:rPr lang="en-US" b="1" dirty="0" err="1">
-                <a:latin typeface="Cambria" pitchFamily="18" charset="0"/>
-                <a:ea typeface="Cambria" pitchFamily="18" charset="0"/>
-              </a:rPr>
-              <a:t>Acharya</a:t>
-            </a:r>
-            <a:r>
-              <a:rPr lang="en-US" b="1" dirty="0">
-                <a:latin typeface="Cambria" pitchFamily="18" charset="0"/>
-                <a:ea typeface="Cambria" pitchFamily="18" charset="0"/>
-              </a:rPr>
-              <a:t> Institute of Technology</a:t>
-            </a:r>
-          </a:p>
-        </p:txBody>
-      </p:sp>
-      <p:sp>
-        <p:nvSpPr>
-          <p:cNvPr id="6" name="Slide Number Placeholder 5">
-            <a:extLst>
-              <a:ext uri="{FF2B5EF4-FFF2-40B4-BE49-F238E27FC236}">
-                <a16:creationId xmlns:a16="http://schemas.microsoft.com/office/drawing/2014/main" id="{B64DA838-F8DD-477F-8DE9-74E668BD5ACD}"/>
-              </a:ext>
-            </a:extLst>
-          </p:cNvPr>
-          <p:cNvSpPr>
-            <a:spLocks noGrp="1"/>
-          </p:cNvSpPr>
-          <p:nvPr>
-            <p:ph type="sldNum" sz="quarter" idx="12"/>
-          </p:nvPr>
-        </p:nvSpPr>
-        <p:spPr/>
-        <p:txBody>
-          <a:bodyPr/>
-          <a:lstStyle/>
-          <a:p>
-            <a:fld id="{80A3A3F3-8EDC-49BE-84B5-3735161BD4D6}" type="slidenum">
-              <a:rPr lang="en-US" smtClean="0"/>
-              <a:pPr/>
-              <a:t>16</a:t>
-            </a:fld>
-            <a:endParaRPr lang="en-US"/>
-          </a:p>
-        </p:txBody>
-      </p:sp>
-      <p:sp>
-        <p:nvSpPr>
-          <p:cNvPr id="7" name="Content Placeholder 6"/>
-          <p:cNvSpPr>
-            <a:spLocks noGrp="1"/>
-          </p:cNvSpPr>
-          <p:nvPr>
-            <p:ph sz="quarter" idx="1"/>
-          </p:nvPr>
-        </p:nvSpPr>
-        <p:spPr>
-          <a:xfrm>
-            <a:off x="207818" y="1447800"/>
-            <a:ext cx="11762509" cy="4703618"/>
-          </a:xfrm>
-        </p:spPr>
-        <p:txBody>
-          <a:bodyPr/>
-          <a:lstStyle/>
-          <a:p>
-            <a:pPr algn="just">
-              <a:buNone/>
-            </a:pPr>
-            <a:r>
-              <a:rPr lang="en-US" dirty="0">
-                <a:latin typeface="Cambria" pitchFamily="18" charset="0"/>
-                <a:ea typeface="Cambria" pitchFamily="18" charset="0"/>
-              </a:rPr>
-              <a:t>CONTENTS TO BE PRESENT:</a:t>
-            </a:r>
-          </a:p>
-          <a:p>
-            <a:pPr algn="just"/>
-            <a:r>
-              <a:rPr lang="en-US" dirty="0">
-                <a:latin typeface="Cambria" pitchFamily="18" charset="0"/>
-                <a:ea typeface="Cambria" pitchFamily="18" charset="0"/>
-              </a:rPr>
-              <a:t>Overview of the technical aspects and mathematical analysis (can include implementation algorithm) of the proposed methodology followed for implementation of the project.</a:t>
-            </a:r>
-          </a:p>
-          <a:p>
-            <a:pPr algn="just"/>
-            <a:endParaRPr lang="en-US" dirty="0">
-              <a:latin typeface="Cambria" pitchFamily="18" charset="0"/>
-              <a:ea typeface="Cambria" pitchFamily="18" charset="0"/>
-            </a:endParaRPr>
-          </a:p>
-          <a:p>
-            <a:pPr algn="just"/>
-            <a:r>
-              <a:rPr lang="en-US" dirty="0">
-                <a:latin typeface="Cambria" pitchFamily="18" charset="0"/>
-                <a:ea typeface="Cambria" pitchFamily="18" charset="0"/>
-              </a:rPr>
-              <a:t>One can illustrate the proposed methodology using block diagram, algorithms or any presentation aid required.</a:t>
-            </a:r>
-          </a:p>
-          <a:p>
-            <a:pPr algn="just"/>
-            <a:endParaRPr lang="en-US" dirty="0">
-              <a:latin typeface="Cambria" pitchFamily="18" charset="0"/>
-              <a:ea typeface="Cambria" pitchFamily="18" charset="0"/>
-            </a:endParaRPr>
-          </a:p>
-          <a:p>
-            <a:pPr algn="just"/>
-            <a:r>
-              <a:rPr lang="en-US" dirty="0">
-                <a:latin typeface="Cambria" pitchFamily="18" charset="0"/>
-                <a:ea typeface="Cambria" pitchFamily="18" charset="0"/>
-              </a:rPr>
-              <a:t>Overview of technical &amp; non-technical advantages &amp; limitations/shortcomings of the proposed methodology can be specified.</a:t>
-            </a:r>
-          </a:p>
-          <a:p>
-            <a:endParaRPr lang="en-US" dirty="0">
-              <a:latin typeface="Cambria" pitchFamily="18" charset="0"/>
-              <a:ea typeface="Cambria" pitchFamily="18" charset="0"/>
-            </a:endParaRPr>
-          </a:p>
-          <a:p>
-            <a:endParaRPr lang="en-US" dirty="0">
-              <a:latin typeface="Cambria" pitchFamily="18" charset="0"/>
-              <a:ea typeface="Cambria" pitchFamily="18" charset="0"/>
-            </a:endParaRPr>
-          </a:p>
-        </p:txBody>
-      </p:sp>
-    </p:spTree>
-    <p:extLst>
-      <p:ext uri="{BB962C8B-B14F-4D97-AF65-F5344CB8AC3E}">
-        <p14:creationId xmlns:p14="http://schemas.microsoft.com/office/powerpoint/2010/main" val="1240072907"/>
-      </p:ext>
-    </p:extLst>
-  </p:cSld>
-  <p:clrMapOvr>
-    <a:masterClrMapping/>
-  </p:clrMapOvr>
-</p:sld>
-</file>
-
-<file path=ppt/slides/slide17.xml><?xml version="1.0" encoding="utf-8"?>
-<p:sld xmlns:a="http://schemas.openxmlformats.org/drawingml/2006/main" xmlns:r="http://schemas.openxmlformats.org/officeDocument/2006/relationships" xmlns:p="http://schemas.openxmlformats.org/presentationml/2006/main">
-  <p:cSld>
-    <p:spTree>
-      <p:nvGrpSpPr>
-        <p:cNvPr id="1" name=""/>
-        <p:cNvGrpSpPr/>
-        <p:nvPr/>
-      </p:nvGrpSpPr>
-      <p:grpSpPr>
-        <a:xfrm>
-          <a:off x="0" y="0"/>
-          <a:ext cx="0" cy="0"/>
-          <a:chOff x="0" y="0"/>
-          <a:chExt cx="0" cy="0"/>
-        </a:xfrm>
-      </p:grpSpPr>
-      <p:sp>
-        <p:nvSpPr>
-          <p:cNvPr id="2" name="Title 1">
-            <a:extLst>
-              <a:ext uri="{FF2B5EF4-FFF2-40B4-BE49-F238E27FC236}">
-                <a16:creationId xmlns:a16="http://schemas.microsoft.com/office/drawing/2014/main" id="{6468593E-6CCC-4D4E-9A21-BBCB3BA5AF00}"/>
-              </a:ext>
-            </a:extLst>
-          </p:cNvPr>
-          <p:cNvSpPr>
-            <a:spLocks noGrp="1"/>
-          </p:cNvSpPr>
-          <p:nvPr>
-            <p:ph type="ctrTitle"/>
-          </p:nvPr>
-        </p:nvSpPr>
-        <p:spPr/>
-        <p:txBody>
-          <a:bodyPr>
-            <a:normAutofit/>
-          </a:bodyPr>
-          <a:lstStyle/>
-          <a:p>
-            <a:r>
-              <a:rPr lang="en-IN" b="1" dirty="0">
-                <a:latin typeface="Cambria" pitchFamily="18" charset="0"/>
-                <a:ea typeface="Cambria" pitchFamily="18" charset="0"/>
-                <a:cs typeface="Times New Roman" pitchFamily="18" charset="0"/>
-              </a:rPr>
-              <a:t>CONCLUSION AND FUTURE ENHANCEMENT</a:t>
-            </a:r>
-            <a:endParaRPr lang="en-US" dirty="0">
-              <a:latin typeface="Cambria" pitchFamily="18" charset="0"/>
-              <a:ea typeface="Cambria" pitchFamily="18" charset="0"/>
-              <a:cs typeface="Times New Roman" panose="02020603050405020304" pitchFamily="18" charset="0"/>
-            </a:endParaRPr>
-          </a:p>
-        </p:txBody>
-      </p:sp>
-    </p:spTree>
-    <p:extLst>
-      <p:ext uri="{BB962C8B-B14F-4D97-AF65-F5344CB8AC3E}">
-        <p14:creationId xmlns:p14="http://schemas.microsoft.com/office/powerpoint/2010/main" val="1453386912"/>
-      </p:ext>
-    </p:extLst>
-  </p:cSld>
-  <p:clrMapOvr>
-    <a:masterClrMapping/>
-  </p:clrMapOvr>
-</p:sld>
-</file>
-
-<file path=ppt/slides/slide18.xml><?xml version="1.0" encoding="utf-8"?>
-<p:sld xmlns:a="http://schemas.openxmlformats.org/drawingml/2006/main" xmlns:r="http://schemas.openxmlformats.org/officeDocument/2006/relationships" xmlns:p="http://schemas.openxmlformats.org/presentationml/2006/main">
-  <p:cSld>
-    <p:spTree>
-      <p:nvGrpSpPr>
-        <p:cNvPr id="1" name=""/>
-        <p:cNvGrpSpPr/>
-        <p:nvPr/>
-      </p:nvGrpSpPr>
-      <p:grpSpPr>
-        <a:xfrm>
-          <a:off x="0" y="0"/>
-          <a:ext cx="0" cy="0"/>
-          <a:chOff x="0" y="0"/>
-          <a:chExt cx="0" cy="0"/>
-        </a:xfrm>
-      </p:grpSpPr>
-      <p:sp>
-        <p:nvSpPr>
-          <p:cNvPr id="2" name="Title 1"/>
-          <p:cNvSpPr>
-            <a:spLocks noGrp="1"/>
-          </p:cNvSpPr>
-          <p:nvPr>
-            <p:ph type="title"/>
-          </p:nvPr>
-        </p:nvSpPr>
-        <p:spPr>
-          <a:xfrm>
-            <a:off x="166255" y="274638"/>
-            <a:ext cx="11817927" cy="1143000"/>
-          </a:xfrm>
-        </p:spPr>
-        <p:txBody>
-          <a:bodyPr anchor="ctr">
-            <a:noAutofit/>
-          </a:bodyPr>
-          <a:lstStyle/>
-          <a:p>
-            <a:pPr algn="ctr"/>
-            <a:r>
-              <a:rPr lang="en-IN" sz="2800" b="1" dirty="0">
-                <a:solidFill>
-                  <a:schemeClr val="tx1"/>
-                </a:solidFill>
-                <a:latin typeface="Cambria" panose="02040503050406030204" pitchFamily="18" charset="0"/>
-                <a:ea typeface="Cambria" panose="02040503050406030204" pitchFamily="18" charset="0"/>
-              </a:rPr>
-              <a:t>CONCLUSION AND FUTURE ENHANCEMENT</a:t>
-            </a:r>
-          </a:p>
-        </p:txBody>
-      </p:sp>
-      <p:sp>
-        <p:nvSpPr>
-          <p:cNvPr id="5" name="Date Placeholder 4"/>
-          <p:cNvSpPr>
-            <a:spLocks noGrp="1"/>
-          </p:cNvSpPr>
-          <p:nvPr>
-            <p:ph type="dt" sz="half" idx="10"/>
-          </p:nvPr>
-        </p:nvSpPr>
-        <p:spPr>
-          <a:xfrm>
-            <a:off x="10668000" y="6191250"/>
-            <a:ext cx="1219199" cy="476250"/>
-          </a:xfrm>
-        </p:spPr>
-        <p:txBody>
-          <a:bodyPr/>
-          <a:lstStyle/>
-          <a:p>
-            <a:pPr algn="ctr"/>
-            <a:fld id="{E14FB48A-DC87-4E05-91E3-999A48877A85}" type="datetime5">
-              <a:rPr lang="en-US" b="1" smtClean="0">
-                <a:latin typeface="Cambria" pitchFamily="18" charset="0"/>
-                <a:ea typeface="Cambria" pitchFamily="18" charset="0"/>
-              </a:rPr>
-              <a:pPr algn="ctr"/>
-              <a:t>3-Jul-24</a:t>
-            </a:fld>
-            <a:endParaRPr lang="en-US" b="1" dirty="0">
-              <a:latin typeface="Cambria" pitchFamily="18" charset="0"/>
-              <a:ea typeface="Cambria" pitchFamily="18" charset="0"/>
-            </a:endParaRPr>
-          </a:p>
-        </p:txBody>
-      </p:sp>
-      <p:sp>
-        <p:nvSpPr>
-          <p:cNvPr id="4" name="Footer Placeholder 3">
-            <a:extLst>
-              <a:ext uri="{FF2B5EF4-FFF2-40B4-BE49-F238E27FC236}">
-                <a16:creationId xmlns:a16="http://schemas.microsoft.com/office/drawing/2014/main" id="{E231B28B-8D5F-4EEE-9DED-01678B3201A0}"/>
-              </a:ext>
-            </a:extLst>
-          </p:cNvPr>
-          <p:cNvSpPr>
-            <a:spLocks noGrp="1"/>
-          </p:cNvSpPr>
-          <p:nvPr>
-            <p:ph type="ftr" sz="quarter" idx="11"/>
-          </p:nvPr>
-        </p:nvSpPr>
-        <p:spPr>
-          <a:xfrm>
-            <a:off x="817419" y="6172200"/>
-            <a:ext cx="4793672" cy="457200"/>
-          </a:xfrm>
-        </p:spPr>
-        <p:txBody>
-          <a:bodyPr/>
-          <a:lstStyle/>
-          <a:p>
-            <a:pPr algn="ctr"/>
-            <a:r>
-              <a:rPr lang="en-US" b="1" dirty="0">
-                <a:latin typeface="Cambria" pitchFamily="18" charset="0"/>
-                <a:ea typeface="Cambria" pitchFamily="18" charset="0"/>
-              </a:rPr>
-              <a:t>Department of CS&amp;E, </a:t>
-            </a:r>
-            <a:r>
-              <a:rPr lang="en-US" b="1" dirty="0" err="1">
-                <a:latin typeface="Cambria" pitchFamily="18" charset="0"/>
-                <a:ea typeface="Cambria" pitchFamily="18" charset="0"/>
-              </a:rPr>
-              <a:t>Acharya</a:t>
-            </a:r>
-            <a:r>
-              <a:rPr lang="en-US" b="1" dirty="0">
-                <a:latin typeface="Cambria" pitchFamily="18" charset="0"/>
-                <a:ea typeface="Cambria" pitchFamily="18" charset="0"/>
-              </a:rPr>
-              <a:t> Institute of Technology</a:t>
-            </a:r>
-          </a:p>
-        </p:txBody>
-      </p:sp>
-      <p:sp>
-        <p:nvSpPr>
-          <p:cNvPr id="6" name="Slide Number Placeholder 5">
-            <a:extLst>
-              <a:ext uri="{FF2B5EF4-FFF2-40B4-BE49-F238E27FC236}">
-                <a16:creationId xmlns:a16="http://schemas.microsoft.com/office/drawing/2014/main" id="{B64DA838-F8DD-477F-8DE9-74E668BD5ACD}"/>
-              </a:ext>
-            </a:extLst>
-          </p:cNvPr>
-          <p:cNvSpPr>
-            <a:spLocks noGrp="1"/>
-          </p:cNvSpPr>
-          <p:nvPr>
-            <p:ph type="sldNum" sz="quarter" idx="12"/>
-          </p:nvPr>
-        </p:nvSpPr>
-        <p:spPr/>
-        <p:txBody>
-          <a:bodyPr/>
-          <a:lstStyle/>
-          <a:p>
-            <a:fld id="{80A3A3F3-8EDC-49BE-84B5-3735161BD4D6}" type="slidenum">
-              <a:rPr lang="en-US" smtClean="0"/>
-              <a:pPr/>
-              <a:t>18</a:t>
-            </a:fld>
-            <a:endParaRPr lang="en-US"/>
-          </a:p>
-        </p:txBody>
-      </p:sp>
-      <p:sp>
-        <p:nvSpPr>
-          <p:cNvPr id="7" name="Content Placeholder 6"/>
-          <p:cNvSpPr>
-            <a:spLocks noGrp="1"/>
-          </p:cNvSpPr>
-          <p:nvPr>
-            <p:ph sz="quarter" idx="1"/>
-          </p:nvPr>
-        </p:nvSpPr>
-        <p:spPr>
-          <a:xfrm>
-            <a:off x="180109" y="1447800"/>
-            <a:ext cx="11831782" cy="4572000"/>
-          </a:xfrm>
-        </p:spPr>
-        <p:txBody>
-          <a:bodyPr/>
-          <a:lstStyle/>
-          <a:p>
-            <a:pPr algn="just">
-              <a:buNone/>
-            </a:pPr>
-            <a:r>
-              <a:rPr lang="en-US" dirty="0">
-                <a:latin typeface="Cambria" pitchFamily="18" charset="0"/>
-                <a:ea typeface="Cambria" pitchFamily="18" charset="0"/>
-              </a:rPr>
-              <a:t>CONTENTS TO BE PRESENT:</a:t>
-            </a:r>
-          </a:p>
-          <a:p>
-            <a:pPr algn="just"/>
-            <a:r>
-              <a:rPr lang="en-US" dirty="0">
-                <a:latin typeface="Cambria" pitchFamily="18" charset="0"/>
-                <a:ea typeface="Cambria" pitchFamily="18" charset="0"/>
-              </a:rPr>
-              <a:t>Conclusion statement which clearly relating the problem statement, functional requirements with proposed </a:t>
-            </a:r>
-            <a:r>
-              <a:rPr lang="en-US">
-                <a:latin typeface="Cambria" pitchFamily="18" charset="0"/>
-                <a:ea typeface="Cambria" pitchFamily="18" charset="0"/>
-              </a:rPr>
-              <a:t>methodology.</a:t>
-            </a:r>
-          </a:p>
-          <a:p>
-            <a:pPr algn="just"/>
-            <a:endParaRPr lang="en-US" dirty="0">
-              <a:latin typeface="Cambria" pitchFamily="18" charset="0"/>
-              <a:ea typeface="Cambria" pitchFamily="18" charset="0"/>
-            </a:endParaRPr>
-          </a:p>
-          <a:p>
-            <a:pPr algn="just"/>
-            <a:r>
-              <a:rPr lang="en-US" dirty="0">
-                <a:latin typeface="Cambria" pitchFamily="18" charset="0"/>
-                <a:ea typeface="Cambria" pitchFamily="18" charset="0"/>
-              </a:rPr>
-              <a:t>Future enhancement (if any).</a:t>
-            </a:r>
-          </a:p>
-          <a:p>
-            <a:pPr algn="just"/>
-            <a:endParaRPr lang="en-US" dirty="0">
-              <a:latin typeface="Cambria" pitchFamily="18" charset="0"/>
-              <a:ea typeface="Cambria" pitchFamily="18" charset="0"/>
-            </a:endParaRPr>
-          </a:p>
-        </p:txBody>
-      </p:sp>
-    </p:spTree>
-    <p:extLst>
-      <p:ext uri="{BB962C8B-B14F-4D97-AF65-F5344CB8AC3E}">
-        <p14:creationId xmlns:p14="http://schemas.microsoft.com/office/powerpoint/2010/main" val="1240072907"/>
-      </p:ext>
-    </p:extLst>
-  </p:cSld>
-  <p:clrMapOvr>
-    <a:masterClrMapping/>
-  </p:clrMapOvr>
-</p:sld>
-</file>
-
-<file path=ppt/slides/slide19.xml><?xml version="1.0" encoding="utf-8"?>
-<p:sld xmlns:a="http://schemas.openxmlformats.org/drawingml/2006/main" xmlns:r="http://schemas.openxmlformats.org/officeDocument/2006/relationships" xmlns:p="http://schemas.openxmlformats.org/presentationml/2006/main">
-  <p:cSld>
-    <p:spTree>
-      <p:nvGrpSpPr>
-        <p:cNvPr id="1" name=""/>
-        <p:cNvGrpSpPr/>
-        <p:nvPr/>
-      </p:nvGrpSpPr>
-      <p:grpSpPr>
-        <a:xfrm>
-          <a:off x="0" y="0"/>
-          <a:ext cx="0" cy="0"/>
-          <a:chOff x="0" y="0"/>
-          <a:chExt cx="0" cy="0"/>
-        </a:xfrm>
-      </p:grpSpPr>
-      <p:sp>
-        <p:nvSpPr>
-          <p:cNvPr id="2" name="Date Placeholder 1">
-            <a:extLst>
-              <a:ext uri="{FF2B5EF4-FFF2-40B4-BE49-F238E27FC236}">
-                <a16:creationId xmlns:a16="http://schemas.microsoft.com/office/drawing/2014/main" id="{1B495982-9875-45BA-B3F2-022171120B16}"/>
-              </a:ext>
-            </a:extLst>
-          </p:cNvPr>
-          <p:cNvSpPr>
-            <a:spLocks noGrp="1"/>
-          </p:cNvSpPr>
-          <p:nvPr>
-            <p:ph type="dt" sz="half" idx="10"/>
-          </p:nvPr>
-        </p:nvSpPr>
-        <p:spPr>
-          <a:xfrm>
-            <a:off x="10529454" y="6191249"/>
-            <a:ext cx="1454727" cy="486641"/>
-          </a:xfrm>
-        </p:spPr>
-        <p:txBody>
-          <a:bodyPr/>
-          <a:lstStyle/>
-          <a:p>
-            <a:pPr algn="ctr"/>
-            <a:fld id="{8FC3AE98-8AF6-4B6B-B260-65429195B669}" type="datetime5">
-              <a:rPr lang="en-US" b="1" smtClean="0">
-                <a:latin typeface="Cambria" pitchFamily="18" charset="0"/>
-                <a:ea typeface="Cambria" pitchFamily="18" charset="0"/>
-              </a:rPr>
-              <a:pPr algn="ctr"/>
-              <a:t>3-Jul-24</a:t>
-            </a:fld>
-            <a:endParaRPr lang="en-US" b="1" dirty="0">
-              <a:latin typeface="Cambria" pitchFamily="18" charset="0"/>
-              <a:ea typeface="Cambria" pitchFamily="18" charset="0"/>
-            </a:endParaRPr>
-          </a:p>
-        </p:txBody>
-      </p:sp>
-      <p:sp>
-        <p:nvSpPr>
-          <p:cNvPr id="5" name="Rectangle 4">
-            <a:extLst>
-              <a:ext uri="{FF2B5EF4-FFF2-40B4-BE49-F238E27FC236}">
-                <a16:creationId xmlns:a16="http://schemas.microsoft.com/office/drawing/2014/main" id="{69A3E08B-466D-43CD-B372-6849C5A44F11}"/>
-              </a:ext>
-            </a:extLst>
-          </p:cNvPr>
-          <p:cNvSpPr/>
-          <p:nvPr/>
-        </p:nvSpPr>
-        <p:spPr>
-          <a:xfrm>
-            <a:off x="221674" y="1510143"/>
-            <a:ext cx="11776362" cy="4524315"/>
-          </a:xfrm>
-          <a:prstGeom prst="rect">
-            <a:avLst/>
-          </a:prstGeom>
-        </p:spPr>
-        <p:txBody>
-          <a:bodyPr wrap="square">
-            <a:spAutoFit/>
-          </a:bodyPr>
-          <a:lstStyle/>
-          <a:p>
-            <a:pPr algn="just"/>
-            <a:r>
-              <a:rPr lang="en-US" dirty="0">
-                <a:latin typeface="Cambria" pitchFamily="18" charset="0"/>
-                <a:ea typeface="Cambria" pitchFamily="18" charset="0"/>
-                <a:cs typeface="Times New Roman" pitchFamily="18" charset="0"/>
-              </a:rPr>
-              <a:t>[1] </a:t>
-            </a:r>
-            <a:r>
-              <a:rPr lang="en-IN" dirty="0">
-                <a:latin typeface="Cambria" pitchFamily="18" charset="0"/>
-                <a:ea typeface="Cambria" pitchFamily="18" charset="0"/>
-                <a:cs typeface="Times New Roman" pitchFamily="18" charset="0"/>
-              </a:rPr>
-              <a:t>Cheng, H.D., Cai, X., Chen, X., Hu, L., and Lou, X. Computer-aided detection and classification of microcalcifications in mammograms: a survey. Pattern Recognition 36, 12 (2003), 2967-2991.</a:t>
-            </a:r>
-          </a:p>
-          <a:p>
-            <a:pPr algn="just"/>
-            <a:endParaRPr lang="en-US" dirty="0">
-              <a:latin typeface="Cambria" pitchFamily="18" charset="0"/>
-              <a:ea typeface="Cambria" pitchFamily="18" charset="0"/>
-              <a:cs typeface="Times New Roman" pitchFamily="18" charset="0"/>
-            </a:endParaRPr>
-          </a:p>
-          <a:p>
-            <a:pPr algn="just"/>
-            <a:r>
-              <a:rPr lang="en-US" dirty="0">
-                <a:latin typeface="Cambria" pitchFamily="18" charset="0"/>
-                <a:ea typeface="Cambria" pitchFamily="18" charset="0"/>
-                <a:cs typeface="Times New Roman" pitchFamily="18" charset="0"/>
-              </a:rPr>
-              <a:t>[2] </a:t>
-            </a:r>
-            <a:r>
-              <a:rPr lang="en-IN" dirty="0">
-                <a:latin typeface="Cambria" pitchFamily="18" charset="0"/>
-                <a:ea typeface="Cambria" pitchFamily="18" charset="0"/>
-                <a:cs typeface="Times New Roman" pitchFamily="18" charset="0"/>
-              </a:rPr>
-              <a:t>John, C., </a:t>
-            </a:r>
-            <a:r>
-              <a:rPr lang="en-IN" dirty="0" err="1">
-                <a:latin typeface="Cambria" pitchFamily="18" charset="0"/>
-                <a:ea typeface="Cambria" pitchFamily="18" charset="0"/>
-                <a:cs typeface="Times New Roman" pitchFamily="18" charset="0"/>
-              </a:rPr>
-              <a:t>Blohmer</a:t>
-            </a:r>
-            <a:r>
-              <a:rPr lang="en-IN" dirty="0">
-                <a:latin typeface="Cambria" pitchFamily="18" charset="0"/>
-                <a:ea typeface="Cambria" pitchFamily="18" charset="0"/>
-                <a:cs typeface="Times New Roman" pitchFamily="18" charset="0"/>
-              </a:rPr>
-              <a:t>, J.U., and Hamper, U.M. Breast Ultrasound: A Systematic Approach to Technique and Image Interpretation. </a:t>
-            </a:r>
-            <a:r>
-              <a:rPr lang="en-IN" dirty="0" err="1">
-                <a:latin typeface="Cambria" pitchFamily="18" charset="0"/>
-                <a:ea typeface="Cambria" pitchFamily="18" charset="0"/>
-                <a:cs typeface="Times New Roman" pitchFamily="18" charset="0"/>
-              </a:rPr>
-              <a:t>Thieme</a:t>
-            </a:r>
-            <a:r>
-              <a:rPr lang="en-IN" dirty="0">
-                <a:latin typeface="Cambria" pitchFamily="18" charset="0"/>
-                <a:ea typeface="Cambria" pitchFamily="18" charset="0"/>
-                <a:cs typeface="Times New Roman" pitchFamily="18" charset="0"/>
-              </a:rPr>
-              <a:t>, 1999. </a:t>
-            </a:r>
-          </a:p>
-          <a:p>
-            <a:pPr algn="just"/>
-            <a:endParaRPr lang="en-US" dirty="0">
-              <a:latin typeface="Cambria" pitchFamily="18" charset="0"/>
-              <a:ea typeface="Cambria" pitchFamily="18" charset="0"/>
-              <a:cs typeface="Times New Roman" pitchFamily="18" charset="0"/>
-            </a:endParaRPr>
-          </a:p>
-          <a:p>
-            <a:pPr algn="just"/>
-            <a:r>
-              <a:rPr lang="en-US" dirty="0">
-                <a:latin typeface="Cambria" pitchFamily="18" charset="0"/>
-                <a:ea typeface="Cambria" pitchFamily="18" charset="0"/>
-                <a:cs typeface="Times New Roman" pitchFamily="18" charset="0"/>
-              </a:rPr>
-              <a:t>[3] </a:t>
-            </a:r>
-            <a:r>
-              <a:rPr lang="en-IN" dirty="0" err="1">
-                <a:latin typeface="Cambria" pitchFamily="18" charset="0"/>
-                <a:ea typeface="Cambria" pitchFamily="18" charset="0"/>
-                <a:cs typeface="Times New Roman" pitchFamily="18" charset="0"/>
-              </a:rPr>
-              <a:t>Loai</a:t>
-            </a:r>
-            <a:r>
-              <a:rPr lang="en-IN" dirty="0">
-                <a:latin typeface="Cambria" pitchFamily="18" charset="0"/>
-                <a:ea typeface="Cambria" pitchFamily="18" charset="0"/>
-                <a:cs typeface="Times New Roman" pitchFamily="18" charset="0"/>
-              </a:rPr>
-              <a:t> M. </a:t>
-            </a:r>
-            <a:r>
-              <a:rPr lang="en-IN" dirty="0" err="1">
-                <a:latin typeface="Cambria" pitchFamily="18" charset="0"/>
-                <a:ea typeface="Cambria" pitchFamily="18" charset="0"/>
-                <a:cs typeface="Times New Roman" pitchFamily="18" charset="0"/>
-              </a:rPr>
-              <a:t>Alnemer</a:t>
-            </a:r>
-            <a:r>
-              <a:rPr lang="en-IN" dirty="0">
-                <a:latin typeface="Cambria" pitchFamily="18" charset="0"/>
-                <a:ea typeface="Cambria" pitchFamily="18" charset="0"/>
-                <a:cs typeface="Times New Roman" pitchFamily="18" charset="0"/>
-              </a:rPr>
-              <a:t>, Lama Rajab and Ibrahim </a:t>
-            </a:r>
-            <a:r>
-              <a:rPr lang="en-IN" dirty="0" err="1">
-                <a:latin typeface="Cambria" pitchFamily="18" charset="0"/>
-                <a:ea typeface="Cambria" pitchFamily="18" charset="0"/>
-                <a:cs typeface="Times New Roman" pitchFamily="18" charset="0"/>
-              </a:rPr>
-              <a:t>Aljarah</a:t>
-            </a:r>
-            <a:r>
-              <a:rPr lang="en-IN" dirty="0">
-                <a:latin typeface="Cambria" pitchFamily="18" charset="0"/>
-                <a:ea typeface="Cambria" pitchFamily="18" charset="0"/>
-                <a:cs typeface="Times New Roman" pitchFamily="18" charset="0"/>
-              </a:rPr>
-              <a:t> :Conformal Prediction Technique to Predict Breast Cancer Survivability </a:t>
-            </a:r>
-          </a:p>
-          <a:p>
-            <a:pPr algn="just"/>
-            <a:endParaRPr lang="en-US" dirty="0">
-              <a:latin typeface="Cambria" pitchFamily="18" charset="0"/>
-              <a:ea typeface="Cambria" pitchFamily="18" charset="0"/>
-              <a:cs typeface="Times New Roman" pitchFamily="18" charset="0"/>
-            </a:endParaRPr>
-          </a:p>
-          <a:p>
-            <a:pPr algn="just"/>
-            <a:r>
-              <a:rPr lang="en-US" dirty="0">
-                <a:latin typeface="Cambria" pitchFamily="18" charset="0"/>
-                <a:ea typeface="Cambria" pitchFamily="18" charset="0"/>
-                <a:cs typeface="Times New Roman" pitchFamily="18" charset="0"/>
-              </a:rPr>
-              <a:t>[4] </a:t>
-            </a:r>
-            <a:r>
-              <a:rPr lang="en-IN" dirty="0" err="1">
-                <a:latin typeface="Cambria" pitchFamily="18" charset="0"/>
-                <a:ea typeface="Cambria" pitchFamily="18" charset="0"/>
-                <a:cs typeface="Times New Roman" pitchFamily="18" charset="0"/>
-              </a:rPr>
-              <a:t>M.Sadhana,A.Sankareswari</a:t>
-            </a:r>
-            <a:r>
-              <a:rPr lang="en-IN" dirty="0">
-                <a:latin typeface="Cambria" pitchFamily="18" charset="0"/>
-                <a:ea typeface="Cambria" pitchFamily="18" charset="0"/>
-                <a:cs typeface="Times New Roman" pitchFamily="18" charset="0"/>
-              </a:rPr>
-              <a:t>, M.C.A., M.Phil. : A Proportional Learning of Classifiers Using Breast Cancer Datasets</a:t>
-            </a:r>
-          </a:p>
-          <a:p>
-            <a:pPr algn="just"/>
-            <a:endParaRPr lang="en-US" dirty="0">
-              <a:latin typeface="Cambria" pitchFamily="18" charset="0"/>
-              <a:ea typeface="Cambria" pitchFamily="18" charset="0"/>
-              <a:cs typeface="Times New Roman" pitchFamily="18" charset="0"/>
-            </a:endParaRPr>
-          </a:p>
-          <a:p>
-            <a:pPr algn="just"/>
-            <a:r>
-              <a:rPr lang="en-US" dirty="0">
-                <a:latin typeface="Cambria" pitchFamily="18" charset="0"/>
-                <a:ea typeface="Cambria" pitchFamily="18" charset="0"/>
-                <a:cs typeface="Times New Roman" pitchFamily="18" charset="0"/>
-              </a:rPr>
-              <a:t>[5] </a:t>
-            </a:r>
-            <a:r>
-              <a:rPr lang="en-IN" dirty="0">
-                <a:latin typeface="Cambria" pitchFamily="18" charset="0"/>
-                <a:ea typeface="Cambria" pitchFamily="18" charset="0"/>
-                <a:cs typeface="Times New Roman" pitchFamily="18" charset="0"/>
-              </a:rPr>
-              <a:t>Ahamed </a:t>
-            </a:r>
-            <a:r>
-              <a:rPr lang="en-IN" dirty="0" err="1">
-                <a:latin typeface="Cambria" pitchFamily="18" charset="0"/>
-                <a:ea typeface="Cambria" pitchFamily="18" charset="0"/>
-                <a:cs typeface="Times New Roman" pitchFamily="18" charset="0"/>
-              </a:rPr>
-              <a:t>Lebbe</a:t>
-            </a:r>
-            <a:r>
-              <a:rPr lang="en-IN" dirty="0">
-                <a:latin typeface="Cambria" pitchFamily="18" charset="0"/>
-                <a:ea typeface="Cambria" pitchFamily="18" charset="0"/>
-                <a:cs typeface="Times New Roman" pitchFamily="18" charset="0"/>
-              </a:rPr>
-              <a:t> Sayeth </a:t>
-            </a:r>
-            <a:r>
-              <a:rPr lang="en-IN" dirty="0" err="1">
-                <a:latin typeface="Cambria" pitchFamily="18" charset="0"/>
-                <a:ea typeface="Cambria" pitchFamily="18" charset="0"/>
-                <a:cs typeface="Times New Roman" pitchFamily="18" charset="0"/>
-              </a:rPr>
-              <a:t>Saabith</a:t>
-            </a:r>
-            <a:r>
-              <a:rPr lang="en-IN" dirty="0">
-                <a:latin typeface="Cambria" pitchFamily="18" charset="0"/>
-                <a:ea typeface="Cambria" pitchFamily="18" charset="0"/>
-                <a:cs typeface="Times New Roman" pitchFamily="18" charset="0"/>
-              </a:rPr>
-              <a:t> , </a:t>
-            </a:r>
-            <a:r>
-              <a:rPr lang="en-IN" dirty="0" err="1">
-                <a:latin typeface="Cambria" pitchFamily="18" charset="0"/>
-                <a:ea typeface="Cambria" pitchFamily="18" charset="0"/>
-                <a:cs typeface="Times New Roman" pitchFamily="18" charset="0"/>
-              </a:rPr>
-              <a:t>Elankovan</a:t>
-            </a:r>
-            <a:r>
-              <a:rPr lang="en-IN" dirty="0">
-                <a:latin typeface="Cambria" pitchFamily="18" charset="0"/>
-                <a:ea typeface="Cambria" pitchFamily="18" charset="0"/>
-                <a:cs typeface="Times New Roman" pitchFamily="18" charset="0"/>
-              </a:rPr>
-              <a:t> Sundararajan, </a:t>
-            </a:r>
-            <a:r>
-              <a:rPr lang="en-IN" dirty="0" err="1">
-                <a:latin typeface="Cambria" pitchFamily="18" charset="0"/>
-                <a:ea typeface="Cambria" pitchFamily="18" charset="0"/>
-                <a:cs typeface="Times New Roman" pitchFamily="18" charset="0"/>
-              </a:rPr>
-              <a:t>Azuraliza</a:t>
-            </a:r>
-            <a:r>
-              <a:rPr lang="en-IN" dirty="0">
-                <a:latin typeface="Cambria" pitchFamily="18" charset="0"/>
-                <a:ea typeface="Cambria" pitchFamily="18" charset="0"/>
-                <a:cs typeface="Times New Roman" pitchFamily="18" charset="0"/>
-              </a:rPr>
-              <a:t> Abu Bakar: Comparative study on different classification techniques for breast cancer dataset.</a:t>
-            </a:r>
-          </a:p>
-          <a:p>
-            <a:pPr algn="just"/>
-            <a:endParaRPr lang="en-IN" dirty="0">
-              <a:latin typeface="Cambria" pitchFamily="18" charset="0"/>
-              <a:ea typeface="Cambria" pitchFamily="18" charset="0"/>
-              <a:cs typeface="Times New Roman" pitchFamily="18" charset="0"/>
-            </a:endParaRPr>
-          </a:p>
-          <a:p>
-            <a:pPr algn="just"/>
-            <a:r>
-              <a:rPr lang="en-IN" dirty="0">
-                <a:latin typeface="Cambria" pitchFamily="18" charset="0"/>
-                <a:ea typeface="Cambria" pitchFamily="18" charset="0"/>
-                <a:cs typeface="Times New Roman" pitchFamily="18" charset="0"/>
-              </a:rPr>
-              <a:t>[6] </a:t>
-            </a:r>
-            <a:r>
-              <a:rPr lang="en-IN" dirty="0" err="1">
-                <a:latin typeface="Cambria" pitchFamily="18" charset="0"/>
-                <a:ea typeface="Cambria" pitchFamily="18" charset="0"/>
-                <a:cs typeface="Times New Roman" pitchFamily="18" charset="0"/>
-              </a:rPr>
-              <a:t>Madeeh</a:t>
-            </a:r>
-            <a:r>
-              <a:rPr lang="en-IN" dirty="0">
-                <a:latin typeface="Cambria" pitchFamily="18" charset="0"/>
-                <a:ea typeface="Cambria" pitchFamily="18" charset="0"/>
-                <a:cs typeface="Times New Roman" pitchFamily="18" charset="0"/>
-              </a:rPr>
-              <a:t> </a:t>
-            </a:r>
-            <a:r>
-              <a:rPr lang="en-IN" dirty="0" err="1">
-                <a:latin typeface="Cambria" pitchFamily="18" charset="0"/>
-                <a:ea typeface="Cambria" pitchFamily="18" charset="0"/>
-                <a:cs typeface="Times New Roman" pitchFamily="18" charset="0"/>
-              </a:rPr>
-              <a:t>Nayer</a:t>
-            </a:r>
-            <a:r>
-              <a:rPr lang="en-IN" dirty="0">
-                <a:latin typeface="Cambria" pitchFamily="18" charset="0"/>
-                <a:ea typeface="Cambria" pitchFamily="18" charset="0"/>
-                <a:cs typeface="Times New Roman" pitchFamily="18" charset="0"/>
-              </a:rPr>
-              <a:t> </a:t>
-            </a:r>
-            <a:r>
-              <a:rPr lang="en-IN" dirty="0" err="1">
-                <a:latin typeface="Cambria" pitchFamily="18" charset="0"/>
-                <a:ea typeface="Cambria" pitchFamily="18" charset="0"/>
-                <a:cs typeface="Times New Roman" pitchFamily="18" charset="0"/>
-              </a:rPr>
-              <a:t>Elgedawy</a:t>
-            </a:r>
-            <a:r>
-              <a:rPr lang="en-IN" dirty="0">
-                <a:latin typeface="Cambria" pitchFamily="18" charset="0"/>
-                <a:ea typeface="Cambria" pitchFamily="18" charset="0"/>
-                <a:cs typeface="Times New Roman" pitchFamily="18" charset="0"/>
-              </a:rPr>
-              <a:t>: Prediction of Breast Cancer using Random Forest, Support Vector Machines and Naive Bayes.</a:t>
-            </a:r>
-          </a:p>
-        </p:txBody>
-      </p:sp>
-      <p:sp>
-        <p:nvSpPr>
-          <p:cNvPr id="6" name="Title 1">
-            <a:extLst>
-              <a:ext uri="{FF2B5EF4-FFF2-40B4-BE49-F238E27FC236}">
-                <a16:creationId xmlns:a16="http://schemas.microsoft.com/office/drawing/2014/main" id="{94F0BB82-6C52-4FF7-9ECC-8FDBC011B958}"/>
-              </a:ext>
-            </a:extLst>
-          </p:cNvPr>
-          <p:cNvSpPr txBox="1">
-            <a:spLocks/>
-          </p:cNvSpPr>
-          <p:nvPr/>
-        </p:nvSpPr>
-        <p:spPr>
-          <a:xfrm>
-            <a:off x="193963" y="274638"/>
-            <a:ext cx="11817927" cy="1143000"/>
-          </a:xfrm>
-          <a:prstGeom prst="rect">
-            <a:avLst/>
-          </a:prstGeom>
-        </p:spPr>
-        <p:txBody>
-          <a:bodyPr anchor="ctr"/>
-          <a:lstStyle>
-            <a:lvl1pPr algn="l" rtl="0" eaLnBrk="1" latinLnBrk="0" hangingPunct="1">
-              <a:spcBef>
-                <a:spcPct val="0"/>
-              </a:spcBef>
-              <a:buNone/>
-              <a:defRPr kumimoji="0" sz="4000" kern="1200">
-                <a:solidFill>
-                  <a:schemeClr val="tx2"/>
-                </a:solidFill>
-                <a:latin typeface="+mj-lt"/>
-                <a:ea typeface="+mj-ea"/>
-                <a:cs typeface="+mj-cs"/>
-              </a:defRPr>
-            </a:lvl1pPr>
-          </a:lstStyle>
-          <a:p>
-            <a:pPr algn="ctr"/>
-            <a:r>
-              <a:rPr lang="en-US" b="1" dirty="0">
-                <a:solidFill>
-                  <a:schemeClr val="tx1"/>
-                </a:solidFill>
-                <a:latin typeface="Cambria" pitchFamily="18" charset="0"/>
-                <a:ea typeface="Cambria" pitchFamily="18" charset="0"/>
-                <a:cs typeface="Times New Roman" pitchFamily="18" charset="0"/>
-              </a:rPr>
-              <a:t>REFERENCES</a:t>
-            </a:r>
-          </a:p>
-        </p:txBody>
-      </p:sp>
-      <p:sp>
-        <p:nvSpPr>
-          <p:cNvPr id="3" name="Footer Placeholder 2">
-            <a:extLst>
-              <a:ext uri="{FF2B5EF4-FFF2-40B4-BE49-F238E27FC236}">
-                <a16:creationId xmlns:a16="http://schemas.microsoft.com/office/drawing/2014/main" id="{B65C9813-6F4D-4DE8-B169-8D3DEC556E2D}"/>
-              </a:ext>
-            </a:extLst>
-          </p:cNvPr>
-          <p:cNvSpPr>
-            <a:spLocks noGrp="1"/>
-          </p:cNvSpPr>
-          <p:nvPr>
-            <p:ph type="ftr" sz="quarter" idx="11"/>
-          </p:nvPr>
-        </p:nvSpPr>
-        <p:spPr>
-          <a:xfrm>
-            <a:off x="872837" y="6172200"/>
-            <a:ext cx="4724400" cy="457200"/>
-          </a:xfrm>
-        </p:spPr>
-        <p:txBody>
-          <a:bodyPr/>
-          <a:lstStyle/>
-          <a:p>
-            <a:pPr algn="ctr"/>
-            <a:r>
-              <a:rPr lang="en-US" b="1" dirty="0">
-                <a:latin typeface="Cambria" pitchFamily="18" charset="0"/>
-                <a:ea typeface="Cambria" pitchFamily="18" charset="0"/>
-              </a:rPr>
-              <a:t>Department of CS&amp;E, </a:t>
-            </a:r>
-            <a:r>
-              <a:rPr lang="en-US" b="1" dirty="0" err="1">
-                <a:latin typeface="Cambria" pitchFamily="18" charset="0"/>
-                <a:ea typeface="Cambria" pitchFamily="18" charset="0"/>
-              </a:rPr>
-              <a:t>Acharya</a:t>
-            </a:r>
-            <a:r>
-              <a:rPr lang="en-US" b="1" dirty="0">
-                <a:latin typeface="Cambria" pitchFamily="18" charset="0"/>
-                <a:ea typeface="Cambria" pitchFamily="18" charset="0"/>
-              </a:rPr>
-              <a:t> Institute of Technology</a:t>
-            </a:r>
-          </a:p>
-        </p:txBody>
-      </p:sp>
-      <p:sp>
-        <p:nvSpPr>
-          <p:cNvPr id="4" name="Slide Number Placeholder 3">
-            <a:extLst>
-              <a:ext uri="{FF2B5EF4-FFF2-40B4-BE49-F238E27FC236}">
-                <a16:creationId xmlns:a16="http://schemas.microsoft.com/office/drawing/2014/main" id="{ACAC020C-5A15-4D11-958C-E3E407123909}"/>
-              </a:ext>
-            </a:extLst>
-          </p:cNvPr>
-          <p:cNvSpPr>
-            <a:spLocks noGrp="1"/>
-          </p:cNvSpPr>
-          <p:nvPr>
-            <p:ph type="sldNum" sz="quarter" idx="12"/>
-          </p:nvPr>
-        </p:nvSpPr>
-        <p:spPr/>
-        <p:txBody>
-          <a:bodyPr/>
-          <a:lstStyle/>
-          <a:p>
-            <a:fld id="{80A3A3F3-8EDC-49BE-84B5-3735161BD4D6}" type="slidenum">
-              <a:rPr lang="en-US" smtClean="0"/>
-              <a:pPr/>
-              <a:t>19</a:t>
-            </a:fld>
-            <a:endParaRPr lang="en-US"/>
-          </a:p>
-        </p:txBody>
-      </p:sp>
-    </p:spTree>
-    <p:extLst>
-      <p:ext uri="{BB962C8B-B14F-4D97-AF65-F5344CB8AC3E}">
-        <p14:creationId xmlns:p14="http://schemas.microsoft.com/office/powerpoint/2010/main" val="1698253571"/>
-      </p:ext>
-    </p:extLst>
   </p:cSld>
   <p:clrMapOvr>
     <a:masterClrMapping/>
@@ -7595,7 +6155,7 @@
                 <a:ea typeface="Cambria" pitchFamily="18" charset="0"/>
               </a:rPr>
               <a:pPr algn="ctr"/>
-              <a:t>3-Jul-24</a:t>
+              <a:t>4-Jul-24</a:t>
             </a:fld>
             <a:endParaRPr lang="en-US" b="1" dirty="0">
               <a:latin typeface="Cambria" pitchFamily="18" charset="0"/>
@@ -7718,7 +6278,7 @@
               <a:buChar char="Ø"/>
             </a:pPr>
             <a:r>
-              <a:rPr lang="en-IN" sz="1800" dirty="0">
+              <a:rPr lang="en-US" sz="1800" dirty="0">
                 <a:solidFill>
                   <a:schemeClr val="tx1"/>
                 </a:solidFill>
@@ -7726,7 +6286,7 @@
                 <a:ea typeface="Cambria" pitchFamily="18" charset="0"/>
                 <a:cs typeface="Times New Roman" pitchFamily="18" charset="0"/>
               </a:rPr>
-              <a:t> </a:t>
+              <a:t>Emotion-Based Content Generation.</a:t>
             </a:r>
           </a:p>
           <a:p>
@@ -7742,11 +6302,14 @@
             </a:pPr>
             <a:r>
               <a:rPr lang="en-IN" sz="1800" dirty="0">
+                <a:solidFill>
+                  <a:schemeClr val="tx1"/>
+                </a:solidFill>
                 <a:latin typeface="Cambria" pitchFamily="18" charset="0"/>
                 <a:ea typeface="Cambria" pitchFamily="18" charset="0"/>
                 <a:cs typeface="Times New Roman" pitchFamily="18" charset="0"/>
               </a:rPr>
-              <a:t> </a:t>
+              <a:t>Subscription Management.</a:t>
             </a:r>
           </a:p>
           <a:p>
@@ -7762,14 +6325,11 @@
             </a:pPr>
             <a:r>
               <a:rPr lang="en-IN" sz="1800" dirty="0">
-                <a:solidFill>
-                  <a:schemeClr val="tx1"/>
-                </a:solidFill>
                 <a:latin typeface="Cambria" pitchFamily="18" charset="0"/>
                 <a:ea typeface="Cambria" pitchFamily="18" charset="0"/>
                 <a:cs typeface="Times New Roman" pitchFamily="18" charset="0"/>
               </a:rPr>
-              <a:t> </a:t>
+              <a:t>Creating  precise title and content.</a:t>
             </a:r>
           </a:p>
           <a:p>
@@ -7785,86 +6345,26 @@
             </a:pPr>
             <a:r>
               <a:rPr lang="en-IN" sz="1800" dirty="0">
+                <a:solidFill>
+                  <a:schemeClr val="tx1"/>
+                </a:solidFill>
                 <a:latin typeface="Cambria" pitchFamily="18" charset="0"/>
                 <a:ea typeface="Cambria" pitchFamily="18" charset="0"/>
                 <a:cs typeface="Times New Roman" pitchFamily="18" charset="0"/>
               </a:rPr>
-              <a:t> </a:t>
-            </a:r>
-          </a:p>
-          <a:p>
-            <a:pPr algn="just">
+              <a:t> Effective management of contents that are created.</a:t>
+            </a:r>
+          </a:p>
+          <a:p>
+            <a:pPr marL="0" indent="0" algn="just">
               <a:lnSpc>
                 <a:spcPct val="200000"/>
               </a:lnSpc>
               <a:buClr>
                 <a:schemeClr val="tx1"/>
               </a:buClr>
-              <a:buFont typeface="Wingdings" pitchFamily="2" charset="2"/>
-              <a:buChar char="Ø"/>
+              <a:buNone/>
             </a:pPr>
-            <a:r>
-              <a:rPr lang="en-IN" sz="1800" dirty="0">
-                <a:solidFill>
-                  <a:schemeClr val="tx1"/>
-                </a:solidFill>
-                <a:latin typeface="Cambria" pitchFamily="18" charset="0"/>
-                <a:ea typeface="Cambria" pitchFamily="18" charset="0"/>
-                <a:cs typeface="Times New Roman" pitchFamily="18" charset="0"/>
-              </a:rPr>
-              <a:t> </a:t>
-            </a:r>
-          </a:p>
-          <a:p>
-            <a:pPr algn="just">
-              <a:lnSpc>
-                <a:spcPct val="200000"/>
-              </a:lnSpc>
-              <a:buClr>
-                <a:schemeClr val="tx1"/>
-              </a:buClr>
-              <a:buFont typeface="Wingdings" pitchFamily="2" charset="2"/>
-              <a:buChar char="Ø"/>
-            </a:pPr>
-            <a:r>
-              <a:rPr lang="en-IN" sz="1800" dirty="0">
-                <a:latin typeface="Cambria" pitchFamily="18" charset="0"/>
-                <a:ea typeface="Cambria" pitchFamily="18" charset="0"/>
-                <a:cs typeface="Times New Roman" pitchFamily="18" charset="0"/>
-              </a:rPr>
-              <a:t> </a:t>
-            </a:r>
-          </a:p>
-          <a:p>
-            <a:pPr algn="just">
-              <a:lnSpc>
-                <a:spcPct val="200000"/>
-              </a:lnSpc>
-              <a:buClr>
-                <a:schemeClr val="tx1"/>
-              </a:buClr>
-              <a:buFont typeface="Wingdings" pitchFamily="2" charset="2"/>
-              <a:buChar char="Ø"/>
-            </a:pPr>
-            <a:r>
-              <a:rPr lang="en-IN" sz="1800" dirty="0">
-                <a:solidFill>
-                  <a:schemeClr val="tx1"/>
-                </a:solidFill>
-                <a:latin typeface="Cambria" pitchFamily="18" charset="0"/>
-                <a:ea typeface="Cambria" pitchFamily="18" charset="0"/>
-                <a:cs typeface="Times New Roman" pitchFamily="18" charset="0"/>
-              </a:rPr>
-              <a:t> </a:t>
-            </a:r>
-            <a:r>
-              <a:rPr lang="en-IN" sz="1800" dirty="0">
-                <a:latin typeface="Cambria" pitchFamily="18" charset="0"/>
-                <a:ea typeface="Cambria" pitchFamily="18" charset="0"/>
-                <a:cs typeface="Times New Roman" pitchFamily="18" charset="0"/>
-              </a:rPr>
-              <a:t> </a:t>
-            </a:r>
             <a:endParaRPr lang="en-IN" sz="1800" dirty="0">
               <a:solidFill>
                 <a:schemeClr val="tx1"/>
@@ -7893,209 +6393,6 @@
               <a:ea typeface="Cambria" pitchFamily="18" charset="0"/>
               <a:cs typeface="Times New Roman" pitchFamily="18" charset="0"/>
             </a:endParaRPr>
-          </a:p>
-        </p:txBody>
-      </p:sp>
-    </p:spTree>
-  </p:cSld>
-  <p:clrMapOvr>
-    <a:masterClrMapping/>
-  </p:clrMapOvr>
-</p:sld>
-</file>
-
-<file path=ppt/slides/slide20.xml><?xml version="1.0" encoding="utf-8"?>
-<p:sld xmlns:a="http://schemas.openxmlformats.org/drawingml/2006/main" xmlns:r="http://schemas.openxmlformats.org/officeDocument/2006/relationships" xmlns:p="http://schemas.openxmlformats.org/presentationml/2006/main">
-  <p:cSld>
-    <p:spTree>
-      <p:nvGrpSpPr>
-        <p:cNvPr id="1" name=""/>
-        <p:cNvGrpSpPr/>
-        <p:nvPr/>
-      </p:nvGrpSpPr>
-      <p:grpSpPr>
-        <a:xfrm>
-          <a:off x="0" y="0"/>
-          <a:ext cx="0" cy="0"/>
-          <a:chOff x="0" y="0"/>
-          <a:chExt cx="0" cy="0"/>
-        </a:xfrm>
-      </p:grpSpPr>
-      <p:sp>
-        <p:nvSpPr>
-          <p:cNvPr id="6" name="Content Placeholder 5"/>
-          <p:cNvSpPr>
-            <a:spLocks noGrp="1"/>
-          </p:cNvSpPr>
-          <p:nvPr>
-            <p:ph sz="quarter" idx="1"/>
-          </p:nvPr>
-        </p:nvSpPr>
-        <p:spPr>
-          <a:xfrm>
-            <a:off x="429491" y="540327"/>
-            <a:ext cx="11471564" cy="5479473"/>
-          </a:xfrm>
-        </p:spPr>
-        <p:txBody>
-          <a:bodyPr>
-            <a:normAutofit/>
-          </a:bodyPr>
-          <a:lstStyle/>
-          <a:p>
-            <a:pPr algn="ctr">
-              <a:buNone/>
-            </a:pPr>
-            <a:endParaRPr lang="en-IN" sz="9600" dirty="0">
-              <a:latin typeface="Times New Roman" pitchFamily="18" charset="0"/>
-              <a:cs typeface="Times New Roman" pitchFamily="18" charset="0"/>
-            </a:endParaRPr>
-          </a:p>
-          <a:p>
-            <a:pPr algn="ctr">
-              <a:buNone/>
-            </a:pPr>
-            <a:r>
-              <a:rPr lang="en-IN" sz="9600" b="1" dirty="0">
-                <a:latin typeface="Cambria" pitchFamily="18" charset="0"/>
-                <a:ea typeface="Cambria" pitchFamily="18" charset="0"/>
-                <a:cs typeface="Times New Roman" pitchFamily="18" charset="0"/>
-              </a:rPr>
-              <a:t>THANK  YOU</a:t>
-            </a:r>
-          </a:p>
-          <a:p>
-            <a:pPr algn="ctr">
-              <a:buNone/>
-            </a:pPr>
-            <a:endParaRPr lang="en-IN" sz="9600" b="1" dirty="0">
-              <a:latin typeface="Cambria" pitchFamily="18" charset="0"/>
-              <a:ea typeface="Cambria" pitchFamily="18" charset="0"/>
-              <a:cs typeface="Times New Roman" pitchFamily="18" charset="0"/>
-            </a:endParaRPr>
-          </a:p>
-        </p:txBody>
-      </p:sp>
-      <p:sp>
-        <p:nvSpPr>
-          <p:cNvPr id="2" name="Date Placeholder 1">
-            <a:extLst>
-              <a:ext uri="{FF2B5EF4-FFF2-40B4-BE49-F238E27FC236}">
-                <a16:creationId xmlns:a16="http://schemas.microsoft.com/office/drawing/2014/main" id="{5F3DBEAC-E830-4F46-9810-2ED10E420D37}"/>
-              </a:ext>
-            </a:extLst>
-          </p:cNvPr>
-          <p:cNvSpPr>
-            <a:spLocks noGrp="1"/>
-          </p:cNvSpPr>
-          <p:nvPr>
-            <p:ph type="dt" sz="half" idx="10"/>
-          </p:nvPr>
-        </p:nvSpPr>
-        <p:spPr>
-          <a:xfrm>
-            <a:off x="10626436" y="6191250"/>
-            <a:ext cx="1330036" cy="476250"/>
-          </a:xfrm>
-        </p:spPr>
-        <p:txBody>
-          <a:bodyPr/>
-          <a:lstStyle/>
-          <a:p>
-            <a:pPr algn="ctr"/>
-            <a:fld id="{E73040D4-6661-4EE2-B480-5AC27F84D186}" type="datetime5">
-              <a:rPr lang="en-US" b="1" smtClean="0">
-                <a:latin typeface="Cambria" pitchFamily="18" charset="0"/>
-                <a:ea typeface="Cambria" pitchFamily="18" charset="0"/>
-              </a:rPr>
-              <a:pPr algn="ctr"/>
-              <a:t>3-Jul-24</a:t>
-            </a:fld>
-            <a:endParaRPr lang="en-US" b="1" dirty="0">
-              <a:latin typeface="Cambria" pitchFamily="18" charset="0"/>
-              <a:ea typeface="Cambria" pitchFamily="18" charset="0"/>
-            </a:endParaRPr>
-          </a:p>
-        </p:txBody>
-      </p:sp>
-      <p:sp>
-        <p:nvSpPr>
-          <p:cNvPr id="3" name="Footer Placeholder 2">
-            <a:extLst>
-              <a:ext uri="{FF2B5EF4-FFF2-40B4-BE49-F238E27FC236}">
-                <a16:creationId xmlns:a16="http://schemas.microsoft.com/office/drawing/2014/main" id="{17600914-9D9E-48B1-B763-346ABCEB9897}"/>
-              </a:ext>
-            </a:extLst>
-          </p:cNvPr>
-          <p:cNvSpPr>
-            <a:spLocks noGrp="1"/>
-          </p:cNvSpPr>
-          <p:nvPr>
-            <p:ph type="ftr" sz="quarter" idx="11"/>
-          </p:nvPr>
-        </p:nvSpPr>
-        <p:spPr>
-          <a:xfrm>
-            <a:off x="803564" y="6172200"/>
-            <a:ext cx="4696691" cy="457200"/>
-          </a:xfrm>
-        </p:spPr>
-        <p:txBody>
-          <a:bodyPr/>
-          <a:lstStyle/>
-          <a:p>
-            <a:pPr algn="ctr"/>
-            <a:r>
-              <a:rPr lang="en-US" b="1" dirty="0">
-                <a:latin typeface="Cambria" pitchFamily="18" charset="0"/>
-                <a:ea typeface="Cambria" pitchFamily="18" charset="0"/>
-              </a:rPr>
-              <a:t>Department of CS&amp;E, </a:t>
-            </a:r>
-            <a:r>
-              <a:rPr lang="en-US" b="1" dirty="0" err="1">
-                <a:latin typeface="Cambria" pitchFamily="18" charset="0"/>
-                <a:ea typeface="Cambria" pitchFamily="18" charset="0"/>
-              </a:rPr>
-              <a:t>Acharya</a:t>
-            </a:r>
-            <a:r>
-              <a:rPr lang="en-US" b="1" dirty="0">
-                <a:latin typeface="Cambria" pitchFamily="18" charset="0"/>
-                <a:ea typeface="Cambria" pitchFamily="18" charset="0"/>
-              </a:rPr>
-              <a:t> Institute of Technology</a:t>
-            </a:r>
-          </a:p>
-        </p:txBody>
-      </p:sp>
-      <p:sp>
-        <p:nvSpPr>
-          <p:cNvPr id="4" name="Slide Number Placeholder 3">
-            <a:extLst>
-              <a:ext uri="{FF2B5EF4-FFF2-40B4-BE49-F238E27FC236}">
-                <a16:creationId xmlns:a16="http://schemas.microsoft.com/office/drawing/2014/main" id="{69BE56B1-55E7-48B9-9E06-B8A044BAF613}"/>
-              </a:ext>
-            </a:extLst>
-          </p:cNvPr>
-          <p:cNvSpPr>
-            <a:spLocks noGrp="1"/>
-          </p:cNvSpPr>
-          <p:nvPr>
-            <p:ph type="sldNum" sz="quarter" idx="12"/>
-          </p:nvPr>
-        </p:nvSpPr>
-        <p:spPr/>
-        <p:txBody>
-          <a:bodyPr/>
-          <a:lstStyle/>
-          <a:p>
-            <a:fld id="{80A3A3F3-8EDC-49BE-84B5-3735161BD4D6}" type="slidenum">
-              <a:rPr lang="en-US" smtClean="0"/>
-              <a:pPr/>
-              <a:t>20</a:t>
-            </a:fld>
-            <a:endParaRPr lang="en-US"/>
           </a:p>
         </p:txBody>
       </p:sp>
@@ -8256,7 +6553,7 @@
                 <a:ea typeface="Cambria" pitchFamily="18" charset="0"/>
               </a:rPr>
               <a:pPr algn="ctr"/>
-              <a:t>3-Jul-24</a:t>
+              <a:t>4-Jul-24</a:t>
             </a:fld>
             <a:endParaRPr lang="en-US" b="1" dirty="0">
               <a:latin typeface="Cambria" pitchFamily="18" charset="0"/>
@@ -8647,7 +6944,7 @@
             <a:fld id="{1BC18043-1F1D-4DEC-A779-53CDDC30EEAA}" type="datetime5">
               <a:rPr lang="en-US" smtClean="0"/>
               <a:pPr/>
-              <a:t>3-Jul-24</a:t>
+              <a:t>4-Jul-24</a:t>
             </a:fld>
             <a:endParaRPr lang="en-US"/>
           </a:p>
@@ -8730,7 +7027,7 @@
         <p:spPr>
           <a:xfrm>
             <a:off x="386080" y="228600"/>
-            <a:ext cx="11328400" cy="5943600"/>
+            <a:ext cx="11145520" cy="5806440"/>
           </a:xfrm>
         </p:spPr>
         <p:txBody>
@@ -8768,10 +7065,36 @@
             </a:r>
             <a:endParaRPr lang="en-IN" sz="1100" dirty="0">
               <a:effectLst/>
-              <a:latin typeface="Calibri" panose="020F0502020204030204" pitchFamily="34" charset="0"/>
+              <a:latin typeface="Times New Roman" panose="02020603050405020304" pitchFamily="18" charset="0"/>
               <a:ea typeface="Calibri" panose="020F0502020204030204" pitchFamily="34" charset="0"/>
               <a:cs typeface="Times New Roman" panose="02020603050405020304" pitchFamily="18" charset="0"/>
             </a:endParaRPr>
+          </a:p>
+          <a:p>
+            <a:pPr marL="498475" indent="-228600" algn="just">
+              <a:lnSpc>
+                <a:spcPct val="150000"/>
+              </a:lnSpc>
+              <a:spcAft>
+                <a:spcPts val="1000"/>
+              </a:spcAft>
+              <a:buFont typeface="+mj-lt"/>
+              <a:buAutoNum type="arabicPeriod"/>
+            </a:pPr>
+            <a:r>
+              <a:rPr lang="en-IN" sz="1100" b="1" i="0" dirty="0">
+                <a:solidFill>
+                  <a:srgbClr val="000000"/>
+                </a:solidFill>
+                <a:effectLst/>
+                <a:highlight>
+                  <a:srgbClr val="FFFFFF"/>
+                </a:highlight>
+                <a:latin typeface="Times New Roman" panose="02020603050405020304" pitchFamily="18" charset="0"/>
+                <a:cs typeface="Times New Roman" panose="02020603050405020304" pitchFamily="18" charset="0"/>
+              </a:rPr>
+              <a:t> AI Writing Assistant-</a:t>
+            </a:r>
           </a:p>
           <a:p>
             <a:pPr marL="447675" indent="-177800" algn="just">
@@ -8783,23 +7106,176 @@
               </a:spcAft>
             </a:pPr>
             <a:r>
-              <a:rPr lang="en-US" sz="1100" dirty="0">
+              <a:rPr lang="en-US" sz="1100" i="0" dirty="0">
+                <a:solidFill>
+                  <a:srgbClr val="000000"/>
+                </a:solidFill>
                 <a:effectLst/>
+                <a:highlight>
+                  <a:srgbClr val="FFFFFF"/>
+                </a:highlight>
                 <a:latin typeface="Times New Roman" panose="02020603050405020304" pitchFamily="18" charset="0"/>
-                <a:ea typeface="Calibri" panose="020F0502020204030204" pitchFamily="34" charset="0"/>
                 <a:cs typeface="Times New Roman" panose="02020603050405020304" pitchFamily="18" charset="0"/>
               </a:rPr>
-              <a:t>Brief overview of already existing system (if any) and its drawbacks.</a:t>
-            </a:r>
-            <a:endParaRPr lang="en-IN" sz="1100" dirty="0">
-              <a:effectLst/>
-              <a:latin typeface="Calibri" panose="020F0502020204030204" pitchFamily="34" charset="0"/>
+              <a:t>AI Writing Assistant, created by </a:t>
+            </a:r>
+            <a:r>
+              <a:rPr lang="en-US" sz="1100" i="0" dirty="0" err="1">
+                <a:solidFill>
+                  <a:srgbClr val="000000"/>
+                </a:solidFill>
+                <a:effectLst/>
+                <a:highlight>
+                  <a:srgbClr val="FFFFFF"/>
+                </a:highlight>
+                <a:latin typeface="Times New Roman" panose="02020603050405020304" pitchFamily="18" charset="0"/>
+                <a:cs typeface="Times New Roman" panose="02020603050405020304" pitchFamily="18" charset="0"/>
+              </a:rPr>
+              <a:t>Copymatic</a:t>
+            </a:r>
+            <a:r>
+              <a:rPr lang="en-US" sz="1100" i="0" dirty="0">
+                <a:solidFill>
+                  <a:srgbClr val="000000"/>
+                </a:solidFill>
+                <a:effectLst/>
+                <a:highlight>
+                  <a:srgbClr val="FFFFFF"/>
+                </a:highlight>
+                <a:latin typeface="Times New Roman" panose="02020603050405020304" pitchFamily="18" charset="0"/>
+                <a:cs typeface="Times New Roman" panose="02020603050405020304" pitchFamily="18" charset="0"/>
+              </a:rPr>
+              <a:t> and available from the </a:t>
+            </a:r>
+            <a:r>
+              <a:rPr lang="en-US" sz="1100" i="0" dirty="0" err="1">
+                <a:solidFill>
+                  <a:srgbClr val="000000"/>
+                </a:solidFill>
+                <a:effectLst/>
+                <a:highlight>
+                  <a:srgbClr val="FFFFFF"/>
+                </a:highlight>
+                <a:latin typeface="Times New Roman" panose="02020603050405020304" pitchFamily="18" charset="0"/>
+                <a:cs typeface="Times New Roman" panose="02020603050405020304" pitchFamily="18" charset="0"/>
+              </a:rPr>
+              <a:t>Semrush</a:t>
+            </a:r>
+            <a:r>
+              <a:rPr lang="en-US" sz="1100" i="0" dirty="0">
+                <a:solidFill>
+                  <a:srgbClr val="000000"/>
+                </a:solidFill>
+                <a:effectLst/>
+                <a:highlight>
+                  <a:srgbClr val="FFFFFF"/>
+                </a:highlight>
+                <a:latin typeface="Times New Roman" panose="02020603050405020304" pitchFamily="18" charset="0"/>
+                <a:cs typeface="Times New Roman" panose="02020603050405020304" pitchFamily="18" charset="0"/>
+              </a:rPr>
+              <a:t> App Center, is robust. Its 76 tools help you generate copy for emails, blogs, CTAs, web content, social media posts, ads, video scripts, product descriptions, and even job descriptions. </a:t>
+            </a:r>
+          </a:p>
+          <a:p>
+            <a:pPr marL="498475" indent="-228600" algn="just">
+              <a:lnSpc>
+                <a:spcPct val="150000"/>
+              </a:lnSpc>
+              <a:spcAft>
+                <a:spcPts val="1000"/>
+              </a:spcAft>
+              <a:buAutoNum type="arabicPeriod" startAt="2"/>
+            </a:pPr>
+            <a:r>
+              <a:rPr lang="en-IN" sz="1100" b="1" i="0" dirty="0">
+                <a:solidFill>
+                  <a:srgbClr val="000000"/>
+                </a:solidFill>
+                <a:effectLst/>
+                <a:highlight>
+                  <a:srgbClr val="FFFFFF"/>
+                </a:highlight>
+                <a:latin typeface="Times New Roman" panose="02020603050405020304" pitchFamily="18" charset="0"/>
+                <a:cs typeface="Times New Roman" panose="02020603050405020304" pitchFamily="18" charset="0"/>
+              </a:rPr>
+              <a:t>Free Title Generator</a:t>
+            </a:r>
+          </a:p>
+          <a:p>
+            <a:pPr marL="498475" indent="-228600" algn="just">
+              <a:lnSpc>
+                <a:spcPct val="150000"/>
+              </a:lnSpc>
+              <a:spcAft>
+                <a:spcPts val="1000"/>
+              </a:spcAft>
+            </a:pPr>
+            <a:r>
+              <a:rPr lang="en-US" sz="1100" i="0" dirty="0">
+                <a:solidFill>
+                  <a:srgbClr val="000000"/>
+                </a:solidFill>
+                <a:effectLst/>
+                <a:highlight>
+                  <a:srgbClr val="FFFFFF"/>
+                </a:highlight>
+                <a:latin typeface="Times New Roman" panose="02020603050405020304" pitchFamily="18" charset="0"/>
+                <a:cs typeface="Times New Roman" panose="02020603050405020304" pitchFamily="18" charset="0"/>
+              </a:rPr>
+              <a:t>Free Title Generator, designed by </a:t>
+            </a:r>
+            <a:r>
+              <a:rPr lang="en-US" sz="1100" i="0" dirty="0" err="1">
+                <a:solidFill>
+                  <a:srgbClr val="000000"/>
+                </a:solidFill>
+                <a:effectLst/>
+                <a:highlight>
+                  <a:srgbClr val="FFFFFF"/>
+                </a:highlight>
+                <a:latin typeface="Times New Roman" panose="02020603050405020304" pitchFamily="18" charset="0"/>
+                <a:cs typeface="Times New Roman" panose="02020603050405020304" pitchFamily="18" charset="0"/>
+              </a:rPr>
+              <a:t>Semrush</a:t>
+            </a:r>
+            <a:r>
+              <a:rPr lang="en-US" sz="1100" i="0" dirty="0">
+                <a:solidFill>
+                  <a:srgbClr val="000000"/>
+                </a:solidFill>
+                <a:effectLst/>
+                <a:highlight>
+                  <a:srgbClr val="FFFFFF"/>
+                </a:highlight>
+                <a:latin typeface="Times New Roman" panose="02020603050405020304" pitchFamily="18" charset="0"/>
+                <a:cs typeface="Times New Roman" panose="02020603050405020304" pitchFamily="18" charset="0"/>
+              </a:rPr>
+              <a:t>, does exactly what it says: generates a variety of titles, or headlines.</a:t>
+            </a:r>
+          </a:p>
+          <a:p>
+            <a:pPr marL="498475" indent="-228600" algn="just">
+              <a:lnSpc>
+                <a:spcPct val="150000"/>
+              </a:lnSpc>
+              <a:spcAft>
+                <a:spcPts val="1000"/>
+              </a:spcAft>
+            </a:pPr>
+            <a:endParaRPr lang="en-US" sz="1100" dirty="0">
+              <a:solidFill>
+                <a:srgbClr val="000000"/>
+              </a:solidFill>
+              <a:highlight>
+                <a:srgbClr val="FFFFFF"/>
+              </a:highlight>
+              <a:latin typeface="Times New Roman" panose="02020603050405020304" pitchFamily="18" charset="0"/>
               <a:ea typeface="Calibri" panose="020F0502020204030204" pitchFamily="34" charset="0"/>
               <a:cs typeface="Times New Roman" panose="02020603050405020304" pitchFamily="18" charset="0"/>
             </a:endParaRPr>
           </a:p>
           <a:p>
-            <a:pPr marL="0" indent="0" algn="just">
+            <a:pPr marL="269875" indent="0" algn="just">
               <a:lnSpc>
                 <a:spcPct val="150000"/>
               </a:lnSpc>
@@ -8809,26 +7285,92 @@
               <a:buNone/>
             </a:pPr>
             <a:r>
+              <a:rPr lang="en-US" sz="1100" b="1" dirty="0">
+                <a:solidFill>
+                  <a:srgbClr val="000000"/>
+                </a:solidFill>
+                <a:effectLst/>
+                <a:highlight>
+                  <a:srgbClr val="FFFFFF"/>
+                </a:highlight>
+                <a:latin typeface="Times New Roman" panose="02020603050405020304" pitchFamily="18" charset="0"/>
+                <a:ea typeface="Calibri" panose="020F0502020204030204" pitchFamily="34" charset="0"/>
+                <a:cs typeface="Times New Roman" panose="02020603050405020304" pitchFamily="18" charset="0"/>
+              </a:rPr>
+              <a:t>Drawbacks of existing Systems</a:t>
+            </a:r>
+          </a:p>
+          <a:p>
+            <a:pPr marL="498475" indent="-228600" algn="just">
+              <a:lnSpc>
+                <a:spcPct val="150000"/>
+              </a:lnSpc>
+              <a:spcAft>
+                <a:spcPts val="1000"/>
+              </a:spcAft>
+              <a:buFont typeface="+mj-lt"/>
+              <a:buAutoNum type="arabicPeriod"/>
+            </a:pPr>
+            <a:r>
+              <a:rPr lang="en-US" sz="1100" dirty="0">
+                <a:solidFill>
+                  <a:srgbClr val="000000"/>
+                </a:solidFill>
+                <a:effectLst/>
+                <a:highlight>
+                  <a:srgbClr val="FFFFFF"/>
+                </a:highlight>
+                <a:latin typeface="Times New Roman" panose="02020603050405020304" pitchFamily="18" charset="0"/>
+                <a:ea typeface="Calibri" panose="020F0502020204030204" pitchFamily="34" charset="0"/>
+                <a:cs typeface="Times New Roman" panose="02020603050405020304" pitchFamily="18" charset="0"/>
+              </a:rPr>
+              <a:t>Costly</a:t>
+            </a:r>
+          </a:p>
+          <a:p>
+            <a:pPr marL="498475" indent="-228600" algn="just">
+              <a:lnSpc>
+                <a:spcPct val="150000"/>
+              </a:lnSpc>
+              <a:spcAft>
+                <a:spcPts val="1000"/>
+              </a:spcAft>
+              <a:buFont typeface="+mj-lt"/>
+              <a:buAutoNum type="arabicPeriod"/>
+            </a:pPr>
+            <a:r>
+              <a:rPr lang="en-IN" sz="1100" dirty="0">
+                <a:effectLst/>
+                <a:latin typeface="Times New Roman" panose="02020603050405020304" pitchFamily="18" charset="0"/>
+                <a:ea typeface="Calibri" panose="020F0502020204030204" pitchFamily="34" charset="0"/>
+                <a:cs typeface="Times New Roman" panose="02020603050405020304" pitchFamily="18" charset="0"/>
+              </a:rPr>
+              <a:t>Only generates titles</a:t>
+            </a:r>
+          </a:p>
+          <a:p>
+            <a:pPr marL="498475" indent="-228600" algn="just">
+              <a:lnSpc>
+                <a:spcPct val="150000"/>
+              </a:lnSpc>
+              <a:spcAft>
+                <a:spcPts val="1000"/>
+              </a:spcAft>
+              <a:buFont typeface="+mj-lt"/>
+              <a:buAutoNum type="arabicPeriod"/>
+            </a:pPr>
+            <a:r>
               <a:rPr lang="en-US" sz="1100" dirty="0">
                 <a:effectLst/>
                 <a:latin typeface="Times New Roman" panose="02020603050405020304" pitchFamily="18" charset="0"/>
                 <a:ea typeface="Calibri" panose="020F0502020204030204" pitchFamily="34" charset="0"/>
                 <a:cs typeface="Times New Roman" panose="02020603050405020304" pitchFamily="18" charset="0"/>
               </a:rPr>
-              <a:t> </a:t>
-            </a:r>
-            <a:r>
-              <a:rPr lang="en-US" sz="1100" b="1" cap="small" dirty="0">
-                <a:effectLst/>
-                <a:latin typeface="Times New Roman" panose="02020603050405020304" pitchFamily="18" charset="0"/>
-                <a:ea typeface="Calibri" panose="020F0502020204030204" pitchFamily="34" charset="0"/>
-                <a:cs typeface="Times New Roman" panose="02020603050405020304" pitchFamily="18" charset="0"/>
-              </a:rPr>
-              <a:t>1.4. overview of proposed system:</a:t>
+              <a:t>Heavily focused on SEO improvement instead of writing improvement</a:t>
             </a:r>
             <a:endParaRPr lang="en-IN" sz="1100" dirty="0">
               <a:effectLst/>
-              <a:latin typeface="Calibri" panose="020F0502020204030204" pitchFamily="34" charset="0"/>
+              <a:latin typeface="Times New Roman" panose="02020603050405020304" pitchFamily="18" charset="0"/>
               <a:ea typeface="Calibri" panose="020F0502020204030204" pitchFamily="34" charset="0"/>
               <a:cs typeface="Times New Roman" panose="02020603050405020304" pitchFamily="18" charset="0"/>
             </a:endParaRPr>
@@ -8947,42 +7489,6 @@
           </a:p>
         </p:txBody>
       </p:sp>
-      <p:pic>
-        <p:nvPicPr>
-          <p:cNvPr id="8" name="Picture 7">
-            <a:extLst>
-              <a:ext uri="{FF2B5EF4-FFF2-40B4-BE49-F238E27FC236}">
-                <a16:creationId xmlns:a16="http://schemas.microsoft.com/office/drawing/2014/main" id="{C506EE65-504B-7BF1-1B9E-D576EE224273}"/>
-              </a:ext>
-            </a:extLst>
-          </p:cNvPr>
-          <p:cNvPicPr>
-            <a:picLocks noChangeAspect="1"/>
-          </p:cNvPicPr>
-          <p:nvPr/>
-        </p:nvPicPr>
-        <p:blipFill>
-          <a:blip r:embed="rId2">
-            <a:extLst>
-              <a:ext uri="{28A0092B-C50C-407E-A947-70E740481C1C}">
-                <a14:useLocalDpi xmlns:a14="http://schemas.microsoft.com/office/drawing/2010/main" val="0"/>
-              </a:ext>
-            </a:extLst>
-          </a:blip>
-          <a:stretch>
-            <a:fillRect/>
-          </a:stretch>
-        </p:blipFill>
-        <p:spPr>
-          <a:xfrm>
-            <a:off x="1042457" y="1656080"/>
-            <a:ext cx="9617225" cy="4478020"/>
-          </a:xfrm>
-          <a:prstGeom prst="rect">
-            <a:avLst/>
-          </a:prstGeom>
-        </p:spPr>
-      </p:pic>
     </p:spTree>
     <p:extLst>
       <p:ext uri="{BB962C8B-B14F-4D97-AF65-F5344CB8AC3E}">
@@ -9018,7 +7524,7 @@
           <p:cNvPr id="3" name="Date Placeholder 2">
             <a:extLst>
               <a:ext uri="{FF2B5EF4-FFF2-40B4-BE49-F238E27FC236}">
-                <a16:creationId xmlns:a16="http://schemas.microsoft.com/office/drawing/2014/main" id="{8599E5F9-35C8-4967-11F8-364268BF569B}"/>
+                <a16:creationId xmlns:a16="http://schemas.microsoft.com/office/drawing/2014/main" id="{424B150B-866C-147A-F1DB-3657F7C28DCE}"/>
               </a:ext>
             </a:extLst>
           </p:cNvPr>
@@ -9037,7 +7543,7 @@
             <a:fld id="{1BC18043-1F1D-4DEC-A779-53CDDC30EEAA}" type="datetime5">
               <a:rPr lang="en-US" smtClean="0"/>
               <a:pPr/>
-              <a:t>3-Jul-24</a:t>
+              <a:t>4-Jul-24</a:t>
             </a:fld>
             <a:endParaRPr lang="en-US"/>
           </a:p>
@@ -9048,7 +7554,7 @@
           <p:cNvPr id="4" name="Footer Placeholder 3">
             <a:extLst>
               <a:ext uri="{FF2B5EF4-FFF2-40B4-BE49-F238E27FC236}">
-                <a16:creationId xmlns:a16="http://schemas.microsoft.com/office/drawing/2014/main" id="{B426EAD8-CC23-CD78-2EFB-04C6DDCE46A7}"/>
+                <a16:creationId xmlns:a16="http://schemas.microsoft.com/office/drawing/2014/main" id="{0FD3A813-F953-8EB0-E375-ADB775B03B7B}"/>
               </a:ext>
             </a:extLst>
           </p:cNvPr>
@@ -9076,7 +7582,7 @@
           <p:cNvPr id="5" name="Slide Number Placeholder 4">
             <a:extLst>
               <a:ext uri="{FF2B5EF4-FFF2-40B4-BE49-F238E27FC236}">
-                <a16:creationId xmlns:a16="http://schemas.microsoft.com/office/drawing/2014/main" id="{261D3FBF-DD82-E9A5-1AE3-2CB4D32A11EA}"/>
+                <a16:creationId xmlns:a16="http://schemas.microsoft.com/office/drawing/2014/main" id="{089D6217-6A54-0A32-97A4-7F570ECFAEBC}"/>
               </a:ext>
             </a:extLst>
           </p:cNvPr>
@@ -9106,7 +7612,7 @@
           <p:cNvPr id="6" name="Content Placeholder 5">
             <a:extLst>
               <a:ext uri="{FF2B5EF4-FFF2-40B4-BE49-F238E27FC236}">
-                <a16:creationId xmlns:a16="http://schemas.microsoft.com/office/drawing/2014/main" id="{A61289FB-424E-CEA3-3F02-108ADC22504F}"/>
+                <a16:creationId xmlns:a16="http://schemas.microsoft.com/office/drawing/2014/main" id="{6126DBEB-022A-3C67-55F4-5BBCA00DF86F}"/>
               </a:ext>
             </a:extLst>
           </p:cNvPr>
@@ -9119,8 +7625,8 @@
         </p:nvSpPr>
         <p:spPr>
           <a:xfrm>
-            <a:off x="804672" y="386080"/>
-            <a:ext cx="10950448" cy="5648960"/>
+            <a:off x="386080" y="228600"/>
+            <a:ext cx="11328400" cy="5943600"/>
           </a:xfrm>
         </p:spPr>
         <p:txBody>
@@ -9129,151 +7635,211 @@
           </a:bodyPr>
           <a:lstStyle/>
           <a:p>
-            <a:pPr marL="0" indent="0">
-              <a:buNone/>
-            </a:pPr>
-            <a:r>
-              <a:rPr lang="en-US" sz="1100" b="1" dirty="0"/>
-              <a:t>Getting Started</a:t>
-            </a:r>
-          </a:p>
-          <a:p>
-            <a:pPr>
+            <a:pPr marL="269875" indent="0" algn="just">
               <a:lnSpc>
                 <a:spcPct val="150000"/>
               </a:lnSpc>
+              <a:spcAft>
+                <a:spcPts val="1000"/>
+              </a:spcAft>
+              <a:buNone/>
             </a:pPr>
-            <a:r>
-              <a:rPr lang="en-US" sz="1100" dirty="0"/>
-              <a:t>Sign Up: Register for an account on the platform.</a:t>
-            </a:r>
-          </a:p>
-          <a:p>
-            <a:pPr>
+            <a:endParaRPr lang="en-IN" sz="1100" dirty="0">
+              <a:effectLst/>
+              <a:latin typeface="Calibri" panose="020F0502020204030204" pitchFamily="34" charset="0"/>
+              <a:ea typeface="Calibri" panose="020F0502020204030204" pitchFamily="34" charset="0"/>
+              <a:cs typeface="Times New Roman" panose="02020603050405020304" pitchFamily="18" charset="0"/>
+            </a:endParaRPr>
+          </a:p>
+          <a:p>
+            <a:pPr marL="0" indent="0" algn="just">
               <a:lnSpc>
                 <a:spcPct val="150000"/>
               </a:lnSpc>
+              <a:spcAft>
+                <a:spcPts val="1000"/>
+              </a:spcAft>
+              <a:buNone/>
             </a:pPr>
             <a:r>
-              <a:rPr lang="en-US" sz="1100" dirty="0"/>
-              <a:t>Log In: Use AuthO to log in securely.</a:t>
-            </a:r>
-          </a:p>
-          <a:p>
-            <a:pPr>
+              <a:rPr lang="en-US" sz="1100" dirty="0">
+                <a:effectLst/>
+                <a:latin typeface="Times New Roman" panose="02020603050405020304" pitchFamily="18" charset="0"/>
+                <a:ea typeface="Calibri" panose="020F0502020204030204" pitchFamily="34" charset="0"/>
+                <a:cs typeface="Times New Roman" panose="02020603050405020304" pitchFamily="18" charset="0"/>
+              </a:rPr>
+              <a:t> </a:t>
+            </a:r>
+            <a:r>
+              <a:rPr lang="en-US" sz="1100" b="1" cap="small" dirty="0">
+                <a:effectLst/>
+                <a:latin typeface="Times New Roman" panose="02020603050405020304" pitchFamily="18" charset="0"/>
+                <a:ea typeface="Calibri" panose="020F0502020204030204" pitchFamily="34" charset="0"/>
+                <a:cs typeface="Times New Roman" panose="02020603050405020304" pitchFamily="18" charset="0"/>
+              </a:rPr>
+              <a:t>1.4. overview of proposed system:</a:t>
+            </a:r>
+            <a:endParaRPr lang="en-IN" sz="1100" dirty="0">
+              <a:effectLst/>
+              <a:latin typeface="Calibri" panose="020F0502020204030204" pitchFamily="34" charset="0"/>
+              <a:ea typeface="Calibri" panose="020F0502020204030204" pitchFamily="34" charset="0"/>
+              <a:cs typeface="Times New Roman" panose="02020603050405020304" pitchFamily="18" charset="0"/>
+            </a:endParaRPr>
+          </a:p>
+          <a:p>
+            <a:pPr marL="447675" indent="-177800" algn="just">
               <a:lnSpc>
                 <a:spcPct val="150000"/>
               </a:lnSpc>
+              <a:spcAft>
+                <a:spcPts val="1000"/>
+              </a:spcAft>
             </a:pPr>
-            <a:r>
-              <a:rPr lang="en-US" sz="1100" dirty="0"/>
-              <a:t>Select Emotional Tone: Choose the desired emotional tone for your blog post.</a:t>
-            </a:r>
-          </a:p>
-          <a:p>
-            <a:pPr>
+            <a:endParaRPr lang="en-US" sz="1100" dirty="0">
+              <a:effectLst/>
+              <a:latin typeface="Times New Roman" panose="02020603050405020304" pitchFamily="18" charset="0"/>
+              <a:ea typeface="Calibri" panose="020F0502020204030204" pitchFamily="34" charset="0"/>
+              <a:cs typeface="Times New Roman" panose="02020603050405020304" pitchFamily="18" charset="0"/>
+            </a:endParaRPr>
+          </a:p>
+          <a:p>
+            <a:pPr marL="447675" indent="-177800" algn="just">
               <a:lnSpc>
                 <a:spcPct val="150000"/>
               </a:lnSpc>
+              <a:spcAft>
+                <a:spcPts val="1000"/>
+              </a:spcAft>
             </a:pPr>
-            <a:r>
-              <a:rPr lang="en-US" sz="1100" dirty="0"/>
-              <a:t>Generate Content: Input relevant information and let the AI generate the blog content.</a:t>
-            </a:r>
-          </a:p>
-          <a:p>
-            <a:pPr>
+            <a:endParaRPr lang="en-US" sz="1100" dirty="0">
+              <a:latin typeface="Times New Roman" panose="02020603050405020304" pitchFamily="18" charset="0"/>
+              <a:ea typeface="Calibri" panose="020F0502020204030204" pitchFamily="34" charset="0"/>
+              <a:cs typeface="Times New Roman" panose="02020603050405020304" pitchFamily="18" charset="0"/>
+            </a:endParaRPr>
+          </a:p>
+          <a:p>
+            <a:pPr marL="447675" indent="-177800" algn="just">
               <a:lnSpc>
                 <a:spcPct val="150000"/>
               </a:lnSpc>
+              <a:spcAft>
+                <a:spcPts val="1000"/>
+              </a:spcAft>
             </a:pPr>
-            <a:r>
-              <a:rPr lang="en-US" sz="1100" dirty="0"/>
-              <a:t>Manage Subscription: Use Stripe to handle your subscription and billing information.</a:t>
-            </a:r>
-          </a:p>
-          <a:p>
-            <a:pPr marL="0" indent="0">
-              <a:buNone/>
+            <a:endParaRPr lang="en-US" sz="1100" dirty="0">
+              <a:effectLst/>
+              <a:latin typeface="Times New Roman" panose="02020603050405020304" pitchFamily="18" charset="0"/>
+              <a:ea typeface="Calibri" panose="020F0502020204030204" pitchFamily="34" charset="0"/>
+              <a:cs typeface="Times New Roman" panose="02020603050405020304" pitchFamily="18" charset="0"/>
+            </a:endParaRPr>
+          </a:p>
+          <a:p>
+            <a:pPr marL="447675" indent="-177800" algn="just">
+              <a:lnSpc>
+                <a:spcPct val="150000"/>
+              </a:lnSpc>
+              <a:spcAft>
+                <a:spcPts val="1000"/>
+              </a:spcAft>
             </a:pPr>
-            <a:endParaRPr lang="en-US" sz="1100" dirty="0"/>
-          </a:p>
-          <a:p>
-            <a:pPr marL="0" indent="0">
-              <a:buNone/>
+            <a:endParaRPr lang="en-US" sz="1100" dirty="0">
+              <a:latin typeface="Times New Roman" panose="02020603050405020304" pitchFamily="18" charset="0"/>
+              <a:ea typeface="Calibri" panose="020F0502020204030204" pitchFamily="34" charset="0"/>
+              <a:cs typeface="Times New Roman" panose="02020603050405020304" pitchFamily="18" charset="0"/>
+            </a:endParaRPr>
+          </a:p>
+          <a:p>
+            <a:pPr marL="447675" indent="-177800" algn="just">
+              <a:lnSpc>
+                <a:spcPct val="150000"/>
+              </a:lnSpc>
+              <a:spcAft>
+                <a:spcPts val="1000"/>
+              </a:spcAft>
             </a:pPr>
-            <a:r>
-              <a:rPr lang="en-US" sz="1100" b="1" dirty="0"/>
-              <a:t>User Authentication and Authorization</a:t>
-            </a:r>
-          </a:p>
-          <a:p>
-            <a:r>
-              <a:rPr lang="en-US" sz="1100" dirty="0"/>
-              <a:t>AuthO is used to manage user authentication and authorization. It ensures that only registered users can access the platform and its features.</a:t>
-            </a:r>
-          </a:p>
-          <a:p>
-            <a:endParaRPr lang="en-US" sz="1100" b="1" dirty="0"/>
-          </a:p>
-          <a:p>
-            <a:pPr marL="0" indent="0">
-              <a:buNone/>
+            <a:endParaRPr lang="en-US" sz="1100" dirty="0">
+              <a:effectLst/>
+              <a:latin typeface="Times New Roman" panose="02020603050405020304" pitchFamily="18" charset="0"/>
+              <a:ea typeface="Calibri" panose="020F0502020204030204" pitchFamily="34" charset="0"/>
+              <a:cs typeface="Times New Roman" panose="02020603050405020304" pitchFamily="18" charset="0"/>
+            </a:endParaRPr>
+          </a:p>
+          <a:p>
+            <a:pPr marL="447675" indent="-177800" algn="just">
+              <a:lnSpc>
+                <a:spcPct val="150000"/>
+              </a:lnSpc>
+              <a:spcAft>
+                <a:spcPts val="1000"/>
+              </a:spcAft>
             </a:pPr>
-            <a:r>
-              <a:rPr lang="en-US" sz="1100" b="1" dirty="0"/>
-              <a:t>Payment Processing</a:t>
-            </a:r>
-          </a:p>
-          <a:p>
-            <a:r>
-              <a:rPr lang="en-US" sz="1100" dirty="0"/>
-              <a:t>Stripe is integrated into the platform to handle payment processing and subscription management. Users can subscribe to different plans and manage their billing information through Stripe.</a:t>
-            </a:r>
-          </a:p>
-          <a:p>
-            <a:endParaRPr lang="en-US" sz="1100" dirty="0"/>
-          </a:p>
-          <a:p>
-            <a:pPr marL="0" indent="0">
-              <a:buNone/>
+            <a:endParaRPr lang="en-US" sz="1100" dirty="0">
+              <a:latin typeface="Times New Roman" panose="02020603050405020304" pitchFamily="18" charset="0"/>
+              <a:ea typeface="Calibri" panose="020F0502020204030204" pitchFamily="34" charset="0"/>
+              <a:cs typeface="Times New Roman" panose="02020603050405020304" pitchFamily="18" charset="0"/>
+            </a:endParaRPr>
+          </a:p>
+          <a:p>
+            <a:pPr marL="447675" indent="-177800" algn="just">
+              <a:lnSpc>
+                <a:spcPct val="150000"/>
+              </a:lnSpc>
+              <a:spcAft>
+                <a:spcPts val="1000"/>
+              </a:spcAft>
             </a:pPr>
-            <a:r>
-              <a:rPr lang="en-US" sz="1100" b="1" dirty="0"/>
-              <a:t>Content Generation</a:t>
-            </a:r>
-          </a:p>
-          <a:p>
-            <a:r>
-              <a:rPr lang="en-US" sz="1100" dirty="0"/>
-              <a:t>Chat GPT Open AI (gpt-3.5-turbo) is utilized to generate blog content based on the specified emotional tone. Users can select the desired tone and input relevant information to create personalized blog posts.</a:t>
-            </a:r>
-          </a:p>
-          <a:p>
-            <a:endParaRPr lang="en-US" sz="1100" dirty="0"/>
-          </a:p>
-          <a:p>
-            <a:pPr marL="0" indent="0">
-              <a:buNone/>
-            </a:pPr>
-            <a:r>
-              <a:rPr lang="en-US" sz="1100" b="1" dirty="0"/>
-              <a:t>Target Audience</a:t>
-            </a:r>
-          </a:p>
-          <a:p>
-            <a:r>
-              <a:rPr lang="en-US" sz="1100" dirty="0"/>
-              <a:t>The primary target audience for this platform includes content creators who wish to generate blog posts with specific emotional tones to engage their audience effectively.</a:t>
-            </a:r>
+            <a:endParaRPr lang="en-US" sz="1100" dirty="0">
+              <a:effectLst/>
+              <a:latin typeface="Times New Roman" panose="02020603050405020304" pitchFamily="18" charset="0"/>
+              <a:ea typeface="Calibri" panose="020F0502020204030204" pitchFamily="34" charset="0"/>
+              <a:cs typeface="Times New Roman" panose="02020603050405020304" pitchFamily="18" charset="0"/>
+            </a:endParaRPr>
+          </a:p>
+          <a:p>
             <a:endParaRPr lang="en-IN" sz="1100" dirty="0"/>
           </a:p>
         </p:txBody>
       </p:sp>
+      <p:pic>
+        <p:nvPicPr>
+          <p:cNvPr id="8" name="Picture 7">
+            <a:extLst>
+              <a:ext uri="{FF2B5EF4-FFF2-40B4-BE49-F238E27FC236}">
+                <a16:creationId xmlns:a16="http://schemas.microsoft.com/office/drawing/2014/main" id="{C506EE65-504B-7BF1-1B9E-D576EE224273}"/>
+              </a:ext>
+            </a:extLst>
+          </p:cNvPr>
+          <p:cNvPicPr>
+            <a:picLocks noChangeAspect="1"/>
+          </p:cNvPicPr>
+          <p:nvPr/>
+        </p:nvPicPr>
+        <p:blipFill>
+          <a:blip r:embed="rId2">
+            <a:extLst>
+              <a:ext uri="{28A0092B-C50C-407E-A947-70E740481C1C}">
+                <a14:useLocalDpi xmlns:a14="http://schemas.microsoft.com/office/drawing/2010/main" val="0"/>
+              </a:ext>
+            </a:extLst>
+          </a:blip>
+          <a:stretch>
+            <a:fillRect/>
+          </a:stretch>
+        </p:blipFill>
+        <p:spPr>
+          <a:xfrm>
+            <a:off x="1981200" y="1513046"/>
+            <a:ext cx="8229600" cy="3831907"/>
+          </a:xfrm>
+          <a:prstGeom prst="rect">
+            <a:avLst/>
+          </a:prstGeom>
+        </p:spPr>
+      </p:pic>
     </p:spTree>
     <p:extLst>
       <p:ext uri="{BB962C8B-B14F-4D97-AF65-F5344CB8AC3E}">
-        <p14:creationId xmlns:p14="http://schemas.microsoft.com/office/powerpoint/2010/main" val="895419311"/>
+        <p14:creationId xmlns:p14="http://schemas.microsoft.com/office/powerpoint/2010/main" val="3493187958"/>
       </p:ext>
     </p:extLst>
   </p:cSld>
@@ -9305,7 +7871,7 @@
           <p:cNvPr id="3" name="Date Placeholder 2">
             <a:extLst>
               <a:ext uri="{FF2B5EF4-FFF2-40B4-BE49-F238E27FC236}">
-                <a16:creationId xmlns:a16="http://schemas.microsoft.com/office/drawing/2014/main" id="{D89DE983-ACF6-FE7A-D043-F39F2E16A300}"/>
+                <a16:creationId xmlns:a16="http://schemas.microsoft.com/office/drawing/2014/main" id="{8599E5F9-35C8-4967-11F8-364268BF569B}"/>
               </a:ext>
             </a:extLst>
           </p:cNvPr>
@@ -9324,7 +7890,7 @@
             <a:fld id="{1BC18043-1F1D-4DEC-A779-53CDDC30EEAA}" type="datetime5">
               <a:rPr lang="en-US" smtClean="0"/>
               <a:pPr/>
-              <a:t>3-Jul-24</a:t>
+              <a:t>4-Jul-24</a:t>
             </a:fld>
             <a:endParaRPr lang="en-US"/>
           </a:p>
@@ -9335,7 +7901,7 @@
           <p:cNvPr id="4" name="Footer Placeholder 3">
             <a:extLst>
               <a:ext uri="{FF2B5EF4-FFF2-40B4-BE49-F238E27FC236}">
-                <a16:creationId xmlns:a16="http://schemas.microsoft.com/office/drawing/2014/main" id="{05D06B89-2CD7-DA28-935A-FFE7784A6C70}"/>
+                <a16:creationId xmlns:a16="http://schemas.microsoft.com/office/drawing/2014/main" id="{B426EAD8-CC23-CD78-2EFB-04C6DDCE46A7}"/>
               </a:ext>
             </a:extLst>
           </p:cNvPr>
@@ -9363,7 +7929,7 @@
           <p:cNvPr id="5" name="Slide Number Placeholder 4">
             <a:extLst>
               <a:ext uri="{FF2B5EF4-FFF2-40B4-BE49-F238E27FC236}">
-                <a16:creationId xmlns:a16="http://schemas.microsoft.com/office/drawing/2014/main" id="{0046BB1B-34BA-095D-2562-A03F5B069972}"/>
+                <a16:creationId xmlns:a16="http://schemas.microsoft.com/office/drawing/2014/main" id="{261D3FBF-DD82-E9A5-1AE3-2CB4D32A11EA}"/>
               </a:ext>
             </a:extLst>
           </p:cNvPr>
@@ -9393,7 +7959,7 @@
           <p:cNvPr id="6" name="Content Placeholder 5">
             <a:extLst>
               <a:ext uri="{FF2B5EF4-FFF2-40B4-BE49-F238E27FC236}">
-                <a16:creationId xmlns:a16="http://schemas.microsoft.com/office/drawing/2014/main" id="{428FC854-E764-A7D2-0E0F-578F80ABACB7}"/>
+                <a16:creationId xmlns:a16="http://schemas.microsoft.com/office/drawing/2014/main" id="{A61289FB-424E-CEA3-3F02-108ADC22504F}"/>
               </a:ext>
             </a:extLst>
           </p:cNvPr>
@@ -9406,8 +7972,8 @@
         </p:nvSpPr>
         <p:spPr>
           <a:xfrm>
-            <a:off x="325120" y="228600"/>
-            <a:ext cx="11328400" cy="5962650"/>
+            <a:off x="804672" y="386080"/>
+            <a:ext cx="10950448" cy="5648960"/>
           </a:xfrm>
         </p:spPr>
         <p:txBody>
@@ -9416,196 +7982,143 @@
           </a:bodyPr>
           <a:lstStyle/>
           <a:p>
-            <a:pPr marL="447675" indent="-177800" algn="just">
+            <a:pPr marL="0" indent="0">
+              <a:buNone/>
+            </a:pPr>
+            <a:r>
+              <a:rPr lang="en-US" sz="1100" b="1" dirty="0"/>
+              <a:t>Getting Started</a:t>
+            </a:r>
+          </a:p>
+          <a:p>
+            <a:pPr>
               <a:lnSpc>
                 <a:spcPct val="150000"/>
               </a:lnSpc>
-              <a:spcAft>
-                <a:spcPts val="1000"/>
-              </a:spcAft>
             </a:pPr>
             <a:r>
-              <a:rPr lang="en-US" sz="1100" dirty="0">
-                <a:effectLst/>
-                <a:latin typeface="Times New Roman" panose="02020603050405020304" pitchFamily="18" charset="0"/>
-                <a:ea typeface="Calibri" panose="020F0502020204030204" pitchFamily="34" charset="0"/>
-                <a:cs typeface="Times New Roman" panose="02020603050405020304" pitchFamily="18" charset="0"/>
-              </a:rPr>
-              <a:t>The platform supports the following emotional tones for blog content:</a:t>
-            </a:r>
-          </a:p>
-          <a:p>
-            <a:pPr marL="498475" indent="-228600" algn="just">
-              <a:lnSpc>
-                <a:spcPct val="110000"/>
-              </a:lnSpc>
-              <a:spcAft>
-                <a:spcPts val="1000"/>
-              </a:spcAft>
-              <a:buFont typeface="+mj-lt"/>
-              <a:buAutoNum type="arabicPeriod"/>
-            </a:pPr>
-            <a:r>
-              <a:rPr lang="en-US" sz="1100" dirty="0">
-                <a:effectLst/>
-                <a:latin typeface="Times New Roman" panose="02020603050405020304" pitchFamily="18" charset="0"/>
-                <a:ea typeface="Calibri" panose="020F0502020204030204" pitchFamily="34" charset="0"/>
-                <a:cs typeface="Times New Roman" panose="02020603050405020304" pitchFamily="18" charset="0"/>
-              </a:rPr>
-              <a:t>Sad</a:t>
-            </a:r>
-          </a:p>
-          <a:p>
-            <a:pPr marL="498475" indent="-228600" algn="just">
-              <a:lnSpc>
-                <a:spcPct val="110000"/>
-              </a:lnSpc>
-              <a:spcAft>
-                <a:spcPts val="1000"/>
-              </a:spcAft>
-              <a:buFont typeface="+mj-lt"/>
-              <a:buAutoNum type="arabicPeriod"/>
-            </a:pPr>
-            <a:r>
-              <a:rPr lang="en-US" sz="1100" dirty="0">
-                <a:effectLst/>
-                <a:latin typeface="Times New Roman" panose="02020603050405020304" pitchFamily="18" charset="0"/>
-                <a:ea typeface="Calibri" panose="020F0502020204030204" pitchFamily="34" charset="0"/>
-                <a:cs typeface="Times New Roman" panose="02020603050405020304" pitchFamily="18" charset="0"/>
-              </a:rPr>
-              <a:t>Happy</a:t>
-            </a:r>
-          </a:p>
-          <a:p>
-            <a:pPr marL="498475" indent="-228600" algn="just">
-              <a:lnSpc>
-                <a:spcPct val="110000"/>
-              </a:lnSpc>
-              <a:spcAft>
-                <a:spcPts val="1000"/>
-              </a:spcAft>
-              <a:buFont typeface="+mj-lt"/>
-              <a:buAutoNum type="arabicPeriod"/>
-            </a:pPr>
-            <a:r>
-              <a:rPr lang="en-US" sz="1100" dirty="0">
-                <a:effectLst/>
-                <a:latin typeface="Times New Roman" panose="02020603050405020304" pitchFamily="18" charset="0"/>
-                <a:ea typeface="Calibri" panose="020F0502020204030204" pitchFamily="34" charset="0"/>
-                <a:cs typeface="Times New Roman" panose="02020603050405020304" pitchFamily="18" charset="0"/>
-              </a:rPr>
-              <a:t>Angry</a:t>
-            </a:r>
-          </a:p>
-          <a:p>
-            <a:pPr marL="498475" indent="-228600" algn="just">
-              <a:lnSpc>
-                <a:spcPct val="110000"/>
-              </a:lnSpc>
-              <a:spcAft>
-                <a:spcPts val="1000"/>
-              </a:spcAft>
-              <a:buFont typeface="+mj-lt"/>
-              <a:buAutoNum type="arabicPeriod"/>
-            </a:pPr>
-            <a:r>
-              <a:rPr lang="en-US" sz="1100" dirty="0">
-                <a:effectLst/>
-                <a:latin typeface="Times New Roman" panose="02020603050405020304" pitchFamily="18" charset="0"/>
-                <a:ea typeface="Calibri" panose="020F0502020204030204" pitchFamily="34" charset="0"/>
-                <a:cs typeface="Times New Roman" panose="02020603050405020304" pitchFamily="18" charset="0"/>
-              </a:rPr>
-              <a:t>Neutral</a:t>
-            </a:r>
-          </a:p>
-          <a:p>
-            <a:pPr marL="498475" indent="-228600" algn="just">
-              <a:lnSpc>
-                <a:spcPct val="110000"/>
-              </a:lnSpc>
-              <a:spcAft>
-                <a:spcPts val="1000"/>
-              </a:spcAft>
-              <a:buFont typeface="+mj-lt"/>
-              <a:buAutoNum type="arabicPeriod"/>
-            </a:pPr>
-            <a:r>
-              <a:rPr lang="en-US" sz="1100" dirty="0">
-                <a:effectLst/>
-                <a:latin typeface="Times New Roman" panose="02020603050405020304" pitchFamily="18" charset="0"/>
-                <a:ea typeface="Calibri" panose="020F0502020204030204" pitchFamily="34" charset="0"/>
-                <a:cs typeface="Times New Roman" panose="02020603050405020304" pitchFamily="18" charset="0"/>
-              </a:rPr>
-              <a:t>Professional</a:t>
-            </a:r>
-          </a:p>
-          <a:p>
-            <a:pPr marL="269875" indent="0" algn="just">
+              <a:rPr lang="en-US" sz="1100" dirty="0"/>
+              <a:t>Sign Up: Register for an account on the platform.</a:t>
+            </a:r>
+          </a:p>
+          <a:p>
+            <a:pPr>
               <a:lnSpc>
                 <a:spcPct val="150000"/>
               </a:lnSpc>
-              <a:spcAft>
-                <a:spcPts val="1000"/>
-              </a:spcAft>
-              <a:buNone/>
             </a:pPr>
-            <a:endParaRPr lang="en-US" sz="1100" dirty="0">
-              <a:latin typeface="Times New Roman" panose="02020603050405020304" pitchFamily="18" charset="0"/>
-              <a:ea typeface="Calibri" panose="020F0502020204030204" pitchFamily="34" charset="0"/>
-              <a:cs typeface="Times New Roman" panose="02020603050405020304" pitchFamily="18" charset="0"/>
-            </a:endParaRPr>
-          </a:p>
-          <a:p>
-            <a:pPr marL="441325" indent="-171450" algn="just">
+            <a:r>
+              <a:rPr lang="en-US" sz="1100" dirty="0"/>
+              <a:t>Log In: Use AuthO to log in securely.</a:t>
+            </a:r>
+          </a:p>
+          <a:p>
+            <a:pPr>
               <a:lnSpc>
                 <a:spcPct val="150000"/>
               </a:lnSpc>
-              <a:spcAft>
-                <a:spcPts val="1000"/>
-              </a:spcAft>
             </a:pPr>
             <a:r>
-              <a:rPr lang="en-US" sz="1100" dirty="0">
-                <a:effectLst/>
-                <a:latin typeface="Times New Roman" panose="02020603050405020304" pitchFamily="18" charset="0"/>
-                <a:ea typeface="Calibri" panose="020F0502020204030204" pitchFamily="34" charset="0"/>
-                <a:cs typeface="Times New Roman" panose="02020603050405020304" pitchFamily="18" charset="0"/>
-              </a:rPr>
-              <a:t>(The basic idea or technique in the proposed system, brief explanation about how proposed system resolves the drawbacks of the existing system. Etc.…).</a:t>
-            </a:r>
-            <a:endParaRPr lang="en-IN" sz="1100" dirty="0">
-              <a:effectLst/>
-              <a:latin typeface="Calibri" panose="020F0502020204030204" pitchFamily="34" charset="0"/>
-              <a:ea typeface="Calibri" panose="020F0502020204030204" pitchFamily="34" charset="0"/>
-              <a:cs typeface="Times New Roman" panose="02020603050405020304" pitchFamily="18" charset="0"/>
-            </a:endParaRPr>
-          </a:p>
-          <a:p>
-            <a:pPr marL="447675" indent="-177800" algn="just">
+              <a:rPr lang="en-US" sz="1100" dirty="0"/>
+              <a:t>Select Emotional Tone: Choose the desired emotional tone for your blog post.</a:t>
+            </a:r>
+          </a:p>
+          <a:p>
+            <a:pPr>
               <a:lnSpc>
                 <a:spcPct val="150000"/>
               </a:lnSpc>
-              <a:spcAft>
-                <a:spcPts val="1000"/>
-              </a:spcAft>
             </a:pPr>
             <a:r>
-              <a:rPr lang="en-US" sz="1100" dirty="0">
-                <a:effectLst/>
-                <a:latin typeface="Times New Roman" panose="02020603050405020304" pitchFamily="18" charset="0"/>
-                <a:ea typeface="Calibri" panose="020F0502020204030204" pitchFamily="34" charset="0"/>
-                <a:cs typeface="Times New Roman" panose="02020603050405020304" pitchFamily="18" charset="0"/>
-              </a:rPr>
-              <a:t>(List of objectives of the proposed system.)</a:t>
-            </a:r>
-            <a:endParaRPr lang="en-IN" sz="1100" dirty="0">
-              <a:effectLst/>
-              <a:latin typeface="Calibri" panose="020F0502020204030204" pitchFamily="34" charset="0"/>
-              <a:ea typeface="Calibri" panose="020F0502020204030204" pitchFamily="34" charset="0"/>
-              <a:cs typeface="Times New Roman" panose="02020603050405020304" pitchFamily="18" charset="0"/>
-            </a:endParaRPr>
-          </a:p>
-          <a:p>
+              <a:rPr lang="en-US" sz="1100" dirty="0"/>
+              <a:t>Generate Content: Input relevant information and let the AI generate the blog content.</a:t>
+            </a:r>
+          </a:p>
+          <a:p>
+            <a:pPr>
+              <a:lnSpc>
+                <a:spcPct val="150000"/>
+              </a:lnSpc>
+            </a:pPr>
+            <a:r>
+              <a:rPr lang="en-US" sz="1100" dirty="0"/>
+              <a:t>Manage Subscription: Use Stripe to handle your subscription and billing information.</a:t>
+            </a:r>
+          </a:p>
+          <a:p>
+            <a:pPr marL="0" indent="0">
+              <a:buNone/>
+            </a:pPr>
+            <a:endParaRPr lang="en-US" sz="1100" dirty="0"/>
+          </a:p>
+          <a:p>
+            <a:pPr marL="0" indent="0">
+              <a:buNone/>
+            </a:pPr>
+            <a:r>
+              <a:rPr lang="en-US" sz="1100" b="1" dirty="0"/>
+              <a:t>User Authentication and Authorization</a:t>
+            </a:r>
+          </a:p>
+          <a:p>
+            <a:r>
+              <a:rPr lang="en-US" sz="1100" dirty="0"/>
+              <a:t>AuthO is used to manage user authentication and authorization. It ensures that only registered users can access the platform and its features.</a:t>
+            </a:r>
+          </a:p>
+          <a:p>
+            <a:endParaRPr lang="en-US" sz="1100" b="1" dirty="0"/>
+          </a:p>
+          <a:p>
+            <a:pPr marL="0" indent="0">
+              <a:buNone/>
+            </a:pPr>
+            <a:r>
+              <a:rPr lang="en-US" sz="1100" b="1" dirty="0"/>
+              <a:t>Payment Processing</a:t>
+            </a:r>
+          </a:p>
+          <a:p>
+            <a:r>
+              <a:rPr lang="en-US" sz="1100" dirty="0"/>
+              <a:t>Stripe is integrated into the platform to handle payment processing and subscription management. Users can subscribe to different plans and manage their billing information through Stripe.</a:t>
+            </a:r>
+          </a:p>
+          <a:p>
+            <a:endParaRPr lang="en-US" sz="1100" dirty="0"/>
+          </a:p>
+          <a:p>
+            <a:pPr marL="0" indent="0">
+              <a:buNone/>
+            </a:pPr>
+            <a:r>
+              <a:rPr lang="en-US" sz="1100" b="1" dirty="0"/>
+              <a:t>Content Generation</a:t>
+            </a:r>
+          </a:p>
+          <a:p>
+            <a:r>
+              <a:rPr lang="en-US" sz="1100" dirty="0"/>
+              <a:t>Chat GPT Open AI (gpt-3.5-turbo) is utilized to generate blog content based on the specified emotional tone. Users can select the desired tone and input relevant information to create personalized blog posts.</a:t>
+            </a:r>
+          </a:p>
+          <a:p>
+            <a:endParaRPr lang="en-US" sz="1100" dirty="0"/>
+          </a:p>
+          <a:p>
+            <a:pPr marL="0" indent="0">
+              <a:buNone/>
+            </a:pPr>
+            <a:r>
+              <a:rPr lang="en-US" sz="1100" b="1" dirty="0"/>
+              <a:t>Target Audience</a:t>
+            </a:r>
+          </a:p>
+          <a:p>
+            <a:r>
+              <a:rPr lang="en-US" sz="1100" dirty="0"/>
+              <a:t>The primary target audience for this platform includes content creators who wish to generate blog posts with specific emotional tones to engage their audience effectively.</a:t>
+            </a:r>
             <a:endParaRPr lang="en-IN" sz="1100" dirty="0"/>
           </a:p>
         </p:txBody>
@@ -9613,7 +8126,7 @@
     </p:spTree>
     <p:extLst>
       <p:ext uri="{BB962C8B-B14F-4D97-AF65-F5344CB8AC3E}">
-        <p14:creationId xmlns:p14="http://schemas.microsoft.com/office/powerpoint/2010/main" val="3597732314"/>
+        <p14:creationId xmlns:p14="http://schemas.microsoft.com/office/powerpoint/2010/main" val="895419311"/>
       </p:ext>
     </p:extLst>
   </p:cSld>
@@ -9642,10 +8155,10 @@
       </p:grpSpPr>
       <p:sp>
         <p:nvSpPr>
-          <p:cNvPr id="2" name="Title 1">
+          <p:cNvPr id="3" name="Date Placeholder 2">
             <a:extLst>
               <a:ext uri="{FF2B5EF4-FFF2-40B4-BE49-F238E27FC236}">
-                <a16:creationId xmlns:a16="http://schemas.microsoft.com/office/drawing/2014/main" id="{6468593E-6CCC-4D4E-9A21-BBCB3BA5AF00}"/>
+                <a16:creationId xmlns:a16="http://schemas.microsoft.com/office/drawing/2014/main" id="{D89DE983-ACF6-FE7A-D043-F39F2E16A300}"/>
               </a:ext>
             </a:extLst>
           </p:cNvPr>
@@ -9653,36 +8166,321 @@
             <a:spLocks noGrp="1"/>
           </p:cNvSpPr>
           <p:nvPr>
-            <p:ph type="ctrTitle"/>
+            <p:ph type="dt" sz="half" idx="10"/>
           </p:nvPr>
         </p:nvSpPr>
         <p:spPr/>
+        <p:txBody>
+          <a:bodyPr/>
+          <a:lstStyle/>
+          <a:p>
+            <a:fld id="{1BC18043-1F1D-4DEC-A779-53CDDC30EEAA}" type="datetime5">
+              <a:rPr lang="en-US" smtClean="0"/>
+              <a:pPr/>
+              <a:t>4-Jul-24</a:t>
+            </a:fld>
+            <a:endParaRPr lang="en-US"/>
+          </a:p>
+        </p:txBody>
+      </p:sp>
+      <p:sp>
+        <p:nvSpPr>
+          <p:cNvPr id="4" name="Footer Placeholder 3">
+            <a:extLst>
+              <a:ext uri="{FF2B5EF4-FFF2-40B4-BE49-F238E27FC236}">
+                <a16:creationId xmlns:a16="http://schemas.microsoft.com/office/drawing/2014/main" id="{05D06B89-2CD7-DA28-935A-FFE7784A6C70}"/>
+              </a:ext>
+            </a:extLst>
+          </p:cNvPr>
+          <p:cNvSpPr>
+            <a:spLocks noGrp="1"/>
+          </p:cNvSpPr>
+          <p:nvPr>
+            <p:ph type="ftr" sz="quarter" idx="11"/>
+          </p:nvPr>
+        </p:nvSpPr>
+        <p:spPr/>
+        <p:txBody>
+          <a:bodyPr/>
+          <a:lstStyle/>
+          <a:p>
+            <a:r>
+              <a:rPr lang="en-US"/>
+              <a:t>Department of CSE, Acharya Institute of Technology</a:t>
+            </a:r>
+          </a:p>
+        </p:txBody>
+      </p:sp>
+      <p:sp>
+        <p:nvSpPr>
+          <p:cNvPr id="5" name="Slide Number Placeholder 4">
+            <a:extLst>
+              <a:ext uri="{FF2B5EF4-FFF2-40B4-BE49-F238E27FC236}">
+                <a16:creationId xmlns:a16="http://schemas.microsoft.com/office/drawing/2014/main" id="{0046BB1B-34BA-095D-2562-A03F5B069972}"/>
+              </a:ext>
+            </a:extLst>
+          </p:cNvPr>
+          <p:cNvSpPr>
+            <a:spLocks noGrp="1"/>
+          </p:cNvSpPr>
+          <p:nvPr>
+            <p:ph type="sldNum" sz="quarter" idx="12"/>
+          </p:nvPr>
+        </p:nvSpPr>
+        <p:spPr/>
+        <p:txBody>
+          <a:bodyPr/>
+          <a:lstStyle/>
+          <a:p>
+            <a:fld id="{80A3A3F3-8EDC-49BE-84B5-3735161BD4D6}" type="slidenum">
+              <a:rPr lang="en-US" smtClean="0"/>
+              <a:pPr/>
+              <a:t>8</a:t>
+            </a:fld>
+            <a:endParaRPr lang="en-US"/>
+          </a:p>
+        </p:txBody>
+      </p:sp>
+      <p:sp>
+        <p:nvSpPr>
+          <p:cNvPr id="6" name="Content Placeholder 5">
+            <a:extLst>
+              <a:ext uri="{FF2B5EF4-FFF2-40B4-BE49-F238E27FC236}">
+                <a16:creationId xmlns:a16="http://schemas.microsoft.com/office/drawing/2014/main" id="{428FC854-E764-A7D2-0E0F-578F80ABACB7}"/>
+              </a:ext>
+            </a:extLst>
+          </p:cNvPr>
+          <p:cNvSpPr>
+            <a:spLocks noGrp="1"/>
+          </p:cNvSpPr>
+          <p:nvPr>
+            <p:ph sz="quarter" idx="1"/>
+          </p:nvPr>
+        </p:nvSpPr>
+        <p:spPr>
+          <a:xfrm>
+            <a:off x="325120" y="228600"/>
+            <a:ext cx="11297920" cy="5806440"/>
+          </a:xfrm>
+        </p:spPr>
         <p:txBody>
           <a:bodyPr>
             <a:normAutofit/>
           </a:bodyPr>
           <a:lstStyle/>
           <a:p>
-            <a:r>
-              <a:rPr lang="en-IN" b="1" dirty="0">
-                <a:latin typeface="Cambria" pitchFamily="18" charset="0"/>
-                <a:ea typeface="Cambria" pitchFamily="18" charset="0"/>
-                <a:cs typeface="Times New Roman" pitchFamily="18" charset="0"/>
-              </a:rPr>
-              <a:t>LITERATURE SURVEY</a:t>
-            </a:r>
-            <a:endParaRPr lang="en-US" dirty="0">
-              <a:latin typeface="Cambria" pitchFamily="18" charset="0"/>
-              <a:ea typeface="Cambria" pitchFamily="18" charset="0"/>
+            <a:pPr marL="447675" indent="-177800" algn="just">
+              <a:lnSpc>
+                <a:spcPct val="150000"/>
+              </a:lnSpc>
+              <a:spcAft>
+                <a:spcPts val="1000"/>
+              </a:spcAft>
+            </a:pPr>
+            <a:r>
+              <a:rPr lang="en-US" sz="1100" dirty="0">
+                <a:effectLst/>
+                <a:latin typeface="Times New Roman" panose="02020603050405020304" pitchFamily="18" charset="0"/>
+                <a:ea typeface="Calibri" panose="020F0502020204030204" pitchFamily="34" charset="0"/>
+                <a:cs typeface="Times New Roman" panose="02020603050405020304" pitchFamily="18" charset="0"/>
+              </a:rPr>
+              <a:t>The platform supports the following emotional tones for blog content:</a:t>
+            </a:r>
+          </a:p>
+          <a:p>
+            <a:pPr marL="498475" indent="-228600" algn="just">
+              <a:lnSpc>
+                <a:spcPct val="110000"/>
+              </a:lnSpc>
+              <a:spcAft>
+                <a:spcPts val="1000"/>
+              </a:spcAft>
+              <a:buFont typeface="+mj-lt"/>
+              <a:buAutoNum type="arabicPeriod"/>
+            </a:pPr>
+            <a:r>
+              <a:rPr lang="en-US" sz="1100" dirty="0">
+                <a:effectLst/>
+                <a:latin typeface="Times New Roman" panose="02020603050405020304" pitchFamily="18" charset="0"/>
+                <a:ea typeface="Calibri" panose="020F0502020204030204" pitchFamily="34" charset="0"/>
+                <a:cs typeface="Times New Roman" panose="02020603050405020304" pitchFamily="18" charset="0"/>
+              </a:rPr>
+              <a:t>Sad</a:t>
+            </a:r>
+          </a:p>
+          <a:p>
+            <a:pPr marL="498475" indent="-228600" algn="just">
+              <a:lnSpc>
+                <a:spcPct val="110000"/>
+              </a:lnSpc>
+              <a:spcAft>
+                <a:spcPts val="1000"/>
+              </a:spcAft>
+              <a:buFont typeface="+mj-lt"/>
+              <a:buAutoNum type="arabicPeriod"/>
+            </a:pPr>
+            <a:r>
+              <a:rPr lang="en-US" sz="1100" dirty="0">
+                <a:effectLst/>
+                <a:latin typeface="Times New Roman" panose="02020603050405020304" pitchFamily="18" charset="0"/>
+                <a:ea typeface="Calibri" panose="020F0502020204030204" pitchFamily="34" charset="0"/>
+                <a:cs typeface="Times New Roman" panose="02020603050405020304" pitchFamily="18" charset="0"/>
+              </a:rPr>
+              <a:t>Happy</a:t>
+            </a:r>
+          </a:p>
+          <a:p>
+            <a:pPr marL="498475" indent="-228600" algn="just">
+              <a:lnSpc>
+                <a:spcPct val="110000"/>
+              </a:lnSpc>
+              <a:spcAft>
+                <a:spcPts val="1000"/>
+              </a:spcAft>
+              <a:buFont typeface="+mj-lt"/>
+              <a:buAutoNum type="arabicPeriod"/>
+            </a:pPr>
+            <a:r>
+              <a:rPr lang="en-US" sz="1100" dirty="0">
+                <a:effectLst/>
+                <a:latin typeface="Times New Roman" panose="02020603050405020304" pitchFamily="18" charset="0"/>
+                <a:ea typeface="Calibri" panose="020F0502020204030204" pitchFamily="34" charset="0"/>
+                <a:cs typeface="Times New Roman" panose="02020603050405020304" pitchFamily="18" charset="0"/>
+              </a:rPr>
+              <a:t>Angry</a:t>
+            </a:r>
+          </a:p>
+          <a:p>
+            <a:pPr marL="498475" indent="-228600" algn="just">
+              <a:lnSpc>
+                <a:spcPct val="110000"/>
+              </a:lnSpc>
+              <a:spcAft>
+                <a:spcPts val="1000"/>
+              </a:spcAft>
+              <a:buFont typeface="+mj-lt"/>
+              <a:buAutoNum type="arabicPeriod"/>
+            </a:pPr>
+            <a:r>
+              <a:rPr lang="en-US" sz="1100" dirty="0">
+                <a:effectLst/>
+                <a:latin typeface="Times New Roman" panose="02020603050405020304" pitchFamily="18" charset="0"/>
+                <a:ea typeface="Calibri" panose="020F0502020204030204" pitchFamily="34" charset="0"/>
+                <a:cs typeface="Times New Roman" panose="02020603050405020304" pitchFamily="18" charset="0"/>
+              </a:rPr>
+              <a:t>Neutral</a:t>
+            </a:r>
+          </a:p>
+          <a:p>
+            <a:pPr marL="498475" indent="-228600" algn="just">
+              <a:lnSpc>
+                <a:spcPct val="110000"/>
+              </a:lnSpc>
+              <a:spcAft>
+                <a:spcPts val="1000"/>
+              </a:spcAft>
+              <a:buFont typeface="+mj-lt"/>
+              <a:buAutoNum type="arabicPeriod"/>
+            </a:pPr>
+            <a:r>
+              <a:rPr lang="en-US" sz="1100" dirty="0">
+                <a:effectLst/>
+                <a:latin typeface="Times New Roman" panose="02020603050405020304" pitchFamily="18" charset="0"/>
+                <a:ea typeface="Calibri" panose="020F0502020204030204" pitchFamily="34" charset="0"/>
+                <a:cs typeface="Times New Roman" panose="02020603050405020304" pitchFamily="18" charset="0"/>
+              </a:rPr>
+              <a:t>Professional</a:t>
+            </a:r>
+          </a:p>
+          <a:p>
+            <a:pPr marL="269875" indent="0" algn="just">
+              <a:lnSpc>
+                <a:spcPct val="150000"/>
+              </a:lnSpc>
+              <a:spcAft>
+                <a:spcPts val="1000"/>
+              </a:spcAft>
+              <a:buNone/>
+            </a:pPr>
+            <a:endParaRPr lang="en-US" sz="1100" dirty="0">
+              <a:latin typeface="Times New Roman" panose="02020603050405020304" pitchFamily="18" charset="0"/>
+              <a:ea typeface="Calibri" panose="020F0502020204030204" pitchFamily="34" charset="0"/>
               <a:cs typeface="Times New Roman" panose="02020603050405020304" pitchFamily="18" charset="0"/>
             </a:endParaRPr>
+          </a:p>
+          <a:p>
+            <a:pPr marL="269875" indent="0" algn="just">
+              <a:lnSpc>
+                <a:spcPct val="150000"/>
+              </a:lnSpc>
+              <a:spcAft>
+                <a:spcPts val="1000"/>
+              </a:spcAft>
+              <a:buNone/>
+            </a:pPr>
+            <a:r>
+              <a:rPr lang="en-US" sz="1100" b="1" dirty="0">
+                <a:effectLst/>
+                <a:latin typeface="Times New Roman" panose="02020603050405020304" pitchFamily="18" charset="0"/>
+                <a:ea typeface="Calibri" panose="020F0502020204030204" pitchFamily="34" charset="0"/>
+                <a:cs typeface="Times New Roman" panose="02020603050405020304" pitchFamily="18" charset="0"/>
+              </a:rPr>
+              <a:t>objectives of the proposed system</a:t>
+            </a:r>
+          </a:p>
+          <a:p>
+            <a:pPr marL="447675" indent="-177800" algn="just">
+              <a:lnSpc>
+                <a:spcPct val="150000"/>
+              </a:lnSpc>
+              <a:spcAft>
+                <a:spcPts val="1000"/>
+              </a:spcAft>
+            </a:pPr>
+            <a:r>
+              <a:rPr lang="en-US" sz="1100" dirty="0">
+                <a:effectLst/>
+                <a:latin typeface="Calibri" panose="020F0502020204030204" pitchFamily="34" charset="0"/>
+                <a:ea typeface="Calibri" panose="020F0502020204030204" pitchFamily="34" charset="0"/>
+                <a:cs typeface="Times New Roman" panose="02020603050405020304" pitchFamily="18" charset="0"/>
+              </a:rPr>
+              <a:t>We have build the service, it in such a way that the content that we can generate are SEO friendly and Great content what the user needs</a:t>
+            </a:r>
+          </a:p>
+          <a:p>
+            <a:pPr marL="447675" indent="-177800" algn="just">
+              <a:lnSpc>
+                <a:spcPct val="150000"/>
+              </a:lnSpc>
+              <a:spcAft>
+                <a:spcPts val="1000"/>
+              </a:spcAft>
+            </a:pPr>
+            <a:r>
+              <a:rPr lang="en-US" sz="1100" dirty="0">
+                <a:effectLst/>
+                <a:latin typeface="Calibri" panose="020F0502020204030204" pitchFamily="34" charset="0"/>
+                <a:ea typeface="Calibri" panose="020F0502020204030204" pitchFamily="34" charset="0"/>
+                <a:cs typeface="Times New Roman" panose="02020603050405020304" pitchFamily="18" charset="0"/>
+              </a:rPr>
+              <a:t>They can generate content in any emotion tone(happy, sad, angry, formal) what the user needs.</a:t>
+            </a:r>
+            <a:endParaRPr lang="en-IN" sz="1100" dirty="0">
+              <a:effectLst/>
+              <a:latin typeface="Calibri" panose="020F0502020204030204" pitchFamily="34" charset="0"/>
+              <a:ea typeface="Calibri" panose="020F0502020204030204" pitchFamily="34" charset="0"/>
+              <a:cs typeface="Times New Roman" panose="02020603050405020304" pitchFamily="18" charset="0"/>
+            </a:endParaRPr>
+          </a:p>
+          <a:p>
+            <a:endParaRPr lang="en-IN" sz="1100" dirty="0"/>
           </a:p>
         </p:txBody>
       </p:sp>
     </p:spTree>
     <p:extLst>
       <p:ext uri="{BB962C8B-B14F-4D97-AF65-F5344CB8AC3E}">
-        <p14:creationId xmlns:p14="http://schemas.microsoft.com/office/powerpoint/2010/main" val="1453386912"/>
+        <p14:creationId xmlns:p14="http://schemas.microsoft.com/office/powerpoint/2010/main" val="3597732314"/>
       </p:ext>
     </p:extLst>
   </p:cSld>
@@ -9711,82 +8509,10 @@
       </p:grpSpPr>
       <p:sp>
         <p:nvSpPr>
-          <p:cNvPr id="2" name="Title 1"/>
-          <p:cNvSpPr>
-            <a:spLocks noGrp="1"/>
-          </p:cNvSpPr>
-          <p:nvPr>
-            <p:ph type="title"/>
-          </p:nvPr>
-        </p:nvSpPr>
-        <p:spPr>
-          <a:xfrm>
-            <a:off x="166255" y="274638"/>
-            <a:ext cx="11845636" cy="1143000"/>
-          </a:xfrm>
-        </p:spPr>
-        <p:txBody>
-          <a:bodyPr anchor="ctr">
-            <a:noAutofit/>
-          </a:bodyPr>
-          <a:lstStyle/>
-          <a:p>
-            <a:pPr algn="ctr"/>
-            <a:r>
-              <a:rPr lang="en-IN" sz="4800" b="1" dirty="0">
-                <a:solidFill>
-                  <a:schemeClr val="tx1"/>
-                </a:solidFill>
-                <a:latin typeface="Cambria" panose="02040503050406030204" pitchFamily="18" charset="0"/>
-                <a:ea typeface="Cambria" panose="02040503050406030204" pitchFamily="18" charset="0"/>
-              </a:rPr>
-              <a:t>LITERATURE SURVEY</a:t>
-            </a:r>
-          </a:p>
-        </p:txBody>
-      </p:sp>
-      <p:sp>
-        <p:nvSpPr>
-          <p:cNvPr id="5" name="Date Placeholder 4"/>
-          <p:cNvSpPr>
-            <a:spLocks noGrp="1"/>
-          </p:cNvSpPr>
-          <p:nvPr>
-            <p:ph type="dt" sz="half" idx="10"/>
-          </p:nvPr>
-        </p:nvSpPr>
-        <p:spPr>
-          <a:xfrm>
-            <a:off x="10640290" y="6191250"/>
-            <a:ext cx="1094509" cy="476250"/>
-          </a:xfrm>
-        </p:spPr>
-        <p:txBody>
-          <a:bodyPr/>
-          <a:lstStyle/>
-          <a:p>
-            <a:pPr algn="ctr"/>
-            <a:fld id="{649EF12A-DEDD-4364-9F35-6812D5FDFC7D}" type="datetime5">
-              <a:rPr lang="en-US" b="1" smtClean="0">
-                <a:latin typeface="Cambria" pitchFamily="18" charset="0"/>
-                <a:ea typeface="Cambria" pitchFamily="18" charset="0"/>
-              </a:rPr>
-              <a:pPr algn="ctr"/>
-              <a:t>3-Jul-24</a:t>
-            </a:fld>
-            <a:endParaRPr lang="en-US" b="1" dirty="0">
-              <a:latin typeface="Cambria" pitchFamily="18" charset="0"/>
-              <a:ea typeface="Cambria" pitchFamily="18" charset="0"/>
-            </a:endParaRPr>
-          </a:p>
-        </p:txBody>
-      </p:sp>
-      <p:sp>
-        <p:nvSpPr>
-          <p:cNvPr id="4" name="Footer Placeholder 3">
+          <p:cNvPr id="2" name="Title 1">
             <a:extLst>
               <a:ext uri="{FF2B5EF4-FFF2-40B4-BE49-F238E27FC236}">
-                <a16:creationId xmlns:a16="http://schemas.microsoft.com/office/drawing/2014/main" id="{E231B28B-8D5F-4EEE-9DED-01678B3201A0}"/>
+                <a16:creationId xmlns:a16="http://schemas.microsoft.com/office/drawing/2014/main" id="{6468593E-6CCC-4D4E-9A21-BBCB3BA5AF00}"/>
               </a:ext>
             </a:extLst>
           </p:cNvPr>
@@ -9794,727 +8520,36 @@
             <a:spLocks noGrp="1"/>
           </p:cNvSpPr>
           <p:nvPr>
-            <p:ph type="ftr" sz="quarter" idx="11"/>
-          </p:nvPr>
-        </p:nvSpPr>
-        <p:spPr>
-          <a:xfrm>
-            <a:off x="886692" y="6172200"/>
-            <a:ext cx="4765964" cy="457200"/>
-          </a:xfrm>
-        </p:spPr>
-        <p:txBody>
-          <a:bodyPr/>
-          <a:lstStyle/>
-          <a:p>
-            <a:pPr algn="ctr"/>
-            <a:r>
-              <a:rPr lang="en-US" b="1" dirty="0">
+            <p:ph type="ctrTitle"/>
+          </p:nvPr>
+        </p:nvSpPr>
+        <p:spPr/>
+        <p:txBody>
+          <a:bodyPr>
+            <a:normAutofit/>
+          </a:bodyPr>
+          <a:lstStyle/>
+          <a:p>
+            <a:r>
+              <a:rPr lang="en-IN" b="1" dirty="0">
                 <a:latin typeface="Cambria" pitchFamily="18" charset="0"/>
                 <a:ea typeface="Cambria" pitchFamily="18" charset="0"/>
-              </a:rPr>
-              <a:t>Department of CS&amp;E, </a:t>
-            </a:r>
-            <a:r>
-              <a:rPr lang="en-US" b="1" dirty="0" err="1">
-                <a:latin typeface="Cambria" pitchFamily="18" charset="0"/>
-                <a:ea typeface="Cambria" pitchFamily="18" charset="0"/>
-              </a:rPr>
-              <a:t>Acharya</a:t>
-            </a:r>
-            <a:r>
-              <a:rPr lang="en-US" b="1" dirty="0">
-                <a:latin typeface="Cambria" pitchFamily="18" charset="0"/>
-                <a:ea typeface="Cambria" pitchFamily="18" charset="0"/>
-              </a:rPr>
-              <a:t> Institute of Technology</a:t>
-            </a:r>
-          </a:p>
-        </p:txBody>
-      </p:sp>
-      <p:sp>
-        <p:nvSpPr>
-          <p:cNvPr id="6" name="Slide Number Placeholder 5">
-            <a:extLst>
-              <a:ext uri="{FF2B5EF4-FFF2-40B4-BE49-F238E27FC236}">
-                <a16:creationId xmlns:a16="http://schemas.microsoft.com/office/drawing/2014/main" id="{B64DA838-F8DD-477F-8DE9-74E668BD5ACD}"/>
-              </a:ext>
-            </a:extLst>
-          </p:cNvPr>
-          <p:cNvSpPr>
-            <a:spLocks noGrp="1"/>
-          </p:cNvSpPr>
-          <p:nvPr>
-            <p:ph type="sldNum" sz="quarter" idx="12"/>
-          </p:nvPr>
-        </p:nvSpPr>
-        <p:spPr/>
-        <p:txBody>
-          <a:bodyPr/>
-          <a:lstStyle/>
-          <a:p>
-            <a:fld id="{80A3A3F3-8EDC-49BE-84B5-3735161BD4D6}" type="slidenum">
-              <a:rPr lang="en-US" smtClean="0"/>
-              <a:pPr/>
-              <a:t>9</a:t>
-            </a:fld>
-            <a:endParaRPr lang="en-US"/>
-          </a:p>
-        </p:txBody>
-      </p:sp>
-      <p:sp>
-        <p:nvSpPr>
-          <p:cNvPr id="7" name="Content Placeholder 6"/>
-          <p:cNvSpPr>
-            <a:spLocks noGrp="1"/>
-          </p:cNvSpPr>
-          <p:nvPr>
-            <p:ph sz="quarter" idx="1"/>
-          </p:nvPr>
-        </p:nvSpPr>
-        <p:spPr>
-          <a:xfrm>
-            <a:off x="249383" y="1447800"/>
-            <a:ext cx="11707090" cy="4572000"/>
-          </a:xfrm>
-        </p:spPr>
-        <p:txBody>
-          <a:bodyPr/>
-          <a:lstStyle/>
-          <a:p>
-            <a:pPr algn="just">
-              <a:buNone/>
-            </a:pPr>
+                <a:cs typeface="Times New Roman" pitchFamily="18" charset="0"/>
+              </a:rPr>
+              <a:t> REQUIREMENTS SPECIFICATION</a:t>
+            </a:r>
             <a:endParaRPr lang="en-US" dirty="0">
               <a:latin typeface="Cambria" pitchFamily="18" charset="0"/>
               <a:ea typeface="Cambria" pitchFamily="18" charset="0"/>
+              <a:cs typeface="Times New Roman" panose="02020603050405020304" pitchFamily="18" charset="0"/>
             </a:endParaRPr>
           </a:p>
         </p:txBody>
       </p:sp>
-      <p:graphicFrame>
-        <p:nvGraphicFramePr>
-          <p:cNvPr id="8" name="Table 7"/>
-          <p:cNvGraphicFramePr>
-            <a:graphicFrameLocks noGrp="1"/>
-          </p:cNvGraphicFramePr>
-          <p:nvPr>
-            <p:extLst>
-              <p:ext uri="{D42A27DB-BD31-4B8C-83A1-F6EECF244321}">
-                <p14:modId xmlns:p14="http://schemas.microsoft.com/office/powerpoint/2010/main" val="213478459"/>
-              </p:ext>
-            </p:extLst>
-          </p:nvPr>
-        </p:nvGraphicFramePr>
-        <p:xfrm>
-          <a:off x="263238" y="1579416"/>
-          <a:ext cx="11679380" cy="4536265"/>
-        </p:xfrm>
-        <a:graphic>
-          <a:graphicData uri="http://schemas.openxmlformats.org/drawingml/2006/table">
-            <a:tbl>
-              <a:tblPr firstRow="1" bandRow="1">
-                <a:tableStyleId>{5C22544A-7EE6-4342-B048-85BDC9FD1C3A}</a:tableStyleId>
-              </a:tblPr>
-              <a:tblGrid>
-                <a:gridCol w="2335876">
-                  <a:extLst>
-                    <a:ext uri="{9D8B030D-6E8A-4147-A177-3AD203B41FA5}">
-                      <a16:colId xmlns:a16="http://schemas.microsoft.com/office/drawing/2014/main" val="20000"/>
-                    </a:ext>
-                  </a:extLst>
-                </a:gridCol>
-                <a:gridCol w="2335876">
-                  <a:extLst>
-                    <a:ext uri="{9D8B030D-6E8A-4147-A177-3AD203B41FA5}">
-                      <a16:colId xmlns:a16="http://schemas.microsoft.com/office/drawing/2014/main" val="20001"/>
-                    </a:ext>
-                  </a:extLst>
-                </a:gridCol>
-                <a:gridCol w="2335876">
-                  <a:extLst>
-                    <a:ext uri="{9D8B030D-6E8A-4147-A177-3AD203B41FA5}">
-                      <a16:colId xmlns:a16="http://schemas.microsoft.com/office/drawing/2014/main" val="20002"/>
-                    </a:ext>
-                  </a:extLst>
-                </a:gridCol>
-                <a:gridCol w="2335876">
-                  <a:extLst>
-                    <a:ext uri="{9D8B030D-6E8A-4147-A177-3AD203B41FA5}">
-                      <a16:colId xmlns:a16="http://schemas.microsoft.com/office/drawing/2014/main" val="20003"/>
-                    </a:ext>
-                  </a:extLst>
-                </a:gridCol>
-                <a:gridCol w="2335876">
-                  <a:extLst>
-                    <a:ext uri="{9D8B030D-6E8A-4147-A177-3AD203B41FA5}">
-                      <a16:colId xmlns:a16="http://schemas.microsoft.com/office/drawing/2014/main" val="20004"/>
-                    </a:ext>
-                  </a:extLst>
-                </a:gridCol>
-              </a:tblGrid>
-              <a:tr h="1991999">
-                <a:tc>
-                  <a:txBody>
-                    <a:bodyPr/>
-                    <a:lstStyle/>
-                    <a:p>
-                      <a:pPr algn="ctr"/>
-                      <a:endParaRPr lang="en-US" dirty="0"/>
-                    </a:p>
-                    <a:p>
-                      <a:pPr algn="ctr"/>
-                      <a:endParaRPr lang="en-US" dirty="0"/>
-                    </a:p>
-                    <a:p>
-                      <a:pPr algn="ctr"/>
-                      <a:endParaRPr lang="en-US" dirty="0"/>
-                    </a:p>
-                    <a:p>
-                      <a:pPr algn="ctr"/>
-                      <a:r>
-                        <a:rPr lang="en-US" dirty="0"/>
-                        <a:t>S.N</a:t>
-                      </a:r>
-                    </a:p>
-                  </a:txBody>
-                  <a:tcPr/>
-                </a:tc>
-                <a:tc>
-                  <a:txBody>
-                    <a:bodyPr/>
-                    <a:lstStyle/>
-                    <a:p>
-                      <a:pPr algn="ctr"/>
-                      <a:endParaRPr kumimoji="0" lang="en-US" sz="1800" b="1" kern="1200" dirty="0">
-                        <a:solidFill>
-                          <a:schemeClr val="lt1"/>
-                        </a:solidFill>
-                        <a:latin typeface="+mn-lt"/>
-                        <a:ea typeface="+mn-ea"/>
-                        <a:cs typeface="+mn-cs"/>
-                      </a:endParaRPr>
-                    </a:p>
-                    <a:p>
-                      <a:pPr algn="ctr"/>
-                      <a:endParaRPr kumimoji="0" lang="en-US" sz="1800" b="1" kern="1200" dirty="0">
-                        <a:solidFill>
-                          <a:schemeClr val="lt1"/>
-                        </a:solidFill>
-                        <a:latin typeface="+mn-lt"/>
-                        <a:ea typeface="+mn-ea"/>
-                        <a:cs typeface="+mn-cs"/>
-                      </a:endParaRPr>
-                    </a:p>
-                    <a:p>
-                      <a:pPr algn="ctr"/>
-                      <a:r>
-                        <a:rPr kumimoji="0" lang="en-US" sz="1800" b="1" kern="1200" dirty="0">
-                          <a:solidFill>
-                            <a:schemeClr val="lt1"/>
-                          </a:solidFill>
-                          <a:latin typeface="+mn-lt"/>
-                          <a:ea typeface="+mn-ea"/>
-                          <a:cs typeface="+mn-cs"/>
-                        </a:rPr>
-                        <a:t>PAPER TITLE </a:t>
-                      </a:r>
-                    </a:p>
-                    <a:p>
-                      <a:pPr algn="ctr"/>
-                      <a:r>
-                        <a:rPr kumimoji="0" lang="en-US" sz="1800" b="1" kern="1200" dirty="0">
-                          <a:solidFill>
-                            <a:schemeClr val="lt1"/>
-                          </a:solidFill>
-                          <a:latin typeface="+mn-lt"/>
-                          <a:ea typeface="+mn-ea"/>
-                          <a:cs typeface="+mn-cs"/>
-                        </a:rPr>
-                        <a:t>&amp;</a:t>
-                      </a:r>
-                    </a:p>
-                    <a:p>
-                      <a:pPr algn="ctr"/>
-                      <a:r>
-                        <a:rPr kumimoji="0" lang="en-US" sz="1800" b="1" kern="1200" dirty="0">
-                          <a:solidFill>
-                            <a:schemeClr val="lt1"/>
-                          </a:solidFill>
-                          <a:latin typeface="+mn-lt"/>
-                          <a:ea typeface="+mn-ea"/>
-                          <a:cs typeface="+mn-cs"/>
-                        </a:rPr>
-                        <a:t>PUBLICATION DETAILS</a:t>
-                      </a:r>
-                      <a:endParaRPr lang="en-US" dirty="0"/>
-                    </a:p>
-                  </a:txBody>
-                  <a:tcPr/>
-                </a:tc>
-                <a:tc>
-                  <a:txBody>
-                    <a:bodyPr/>
-                    <a:lstStyle/>
-                    <a:p>
-                      <a:pPr algn="ctr"/>
-                      <a:endParaRPr kumimoji="0" lang="en-US" sz="1800" b="1" kern="1200" dirty="0">
-                        <a:solidFill>
-                          <a:schemeClr val="lt1"/>
-                        </a:solidFill>
-                        <a:latin typeface="+mn-lt"/>
-                        <a:ea typeface="+mn-ea"/>
-                        <a:cs typeface="+mn-cs"/>
-                      </a:endParaRPr>
-                    </a:p>
-                    <a:p>
-                      <a:pPr algn="ctr"/>
-                      <a:endParaRPr kumimoji="0" lang="en-US" sz="1800" b="1" kern="1200" dirty="0">
-                        <a:solidFill>
-                          <a:schemeClr val="lt1"/>
-                        </a:solidFill>
-                        <a:latin typeface="+mn-lt"/>
-                        <a:ea typeface="+mn-ea"/>
-                        <a:cs typeface="+mn-cs"/>
-                      </a:endParaRPr>
-                    </a:p>
-                    <a:p>
-                      <a:pPr algn="ctr"/>
-                      <a:r>
-                        <a:rPr kumimoji="0" lang="en-US" sz="1800" b="1" kern="1200" dirty="0">
-                          <a:solidFill>
-                            <a:schemeClr val="lt1"/>
-                          </a:solidFill>
-                          <a:latin typeface="+mn-lt"/>
-                          <a:ea typeface="+mn-ea"/>
-                          <a:cs typeface="+mn-cs"/>
-                        </a:rPr>
-                        <a:t>NAME OF THE AUTHORS</a:t>
-                      </a:r>
-                      <a:endParaRPr lang="en-US" dirty="0"/>
-                    </a:p>
-                  </a:txBody>
-                  <a:tcPr/>
-                </a:tc>
-                <a:tc>
-                  <a:txBody>
-                    <a:bodyPr/>
-                    <a:lstStyle/>
-                    <a:p>
-                      <a:pPr algn="ctr"/>
-                      <a:endParaRPr kumimoji="0" lang="en-US" sz="1800" b="1" kern="1200" dirty="0">
-                        <a:solidFill>
-                          <a:schemeClr val="lt1"/>
-                        </a:solidFill>
-                        <a:latin typeface="+mn-lt"/>
-                        <a:ea typeface="+mn-ea"/>
-                        <a:cs typeface="+mn-cs"/>
-                      </a:endParaRPr>
-                    </a:p>
-                    <a:p>
-                      <a:pPr algn="ctr"/>
-                      <a:r>
-                        <a:rPr kumimoji="0" lang="en-US" sz="1800" b="1" kern="1200" dirty="0">
-                          <a:solidFill>
-                            <a:schemeClr val="lt1"/>
-                          </a:solidFill>
-                          <a:latin typeface="+mn-lt"/>
-                          <a:ea typeface="+mn-ea"/>
-                          <a:cs typeface="+mn-cs"/>
-                        </a:rPr>
-                        <a:t>TECHNICAL  IDEAS / ALGORITHMS ACQUIRED FROM THE PAPER USEFULL IN DESIGNING THE PROPOSED SYSTEM</a:t>
-                      </a:r>
-                      <a:endParaRPr lang="en-US" dirty="0"/>
-                    </a:p>
-                  </a:txBody>
-                  <a:tcPr/>
-                </a:tc>
-                <a:tc>
-                  <a:txBody>
-                    <a:bodyPr/>
-                    <a:lstStyle/>
-                    <a:p>
-                      <a:pPr algn="ctr"/>
-                      <a:endParaRPr kumimoji="0" lang="en-US" sz="1800" b="1" kern="1200" dirty="0">
-                        <a:solidFill>
-                          <a:schemeClr val="lt1"/>
-                        </a:solidFill>
-                        <a:latin typeface="+mn-lt"/>
-                        <a:ea typeface="+mn-ea"/>
-                        <a:cs typeface="+mn-cs"/>
-                      </a:endParaRPr>
-                    </a:p>
-                    <a:p>
-                      <a:pPr algn="ctr"/>
-                      <a:r>
-                        <a:rPr kumimoji="0" lang="en-US" sz="1800" b="1" kern="1200" dirty="0">
-                          <a:solidFill>
-                            <a:schemeClr val="lt1"/>
-                          </a:solidFill>
-                          <a:latin typeface="+mn-lt"/>
-                          <a:ea typeface="+mn-ea"/>
-                          <a:cs typeface="+mn-cs"/>
-                        </a:rPr>
-                        <a:t>SHORTFALLS/DISADVANTAGES  &amp; </a:t>
-                      </a:r>
-                    </a:p>
-                    <a:p>
-                      <a:pPr algn="ctr"/>
-                      <a:r>
-                        <a:rPr kumimoji="0" lang="en-US" sz="1800" b="1" kern="1200" dirty="0">
-                          <a:solidFill>
-                            <a:schemeClr val="lt1"/>
-                          </a:solidFill>
-                          <a:latin typeface="+mn-lt"/>
-                          <a:ea typeface="+mn-ea"/>
-                          <a:cs typeface="+mn-cs"/>
-                        </a:rPr>
-                        <a:t>SOLUTION PROVIDED BY THE PROPOSED SYSTEM</a:t>
-                      </a:r>
-                      <a:endParaRPr lang="en-US" dirty="0"/>
-                    </a:p>
-                  </a:txBody>
-                  <a:tcPr/>
-                </a:tc>
-                <a:extLst>
-                  <a:ext uri="{0D108BD9-81ED-4DB2-BD59-A6C34878D82A}">
-                    <a16:rowId xmlns:a16="http://schemas.microsoft.com/office/drawing/2014/main" val="10000"/>
-                  </a:ext>
-                </a:extLst>
-              </a:tr>
-              <a:tr h="504917">
-                <a:tc>
-                  <a:txBody>
-                    <a:bodyPr/>
-                    <a:lstStyle/>
-                    <a:p>
-                      <a:pPr algn="ctr"/>
-                      <a:r>
-                        <a:rPr lang="en-US" dirty="0"/>
-                        <a:t>1</a:t>
-                      </a:r>
-                    </a:p>
-                  </a:txBody>
-                  <a:tcPr/>
-                </a:tc>
-                <a:tc>
-                  <a:txBody>
-                    <a:bodyPr/>
-                    <a:lstStyle/>
-                    <a:p>
-                      <a:pPr algn="ctr"/>
-                      <a:endParaRPr lang="en-US"/>
-                    </a:p>
-                  </a:txBody>
-                  <a:tcPr/>
-                </a:tc>
-                <a:tc>
-                  <a:txBody>
-                    <a:bodyPr/>
-                    <a:lstStyle/>
-                    <a:p>
-                      <a:pPr algn="ctr"/>
-                      <a:endParaRPr lang="en-US" dirty="0"/>
-                    </a:p>
-                  </a:txBody>
-                  <a:tcPr/>
-                </a:tc>
-                <a:tc>
-                  <a:txBody>
-                    <a:bodyPr/>
-                    <a:lstStyle/>
-                    <a:p>
-                      <a:pPr algn="ctr"/>
-                      <a:endParaRPr lang="en-US"/>
-                    </a:p>
-                  </a:txBody>
-                  <a:tcPr/>
-                </a:tc>
-                <a:tc>
-                  <a:txBody>
-                    <a:bodyPr/>
-                    <a:lstStyle/>
-                    <a:p>
-                      <a:pPr algn="ctr"/>
-                      <a:endParaRPr lang="en-US" dirty="0"/>
-                    </a:p>
-                  </a:txBody>
-                  <a:tcPr/>
-                </a:tc>
-                <a:extLst>
-                  <a:ext uri="{0D108BD9-81ED-4DB2-BD59-A6C34878D82A}">
-                    <a16:rowId xmlns:a16="http://schemas.microsoft.com/office/drawing/2014/main" val="10001"/>
-                  </a:ext>
-                </a:extLst>
-              </a:tr>
-              <a:tr h="504917">
-                <a:tc>
-                  <a:txBody>
-                    <a:bodyPr/>
-                    <a:lstStyle/>
-                    <a:p>
-                      <a:pPr algn="ctr"/>
-                      <a:r>
-                        <a:rPr lang="en-US" dirty="0"/>
-                        <a:t>2</a:t>
-                      </a:r>
-                    </a:p>
-                  </a:txBody>
-                  <a:tcPr/>
-                </a:tc>
-                <a:tc>
-                  <a:txBody>
-                    <a:bodyPr/>
-                    <a:lstStyle/>
-                    <a:p>
-                      <a:pPr algn="ctr"/>
-                      <a:endParaRPr lang="en-US"/>
-                    </a:p>
-                  </a:txBody>
-                  <a:tcPr/>
-                </a:tc>
-                <a:tc>
-                  <a:txBody>
-                    <a:bodyPr/>
-                    <a:lstStyle/>
-                    <a:p>
-                      <a:pPr algn="ctr"/>
-                      <a:endParaRPr lang="en-US" dirty="0"/>
-                    </a:p>
-                  </a:txBody>
-                  <a:tcPr/>
-                </a:tc>
-                <a:tc>
-                  <a:txBody>
-                    <a:bodyPr/>
-                    <a:lstStyle/>
-                    <a:p>
-                      <a:pPr algn="ctr"/>
-                      <a:endParaRPr lang="en-US"/>
-                    </a:p>
-                  </a:txBody>
-                  <a:tcPr/>
-                </a:tc>
-                <a:tc>
-                  <a:txBody>
-                    <a:bodyPr/>
-                    <a:lstStyle/>
-                    <a:p>
-                      <a:pPr algn="ctr"/>
-                      <a:endParaRPr lang="en-US" dirty="0"/>
-                    </a:p>
-                  </a:txBody>
-                  <a:tcPr/>
-                </a:tc>
-                <a:extLst>
-                  <a:ext uri="{0D108BD9-81ED-4DB2-BD59-A6C34878D82A}">
-                    <a16:rowId xmlns:a16="http://schemas.microsoft.com/office/drawing/2014/main" val="10002"/>
-                  </a:ext>
-                </a:extLst>
-              </a:tr>
-              <a:tr h="504917">
-                <a:tc>
-                  <a:txBody>
-                    <a:bodyPr/>
-                    <a:lstStyle/>
-                    <a:p>
-                      <a:pPr algn="ctr"/>
-                      <a:r>
-                        <a:rPr lang="en-US" dirty="0"/>
-                        <a:t>3</a:t>
-                      </a:r>
-                    </a:p>
-                  </a:txBody>
-                  <a:tcPr/>
-                </a:tc>
-                <a:tc>
-                  <a:txBody>
-                    <a:bodyPr/>
-                    <a:lstStyle/>
-                    <a:p>
-                      <a:pPr algn="ctr"/>
-                      <a:endParaRPr lang="en-US" dirty="0"/>
-                    </a:p>
-                  </a:txBody>
-                  <a:tcPr/>
-                </a:tc>
-                <a:tc>
-                  <a:txBody>
-                    <a:bodyPr/>
-                    <a:lstStyle/>
-                    <a:p>
-                      <a:pPr algn="ctr"/>
-                      <a:endParaRPr lang="en-US"/>
-                    </a:p>
-                  </a:txBody>
-                  <a:tcPr/>
-                </a:tc>
-                <a:tc>
-                  <a:txBody>
-                    <a:bodyPr/>
-                    <a:lstStyle/>
-                    <a:p>
-                      <a:pPr algn="ctr"/>
-                      <a:endParaRPr lang="en-US" dirty="0"/>
-                    </a:p>
-                  </a:txBody>
-                  <a:tcPr/>
-                </a:tc>
-                <a:tc>
-                  <a:txBody>
-                    <a:bodyPr/>
-                    <a:lstStyle/>
-                    <a:p>
-                      <a:pPr algn="ctr"/>
-                      <a:endParaRPr lang="en-US" dirty="0"/>
-                    </a:p>
-                  </a:txBody>
-                  <a:tcPr/>
-                </a:tc>
-                <a:extLst>
-                  <a:ext uri="{0D108BD9-81ED-4DB2-BD59-A6C34878D82A}">
-                    <a16:rowId xmlns:a16="http://schemas.microsoft.com/office/drawing/2014/main" val="10003"/>
-                  </a:ext>
-                </a:extLst>
-              </a:tr>
-              <a:tr h="504917">
-                <a:tc>
-                  <a:txBody>
-                    <a:bodyPr/>
-                    <a:lstStyle/>
-                    <a:p>
-                      <a:pPr algn="ctr"/>
-                      <a:r>
-                        <a:rPr lang="en-US" dirty="0"/>
-                        <a:t>4</a:t>
-                      </a:r>
-                    </a:p>
-                  </a:txBody>
-                  <a:tcPr/>
-                </a:tc>
-                <a:tc>
-                  <a:txBody>
-                    <a:bodyPr/>
-                    <a:lstStyle/>
-                    <a:p>
-                      <a:pPr algn="ctr"/>
-                      <a:endParaRPr lang="en-US" dirty="0"/>
-                    </a:p>
-                  </a:txBody>
-                  <a:tcPr/>
-                </a:tc>
-                <a:tc>
-                  <a:txBody>
-                    <a:bodyPr/>
-                    <a:lstStyle/>
-                    <a:p>
-                      <a:pPr algn="ctr"/>
-                      <a:endParaRPr lang="en-US" dirty="0"/>
-                    </a:p>
-                  </a:txBody>
-                  <a:tcPr/>
-                </a:tc>
-                <a:tc>
-                  <a:txBody>
-                    <a:bodyPr/>
-                    <a:lstStyle/>
-                    <a:p>
-                      <a:pPr algn="ctr"/>
-                      <a:endParaRPr lang="en-US" dirty="0"/>
-                    </a:p>
-                  </a:txBody>
-                  <a:tcPr/>
-                </a:tc>
-                <a:tc>
-                  <a:txBody>
-                    <a:bodyPr/>
-                    <a:lstStyle/>
-                    <a:p>
-                      <a:pPr algn="ctr"/>
-                      <a:endParaRPr lang="en-US" dirty="0"/>
-                    </a:p>
-                  </a:txBody>
-                  <a:tcPr/>
-                </a:tc>
-                <a:extLst>
-                  <a:ext uri="{0D108BD9-81ED-4DB2-BD59-A6C34878D82A}">
-                    <a16:rowId xmlns:a16="http://schemas.microsoft.com/office/drawing/2014/main" val="10004"/>
-                  </a:ext>
-                </a:extLst>
-              </a:tr>
-              <a:tr h="504917">
-                <a:tc>
-                  <a:txBody>
-                    <a:bodyPr/>
-                    <a:lstStyle/>
-                    <a:p>
-                      <a:pPr algn="ctr"/>
-                      <a:r>
-                        <a:rPr lang="en-US" dirty="0"/>
-                        <a:t>5</a:t>
-                      </a:r>
-                    </a:p>
-                  </a:txBody>
-                  <a:tcPr/>
-                </a:tc>
-                <a:tc>
-                  <a:txBody>
-                    <a:bodyPr/>
-                    <a:lstStyle/>
-                    <a:p>
-                      <a:pPr algn="ctr"/>
-                      <a:endParaRPr lang="en-US" dirty="0"/>
-                    </a:p>
-                  </a:txBody>
-                  <a:tcPr/>
-                </a:tc>
-                <a:tc>
-                  <a:txBody>
-                    <a:bodyPr/>
-                    <a:lstStyle/>
-                    <a:p>
-                      <a:pPr algn="ctr"/>
-                      <a:endParaRPr lang="en-US" dirty="0"/>
-                    </a:p>
-                  </a:txBody>
-                  <a:tcPr/>
-                </a:tc>
-                <a:tc>
-                  <a:txBody>
-                    <a:bodyPr/>
-                    <a:lstStyle/>
-                    <a:p>
-                      <a:pPr algn="ctr"/>
-                      <a:endParaRPr lang="en-US" dirty="0"/>
-                    </a:p>
-                  </a:txBody>
-                  <a:tcPr/>
-                </a:tc>
-                <a:tc>
-                  <a:txBody>
-                    <a:bodyPr/>
-                    <a:lstStyle/>
-                    <a:p>
-                      <a:pPr algn="ctr"/>
-                      <a:endParaRPr lang="en-US" dirty="0"/>
-                    </a:p>
-                  </a:txBody>
-                  <a:tcPr/>
-                </a:tc>
-                <a:extLst>
-                  <a:ext uri="{0D108BD9-81ED-4DB2-BD59-A6C34878D82A}">
-                    <a16:rowId xmlns:a16="http://schemas.microsoft.com/office/drawing/2014/main" val="10005"/>
-                  </a:ext>
-                </a:extLst>
-              </a:tr>
-            </a:tbl>
-          </a:graphicData>
-        </a:graphic>
-      </p:graphicFrame>
     </p:spTree>
     <p:extLst>
       <p:ext uri="{BB962C8B-B14F-4D97-AF65-F5344CB8AC3E}">
-        <p14:creationId xmlns:p14="http://schemas.microsoft.com/office/powerpoint/2010/main" val="1240072907"/>
+        <p14:creationId xmlns:p14="http://schemas.microsoft.com/office/powerpoint/2010/main" val="1453386912"/>
       </p:ext>
     </p:extLst>
   </p:cSld>
